--- a/Documents/Biblioteka_VCG.pptx
+++ b/Documents/Biblioteka_VCG.pptx
@@ -8,8 +8,14 @@
     <p:sldId id="256" r:id="rId2"/>
     <p:sldId id="257" r:id="rId3"/>
     <p:sldId id="258" r:id="rId4"/>
-    <p:sldId id="260" r:id="rId5"/>
-    <p:sldId id="259" r:id="rId6"/>
+    <p:sldId id="261" r:id="rId5"/>
+    <p:sldId id="260" r:id="rId6"/>
+    <p:sldId id="259" r:id="rId7"/>
+    <p:sldId id="262" r:id="rId8"/>
+    <p:sldId id="265" r:id="rId9"/>
+    <p:sldId id="266" r:id="rId10"/>
+    <p:sldId id="267" r:id="rId11"/>
+    <p:sldId id="264" r:id="rId12"/>
   </p:sldIdLst>
   <p:sldSz cx="12192000" cy="6858000"/>
   <p:notesSz cx="6858000" cy="9144000"/>
@@ -357,7 +363,7 @@
             <a:fld id="{B61BEF0D-F0BB-DE4B-95CE-6DB70DBA9567}" type="datetimeFigureOut">
               <a:rPr lang="en-US" dirty="0"/>
               <a:pPr/>
-              <a:t>3/2/2015</a:t>
+              <a:t>3/17/2015</a:t>
             </a:fld>
             <a:endParaRPr lang="en-US" dirty="0"/>
           </a:p>
@@ -616,7 +622,7 @@
             <a:fld id="{B61BEF0D-F0BB-DE4B-95CE-6DB70DBA9567}" type="datetimeFigureOut">
               <a:rPr lang="en-US" dirty="0"/>
               <a:pPr/>
-              <a:t>3/2/2015</a:t>
+              <a:t>3/17/2015</a:t>
             </a:fld>
             <a:endParaRPr lang="en-US" dirty="0"/>
           </a:p>
@@ -848,7 +854,7 @@
             <a:fld id="{B61BEF0D-F0BB-DE4B-95CE-6DB70DBA9567}" type="datetimeFigureOut">
               <a:rPr lang="en-US" dirty="0"/>
               <a:pPr/>
-              <a:t>3/2/2015</a:t>
+              <a:t>3/17/2015</a:t>
             </a:fld>
             <a:endParaRPr lang="en-US" dirty="0"/>
           </a:p>
@@ -1085,7 +1091,7 @@
             <a:fld id="{B61BEF0D-F0BB-DE4B-95CE-6DB70DBA9567}" type="datetimeFigureOut">
               <a:rPr lang="en-US" dirty="0"/>
               <a:pPr/>
-              <a:t>3/2/2015</a:t>
+              <a:t>3/17/2015</a:t>
             </a:fld>
             <a:endParaRPr lang="en-US" dirty="0"/>
           </a:p>
@@ -1389,7 +1395,7 @@
             <a:fld id="{B61BEF0D-F0BB-DE4B-95CE-6DB70DBA9567}" type="datetimeFigureOut">
               <a:rPr lang="en-US" dirty="0"/>
               <a:pPr/>
-              <a:t>3/2/2015</a:t>
+              <a:t>3/17/2015</a:t>
             </a:fld>
             <a:endParaRPr lang="en-US" dirty="0"/>
           </a:p>
@@ -1688,7 +1694,7 @@
             <a:fld id="{B61BEF0D-F0BB-DE4B-95CE-6DB70DBA9567}" type="datetimeFigureOut">
               <a:rPr lang="en-US" dirty="0"/>
               <a:pPr/>
-              <a:t>3/2/2015</a:t>
+              <a:t>3/17/2015</a:t>
             </a:fld>
             <a:endParaRPr lang="en-US" dirty="0"/>
           </a:p>
@@ -2107,7 +2113,7 @@
             <a:fld id="{B61BEF0D-F0BB-DE4B-95CE-6DB70DBA9567}" type="datetimeFigureOut">
               <a:rPr lang="en-US" dirty="0"/>
               <a:pPr/>
-              <a:t>3/2/2015</a:t>
+              <a:t>3/17/2015</a:t>
             </a:fld>
             <a:endParaRPr lang="en-US" dirty="0"/>
           </a:p>
@@ -2266,7 +2272,7 @@
             <a:fld id="{B61BEF0D-F0BB-DE4B-95CE-6DB70DBA9567}" type="datetimeFigureOut">
               <a:rPr lang="en-US" dirty="0"/>
               <a:pPr/>
-              <a:t>3/2/2015</a:t>
+              <a:t>3/17/2015</a:t>
             </a:fld>
             <a:endParaRPr lang="en-US" dirty="0"/>
           </a:p>
@@ -2358,7 +2364,7 @@
             <a:fld id="{B61BEF0D-F0BB-DE4B-95CE-6DB70DBA9567}" type="datetimeFigureOut">
               <a:rPr lang="en-US" dirty="0"/>
               <a:pPr/>
-              <a:t>3/2/2015</a:t>
+              <a:t>3/17/2015</a:t>
             </a:fld>
             <a:endParaRPr lang="en-US" dirty="0"/>
           </a:p>
@@ -2733,7 +2739,7 @@
             <a:fld id="{B61BEF0D-F0BB-DE4B-95CE-6DB70DBA9567}" type="datetimeFigureOut">
               <a:rPr lang="en-US" dirty="0"/>
               <a:pPr/>
-              <a:t>3/2/2015</a:t>
+              <a:t>3/17/2015</a:t>
             </a:fld>
             <a:endParaRPr lang="en-US" dirty="0"/>
           </a:p>
@@ -3019,7 +3025,7 @@
             <a:fld id="{B61BEF0D-F0BB-DE4B-95CE-6DB70DBA9567}" type="datetimeFigureOut">
               <a:rPr lang="en-US" dirty="0"/>
               <a:pPr/>
-              <a:t>3/2/2015</a:t>
+              <a:t>3/17/2015</a:t>
             </a:fld>
             <a:endParaRPr lang="en-US" dirty="0"/>
           </a:p>
@@ -3227,7 +3233,7 @@
             <a:fld id="{B61BEF0D-F0BB-DE4B-95CE-6DB70DBA9567}" type="datetimeFigureOut">
               <a:rPr lang="en-US" dirty="0"/>
               <a:pPr/>
-              <a:t>3/2/2015</a:t>
+              <a:t>3/17/2015</a:t>
             </a:fld>
             <a:endParaRPr lang="en-US" dirty="0"/>
           </a:p>
@@ -3887,6 +3893,176 @@
 </p:sld>
 </file>
 
+<file path=ppt/slides/slide10.xml><?xml version="1.0" encoding="utf-8"?>
+<p:sld xmlns:a="http://schemas.openxmlformats.org/drawingml/2006/main" xmlns:r="http://schemas.openxmlformats.org/officeDocument/2006/relationships" xmlns:p="http://schemas.openxmlformats.org/presentationml/2006/main">
+  <p:cSld>
+    <p:spTree>
+      <p:nvGrpSpPr>
+        <p:cNvPr id="1" name=""/>
+        <p:cNvGrpSpPr/>
+        <p:nvPr/>
+      </p:nvGrpSpPr>
+      <p:grpSpPr>
+        <a:xfrm>
+          <a:off x="0" y="0"/>
+          <a:ext cx="0" cy="0"/>
+          <a:chOff x="0" y="0"/>
+          <a:chExt cx="0" cy="0"/>
+        </a:xfrm>
+      </p:grpSpPr>
+      <p:sp>
+        <p:nvSpPr>
+          <p:cNvPr id="2" name="Tytuł 1"/>
+          <p:cNvSpPr>
+            <a:spLocks noGrp="1"/>
+          </p:cNvSpPr>
+          <p:nvPr>
+            <p:ph type="title"/>
+          </p:nvPr>
+        </p:nvSpPr>
+        <p:spPr/>
+        <p:txBody>
+          <a:bodyPr/>
+          <a:lstStyle/>
+          <a:p>
+            <a:r>
+              <a:rPr lang="pl-PL" dirty="0" smtClean="0"/>
+              <a:t>Obliczanie toru ruchu kropli</a:t>
+            </a:r>
+            <a:endParaRPr lang="pl-PL" dirty="0"/>
+          </a:p>
+        </p:txBody>
+      </p:sp>
+      <p:pic>
+        <p:nvPicPr>
+          <p:cNvPr id="4" name="Obraz 3"/>
+          <p:cNvPicPr>
+            <a:picLocks noChangeAspect="1"/>
+          </p:cNvPicPr>
+          <p:nvPr/>
+        </p:nvPicPr>
+        <p:blipFill>
+          <a:blip r:embed="rId2">
+            <a:extLst>
+              <a:ext uri="{28A0092B-C50C-407E-A947-70E740481C1C}">
+                <a14:useLocalDpi xmlns:a14="http://schemas.microsoft.com/office/drawing/2010/main" val="0"/>
+              </a:ext>
+            </a:extLst>
+          </a:blip>
+          <a:stretch>
+            <a:fillRect/>
+          </a:stretch>
+        </p:blipFill>
+        <p:spPr>
+          <a:xfrm>
+            <a:off x="2171901" y="2149296"/>
+            <a:ext cx="8105775" cy="4362450"/>
+          </a:xfrm>
+          <a:prstGeom prst="rect">
+            <a:avLst/>
+          </a:prstGeom>
+        </p:spPr>
+      </p:pic>
+    </p:spTree>
+    <p:extLst>
+      <p:ext uri="{BB962C8B-B14F-4D97-AF65-F5344CB8AC3E}">
+        <p14:creationId xmlns:p14="http://schemas.microsoft.com/office/powerpoint/2010/main" val="3427294009"/>
+      </p:ext>
+    </p:extLst>
+  </p:cSld>
+  <p:clrMapOvr>
+    <a:masterClrMapping/>
+  </p:clrMapOvr>
+</p:sld>
+</file>
+
+<file path=ppt/slides/slide11.xml><?xml version="1.0" encoding="utf-8"?>
+<p:sld xmlns:a="http://schemas.openxmlformats.org/drawingml/2006/main" xmlns:r="http://schemas.openxmlformats.org/officeDocument/2006/relationships" xmlns:p="http://schemas.openxmlformats.org/presentationml/2006/main">
+  <p:cSld>
+    <p:spTree>
+      <p:nvGrpSpPr>
+        <p:cNvPr id="1" name=""/>
+        <p:cNvGrpSpPr/>
+        <p:nvPr/>
+      </p:nvGrpSpPr>
+      <p:grpSpPr>
+        <a:xfrm>
+          <a:off x="0" y="0"/>
+          <a:ext cx="0" cy="0"/>
+          <a:chOff x="0" y="0"/>
+          <a:chExt cx="0" cy="0"/>
+        </a:xfrm>
+      </p:grpSpPr>
+      <p:sp>
+        <p:nvSpPr>
+          <p:cNvPr id="2" name="Tytuł 1"/>
+          <p:cNvSpPr>
+            <a:spLocks noGrp="1"/>
+          </p:cNvSpPr>
+          <p:nvPr>
+            <p:ph type="title"/>
+          </p:nvPr>
+        </p:nvSpPr>
+        <p:spPr/>
+        <p:txBody>
+          <a:bodyPr/>
+          <a:lstStyle/>
+          <a:p>
+            <a:r>
+              <a:rPr lang="pl-PL" dirty="0" smtClean="0"/>
+              <a:t>źródła</a:t>
+            </a:r>
+            <a:endParaRPr lang="pl-PL" dirty="0"/>
+          </a:p>
+        </p:txBody>
+      </p:sp>
+      <p:sp>
+        <p:nvSpPr>
+          <p:cNvPr id="3" name="Symbol zastępczy zawartości 2"/>
+          <p:cNvSpPr>
+            <a:spLocks noGrp="1"/>
+          </p:cNvSpPr>
+          <p:nvPr>
+            <p:ph idx="1"/>
+          </p:nvPr>
+        </p:nvSpPr>
+        <p:spPr/>
+        <p:txBody>
+          <a:bodyPr/>
+          <a:lstStyle/>
+          <a:p>
+            <a:r>
+              <a:rPr lang="pl-PL" dirty="0" smtClean="0"/>
+              <a:t>Dokumentacja biblioteki VCG</a:t>
+            </a:r>
+          </a:p>
+          <a:p>
+            <a:r>
+              <a:rPr lang="pl-PL" dirty="0" smtClean="0"/>
+              <a:t>www.wikipedia.org </a:t>
+            </a:r>
+          </a:p>
+          <a:p>
+            <a:r>
+              <a:rPr lang="pl-PL" dirty="0" smtClean="0"/>
+              <a:t>www.flipcode.com</a:t>
+            </a:r>
+          </a:p>
+        </p:txBody>
+      </p:sp>
+    </p:spTree>
+    <p:extLst>
+      <p:ext uri="{BB962C8B-B14F-4D97-AF65-F5344CB8AC3E}">
+        <p14:creationId xmlns:p14="http://schemas.microsoft.com/office/powerpoint/2010/main" val="4288971465"/>
+      </p:ext>
+    </p:extLst>
+  </p:cSld>
+  <p:clrMapOvr>
+    <a:masterClrMapping/>
+  </p:clrMapOvr>
+</p:sld>
+</file>
+
 <file path=ppt/slides/slide2.xml><?xml version="1.0" encoding="utf-8"?>
 <p:sld xmlns:a="http://schemas.openxmlformats.org/drawingml/2006/main" xmlns:r="http://schemas.openxmlformats.org/officeDocument/2006/relationships" xmlns:p="http://schemas.openxmlformats.org/presentationml/2006/main">
   <p:cSld>
@@ -4130,7 +4306,12 @@
             <p:ph idx="1"/>
           </p:nvPr>
         </p:nvSpPr>
-        <p:spPr/>
+        <p:spPr>
+          <a:xfrm>
+            <a:off x="581192" y="2180497"/>
+            <a:ext cx="11029615" cy="3277426"/>
+          </a:xfrm>
+        </p:spPr>
         <p:txBody>
           <a:bodyPr/>
           <a:lstStyle/>
@@ -4167,7 +4348,7 @@
         </p:blipFill>
         <p:spPr>
           <a:xfrm>
-            <a:off x="6829425" y="4267297"/>
+            <a:off x="6958213" y="4267297"/>
             <a:ext cx="2266950" cy="2381250"/>
           </a:xfrm>
           <a:prstGeom prst="rect">
@@ -4183,16 +4364,15 @@
           </p:cNvPicPr>
           <p:nvPr/>
         </p:nvPicPr>
-        <p:blipFill>
+        <p:blipFill rotWithShape="1">
           <a:blip r:embed="rId3"/>
-          <a:stretch>
-            <a:fillRect/>
-          </a:stretch>
+          <a:srcRect l="8399" t="10788" r="8497" b="8751"/>
+          <a:stretch/>
         </p:blipFill>
         <p:spPr>
           <a:xfrm>
-            <a:off x="9096375" y="2180496"/>
-            <a:ext cx="2867025" cy="3425340"/>
+            <a:off x="9337181" y="2421228"/>
+            <a:ext cx="2382593" cy="2756080"/>
           </a:xfrm>
           <a:prstGeom prst="rect">
             <a:avLst/>
@@ -4231,7 +4411,7 @@
       </p:grpSpPr>
       <p:sp>
         <p:nvSpPr>
-          <p:cNvPr id="2" name="Title 1"/>
+          <p:cNvPr id="2" name="Tytuł 1"/>
           <p:cNvSpPr>
             <a:spLocks noGrp="1"/>
           </p:cNvSpPr>
@@ -4245,60 +4425,153 @@
           <a:lstStyle/>
           <a:p>
             <a:r>
+              <a:rPr lang="pl-PL" dirty="0" smtClean="0"/>
+              <a:t>Funkcje biblioteki</a:t>
+            </a:r>
+            <a:endParaRPr lang="pl-PL" dirty="0"/>
+          </a:p>
+        </p:txBody>
+      </p:sp>
+      <p:sp>
+        <p:nvSpPr>
+          <p:cNvPr id="3" name="Symbol zastępczy zawartości 2"/>
+          <p:cNvSpPr>
+            <a:spLocks noGrp="1"/>
+          </p:cNvSpPr>
+          <p:nvPr>
+            <p:ph idx="1"/>
+          </p:nvPr>
+        </p:nvSpPr>
+        <p:spPr>
+          <a:xfrm>
+            <a:off x="581192" y="2180496"/>
+            <a:ext cx="11029615" cy="4258941"/>
+          </a:xfrm>
+        </p:spPr>
+        <p:txBody>
+          <a:bodyPr>
+            <a:normAutofit/>
+          </a:bodyPr>
+          <a:lstStyle/>
+          <a:p>
+            <a:r>
+              <a:rPr lang="pl-PL" dirty="0" smtClean="0"/>
+              <a:t>Zaawansowane algorytmy wygładzania siatek</a:t>
+            </a:r>
+          </a:p>
+          <a:p>
+            <a:r>
+              <a:rPr lang="pl-PL" dirty="0" smtClean="0"/>
+              <a:t>Możliwość naprawiania/uzupełniania siatek</a:t>
+            </a:r>
+          </a:p>
+          <a:p>
+            <a:r>
+              <a:rPr lang="pl-PL" dirty="0" smtClean="0"/>
+              <a:t>Obliczanie krzywizn</a:t>
+            </a:r>
+          </a:p>
+          <a:p>
+            <a:r>
+              <a:rPr lang="pl-PL" dirty="0" smtClean="0"/>
+              <a:t>Rekursywny </a:t>
+            </a:r>
+            <a:r>
               <a:rPr lang="pl-PL" dirty="0"/>
-              <a:t>Projekty wykorzystujące VCG</a:t>
-            </a:r>
-            <a:endParaRPr lang="en-US" dirty="0"/>
-          </a:p>
-        </p:txBody>
-      </p:sp>
-      <p:sp>
-        <p:nvSpPr>
-          <p:cNvPr id="3" name="Content Placeholder 2"/>
-          <p:cNvSpPr>
-            <a:spLocks noGrp="1"/>
-          </p:cNvSpPr>
-          <p:nvPr>
-            <p:ph idx="1"/>
-          </p:nvPr>
-        </p:nvSpPr>
-        <p:spPr/>
-        <p:txBody>
-          <a:bodyPr/>
-          <a:lstStyle/>
-          <a:p>
+              <a:t>podział </a:t>
+            </a:r>
+            <a:r>
+              <a:rPr lang="pl-PL" dirty="0" smtClean="0"/>
+              <a:t>powierzchni  brył </a:t>
+            </a:r>
+          </a:p>
+          <a:p>
+            <a:r>
+              <a:rPr lang="pl-PL" dirty="0" smtClean="0"/>
+              <a:t>Obliczanie odległości Hausdorff a</a:t>
+            </a:r>
+          </a:p>
+          <a:p>
+            <a:r>
+              <a:rPr lang="pl-PL" dirty="0" smtClean="0"/>
+              <a:t>Zapewnione wydajne struktury (siatki jednolite/ siatki haszowane/ drzewa </a:t>
+            </a:r>
             <a:r>
               <a:rPr lang="pl-PL" dirty="0" err="1" smtClean="0"/>
-              <a:t>MeshLab</a:t>
-            </a:r>
-            <a:r>
-              <a:rPr lang="pl-PL" dirty="0" smtClean="0"/>
-              <a:t> – algorytmy do edytowania, wygładzania, oraz usuwania artefaktów z modeli</a:t>
-            </a:r>
-          </a:p>
-          <a:p>
-            <a:r>
-              <a:rPr lang="pl-PL" dirty="0" smtClean="0"/>
-              <a:t>Metro – narzędzie obliczające różnice między modelami</a:t>
-            </a:r>
-          </a:p>
-          <a:p>
-            <a:r>
-              <a:rPr lang="pl-PL" dirty="0" err="1" smtClean="0"/>
-              <a:t>Michaleangelo</a:t>
-            </a:r>
-            <a:r>
-              <a:rPr lang="pl-PL" dirty="0" smtClean="0"/>
-              <a:t> – utworzenie biblioteki modeli 3D największych zabytków</a:t>
-            </a:r>
-            <a:endParaRPr lang="en-US" dirty="0"/>
-          </a:p>
-        </p:txBody>
-      </p:sp>
+              <a:t>kd</a:t>
+            </a:r>
+            <a:r>
+              <a:rPr lang="pl-PL" dirty="0" smtClean="0"/>
+              <a:t>)</a:t>
+            </a:r>
+            <a:endParaRPr lang="pl-PL" dirty="0"/>
+          </a:p>
+        </p:txBody>
+      </p:sp>
+      <p:pic>
+        <p:nvPicPr>
+          <p:cNvPr id="4" name="Obraz 3"/>
+          <p:cNvPicPr>
+            <a:picLocks noChangeAspect="1"/>
+          </p:cNvPicPr>
+          <p:nvPr/>
+        </p:nvPicPr>
+        <p:blipFill>
+          <a:blip r:embed="rId2">
+            <a:extLst>
+              <a:ext uri="{28A0092B-C50C-407E-A947-70E740481C1C}">
+                <a14:useLocalDpi xmlns:a14="http://schemas.microsoft.com/office/drawing/2010/main" val="0"/>
+              </a:ext>
+            </a:extLst>
+          </a:blip>
+          <a:stretch>
+            <a:fillRect/>
+          </a:stretch>
+        </p:blipFill>
+        <p:spPr>
+          <a:xfrm>
+            <a:off x="9169759" y="3925198"/>
+            <a:ext cx="2653045" cy="2522329"/>
+          </a:xfrm>
+          <a:prstGeom prst="rect">
+            <a:avLst/>
+          </a:prstGeom>
+        </p:spPr>
+      </p:pic>
+      <p:pic>
+        <p:nvPicPr>
+          <p:cNvPr id="6" name="Obraz 5"/>
+          <p:cNvPicPr>
+            <a:picLocks noChangeAspect="1"/>
+          </p:cNvPicPr>
+          <p:nvPr/>
+        </p:nvPicPr>
+        <p:blipFill>
+          <a:blip r:embed="rId3">
+            <a:extLst>
+              <a:ext uri="{28A0092B-C50C-407E-A947-70E740481C1C}">
+                <a14:useLocalDpi xmlns:a14="http://schemas.microsoft.com/office/drawing/2010/main" val="0"/>
+              </a:ext>
+            </a:extLst>
+          </a:blip>
+          <a:stretch>
+            <a:fillRect/>
+          </a:stretch>
+        </p:blipFill>
+        <p:spPr>
+          <a:xfrm>
+            <a:off x="5431867" y="2496892"/>
+            <a:ext cx="3737892" cy="2153026"/>
+          </a:xfrm>
+          <a:prstGeom prst="rect">
+            <a:avLst/>
+          </a:prstGeom>
+        </p:spPr>
+      </p:pic>
     </p:spTree>
     <p:extLst>
       <p:ext uri="{BB962C8B-B14F-4D97-AF65-F5344CB8AC3E}">
-        <p14:creationId xmlns:p14="http://schemas.microsoft.com/office/powerpoint/2010/main" val="3331525133"/>
+        <p14:creationId xmlns:p14="http://schemas.microsoft.com/office/powerpoint/2010/main" val="3385608504"/>
       </p:ext>
     </p:extLst>
   </p:cSld>
@@ -4341,6 +4614,102 @@
           <a:lstStyle/>
           <a:p>
             <a:r>
+              <a:rPr lang="pl-PL" dirty="0"/>
+              <a:t>Projekty wykorzystujące VCG</a:t>
+            </a:r>
+            <a:endParaRPr lang="en-US" dirty="0"/>
+          </a:p>
+        </p:txBody>
+      </p:sp>
+      <p:sp>
+        <p:nvSpPr>
+          <p:cNvPr id="3" name="Content Placeholder 2"/>
+          <p:cNvSpPr>
+            <a:spLocks noGrp="1"/>
+          </p:cNvSpPr>
+          <p:nvPr>
+            <p:ph idx="1"/>
+          </p:nvPr>
+        </p:nvSpPr>
+        <p:spPr/>
+        <p:txBody>
+          <a:bodyPr/>
+          <a:lstStyle/>
+          <a:p>
+            <a:r>
+              <a:rPr lang="pl-PL" dirty="0" err="1" smtClean="0"/>
+              <a:t>MeshLab</a:t>
+            </a:r>
+            <a:r>
+              <a:rPr lang="pl-PL" dirty="0" smtClean="0"/>
+              <a:t> – algorytmy do edytowania, wygładzania, oraz usuwania artefaktów z modeli</a:t>
+            </a:r>
+          </a:p>
+          <a:p>
+            <a:r>
+              <a:rPr lang="pl-PL" dirty="0" smtClean="0"/>
+              <a:t>Metro – narzędzie obliczające różnice między modelami</a:t>
+            </a:r>
+          </a:p>
+          <a:p>
+            <a:r>
+              <a:rPr lang="pl-PL" dirty="0" err="1" smtClean="0"/>
+              <a:t>Michaleangelo</a:t>
+            </a:r>
+            <a:r>
+              <a:rPr lang="pl-PL" dirty="0" smtClean="0"/>
+              <a:t> – utworzenie biblioteki modeli 3D największych zabytków</a:t>
+            </a:r>
+            <a:endParaRPr lang="en-US" dirty="0"/>
+          </a:p>
+        </p:txBody>
+      </p:sp>
+    </p:spTree>
+    <p:extLst>
+      <p:ext uri="{BB962C8B-B14F-4D97-AF65-F5344CB8AC3E}">
+        <p14:creationId xmlns:p14="http://schemas.microsoft.com/office/powerpoint/2010/main" val="3331525133"/>
+      </p:ext>
+    </p:extLst>
+  </p:cSld>
+  <p:clrMapOvr>
+    <a:masterClrMapping/>
+  </p:clrMapOvr>
+</p:sld>
+</file>
+
+<file path=ppt/slides/slide6.xml><?xml version="1.0" encoding="utf-8"?>
+<p:sld xmlns:a="http://schemas.openxmlformats.org/drawingml/2006/main" xmlns:r="http://schemas.openxmlformats.org/officeDocument/2006/relationships" xmlns:p="http://schemas.openxmlformats.org/presentationml/2006/main">
+  <p:cSld>
+    <p:spTree>
+      <p:nvGrpSpPr>
+        <p:cNvPr id="1" name=""/>
+        <p:cNvGrpSpPr/>
+        <p:nvPr/>
+      </p:nvGrpSpPr>
+      <p:grpSpPr>
+        <a:xfrm>
+          <a:off x="0" y="0"/>
+          <a:ext cx="0" cy="0"/>
+          <a:chOff x="0" y="0"/>
+          <a:chExt cx="0" cy="0"/>
+        </a:xfrm>
+      </p:grpSpPr>
+      <p:sp>
+        <p:nvSpPr>
+          <p:cNvPr id="2" name="Title 1"/>
+          <p:cNvSpPr>
+            <a:spLocks noGrp="1"/>
+          </p:cNvSpPr>
+          <p:nvPr>
+            <p:ph type="title"/>
+          </p:nvPr>
+        </p:nvSpPr>
+        <p:spPr/>
+        <p:txBody>
+          <a:bodyPr/>
+          <a:lstStyle/>
+          <a:p>
+            <a:r>
               <a:rPr lang="pl-PL" dirty="0" err="1"/>
               <a:t>Michaleangelo</a:t>
             </a:r>
@@ -4453,6 +4822,662 @@
     <p:extLst>
       <p:ext uri="{BB962C8B-B14F-4D97-AF65-F5344CB8AC3E}">
         <p14:creationId xmlns:p14="http://schemas.microsoft.com/office/powerpoint/2010/main" val="2677900306"/>
+      </p:ext>
+    </p:extLst>
+  </p:cSld>
+  <p:clrMapOvr>
+    <a:masterClrMapping/>
+  </p:clrMapOvr>
+</p:sld>
+</file>
+
+<file path=ppt/slides/slide7.xml><?xml version="1.0" encoding="utf-8"?>
+<p:sld xmlns:a="http://schemas.openxmlformats.org/drawingml/2006/main" xmlns:r="http://schemas.openxmlformats.org/officeDocument/2006/relationships" xmlns:p="http://schemas.openxmlformats.org/presentationml/2006/main">
+  <p:cSld>
+    <p:spTree>
+      <p:nvGrpSpPr>
+        <p:cNvPr id="1" name=""/>
+        <p:cNvGrpSpPr/>
+        <p:nvPr/>
+      </p:nvGrpSpPr>
+      <p:grpSpPr>
+        <a:xfrm>
+          <a:off x="0" y="0"/>
+          <a:ext cx="0" cy="0"/>
+          <a:chOff x="0" y="0"/>
+          <a:chExt cx="0" cy="0"/>
+        </a:xfrm>
+      </p:grpSpPr>
+      <p:sp>
+        <p:nvSpPr>
+          <p:cNvPr id="2" name="Tytuł 1"/>
+          <p:cNvSpPr>
+            <a:spLocks noGrp="1"/>
+          </p:cNvSpPr>
+          <p:nvPr>
+            <p:ph type="title"/>
+          </p:nvPr>
+        </p:nvSpPr>
+        <p:spPr/>
+        <p:txBody>
+          <a:bodyPr/>
+          <a:lstStyle/>
+          <a:p>
+            <a:r>
+              <a:rPr lang="pl-PL" dirty="0" smtClean="0"/>
+              <a:t>INFORMACJE O ANALIZOWANYM MODELU</a:t>
+            </a:r>
+            <a:endParaRPr lang="pl-PL" dirty="0"/>
+          </a:p>
+        </p:txBody>
+      </p:sp>
+      <p:sp>
+        <p:nvSpPr>
+          <p:cNvPr id="3" name="Symbol zastępczy zawartości 2"/>
+          <p:cNvSpPr>
+            <a:spLocks noGrp="1"/>
+          </p:cNvSpPr>
+          <p:nvPr>
+            <p:ph idx="1"/>
+          </p:nvPr>
+        </p:nvSpPr>
+        <p:spPr>
+          <a:xfrm>
+            <a:off x="529677" y="2695652"/>
+            <a:ext cx="11029615" cy="2855143"/>
+          </a:xfrm>
+        </p:spPr>
+        <p:txBody>
+          <a:bodyPr numCol="2">
+            <a:normAutofit lnSpcReduction="10000"/>
+          </a:bodyPr>
+          <a:lstStyle/>
+          <a:p>
+            <a:r>
+              <a:rPr lang="pl-PL" dirty="0" smtClean="0"/>
+              <a:t>Liczba ścian</a:t>
+            </a:r>
+          </a:p>
+          <a:p>
+            <a:r>
+              <a:rPr lang="pl-PL" dirty="0" smtClean="0"/>
+              <a:t>Liczba krawędzi</a:t>
+            </a:r>
+          </a:p>
+          <a:p>
+            <a:r>
+              <a:rPr lang="pl-PL" dirty="0" smtClean="0"/>
+              <a:t>Liczba krawędzi ograniczających</a:t>
+            </a:r>
+          </a:p>
+          <a:p>
+            <a:r>
+              <a:rPr lang="pl-PL" dirty="0"/>
+              <a:t>Liczba </a:t>
+            </a:r>
+            <a:r>
+              <a:rPr lang="pl-PL" dirty="0" smtClean="0"/>
+              <a:t>wierzchołków</a:t>
+            </a:r>
+          </a:p>
+          <a:p>
+            <a:r>
+              <a:rPr lang="pl-PL" dirty="0" smtClean="0"/>
+              <a:t>Liczba pojedynczych wierzchołków</a:t>
+            </a:r>
+          </a:p>
+          <a:p>
+            <a:r>
+              <a:rPr lang="pl-PL" dirty="0" smtClean="0"/>
+              <a:t>Liczba powtarzających się wierzchołków</a:t>
+            </a:r>
+            <a:endParaRPr lang="pl-PL" dirty="0"/>
+          </a:p>
+          <a:p>
+            <a:r>
+              <a:rPr lang="pl-PL" dirty="0"/>
+              <a:t>Liczba połączonych </a:t>
+            </a:r>
+            <a:r>
+              <a:rPr lang="pl-PL" dirty="0" smtClean="0"/>
+              <a:t>części</a:t>
+            </a:r>
+          </a:p>
+          <a:p>
+            <a:r>
+              <a:rPr lang="pl-PL" dirty="0" smtClean="0"/>
+              <a:t>Rozmaitość modelu</a:t>
+            </a:r>
+          </a:p>
+          <a:p>
+            <a:r>
+              <a:rPr lang="pl-PL" dirty="0" smtClean="0"/>
+              <a:t>Objętość modelu</a:t>
+            </a:r>
+          </a:p>
+          <a:p>
+            <a:r>
+              <a:rPr lang="pl-PL" dirty="0" smtClean="0"/>
+              <a:t>Kolor modelu</a:t>
+            </a:r>
+          </a:p>
+          <a:p>
+            <a:r>
+              <a:rPr lang="pl-PL" dirty="0" smtClean="0"/>
+              <a:t>Genus</a:t>
+            </a:r>
+            <a:r>
+              <a:rPr lang="pl-PL" dirty="0"/>
+              <a:t> </a:t>
+            </a:r>
+            <a:r>
+              <a:rPr lang="pl-PL" dirty="0" smtClean="0"/>
+              <a:t>modelu</a:t>
+            </a:r>
+          </a:p>
+          <a:p>
+            <a:r>
+              <a:rPr lang="pl-PL" dirty="0" smtClean="0"/>
+              <a:t>Orientacja modelu</a:t>
+            </a:r>
+          </a:p>
+          <a:p>
+            <a:r>
+              <a:rPr lang="pl-PL" dirty="0" smtClean="0"/>
+              <a:t>Regularność modelu</a:t>
+            </a:r>
+          </a:p>
+          <a:p>
+            <a:r>
+              <a:rPr lang="pl-PL" dirty="0" err="1" smtClean="0"/>
+              <a:t>Samoprzecięcia</a:t>
+            </a:r>
+            <a:r>
+              <a:rPr lang="pl-PL" dirty="0" smtClean="0"/>
+              <a:t> w modelu</a:t>
+            </a:r>
+            <a:endParaRPr lang="pl-PL" dirty="0"/>
+          </a:p>
+        </p:txBody>
+      </p:sp>
+    </p:spTree>
+    <p:extLst>
+      <p:ext uri="{BB962C8B-B14F-4D97-AF65-F5344CB8AC3E}">
+        <p14:creationId xmlns:p14="http://schemas.microsoft.com/office/powerpoint/2010/main" val="1574007449"/>
+      </p:ext>
+    </p:extLst>
+  </p:cSld>
+  <p:clrMapOvr>
+    <a:masterClrMapping/>
+  </p:clrMapOvr>
+</p:sld>
+</file>
+
+<file path=ppt/slides/slide8.xml><?xml version="1.0" encoding="utf-8"?>
+<p:sld xmlns:a="http://schemas.openxmlformats.org/drawingml/2006/main" xmlns:r="http://schemas.openxmlformats.org/officeDocument/2006/relationships" xmlns:p="http://schemas.openxmlformats.org/presentationml/2006/main">
+  <p:cSld>
+    <p:spTree>
+      <p:nvGrpSpPr>
+        <p:cNvPr id="1" name=""/>
+        <p:cNvGrpSpPr/>
+        <p:nvPr/>
+      </p:nvGrpSpPr>
+      <p:grpSpPr>
+        <a:xfrm>
+          <a:off x="0" y="0"/>
+          <a:ext cx="0" cy="0"/>
+          <a:chOff x="0" y="0"/>
+          <a:chExt cx="0" cy="0"/>
+        </a:xfrm>
+      </p:grpSpPr>
+      <p:sp>
+        <p:nvSpPr>
+          <p:cNvPr id="2" name="Tytuł 1"/>
+          <p:cNvSpPr>
+            <a:spLocks noGrp="1"/>
+          </p:cNvSpPr>
+          <p:nvPr>
+            <p:ph type="title"/>
+          </p:nvPr>
+        </p:nvSpPr>
+        <p:spPr/>
+        <p:txBody>
+          <a:bodyPr/>
+          <a:lstStyle/>
+          <a:p>
+            <a:r>
+              <a:rPr lang="pl-PL" dirty="0" smtClean="0"/>
+              <a:t>Half-</a:t>
+            </a:r>
+            <a:r>
+              <a:rPr lang="pl-PL" dirty="0" err="1" smtClean="0"/>
+              <a:t>edge</a:t>
+            </a:r>
+            <a:endParaRPr lang="pl-PL" dirty="0"/>
+          </a:p>
+        </p:txBody>
+      </p:sp>
+      <p:sp>
+        <p:nvSpPr>
+          <p:cNvPr id="3" name="Symbol zastępczy zawartości 2"/>
+          <p:cNvSpPr>
+            <a:spLocks noGrp="1"/>
+          </p:cNvSpPr>
+          <p:nvPr>
+            <p:ph idx="1"/>
+          </p:nvPr>
+        </p:nvSpPr>
+        <p:spPr>
+          <a:xfrm>
+            <a:off x="581192" y="2180496"/>
+            <a:ext cx="11029615" cy="4130152"/>
+          </a:xfrm>
+        </p:spPr>
+        <p:txBody>
+          <a:bodyPr>
+            <a:normAutofit fontScale="92500" lnSpcReduction="10000"/>
+          </a:bodyPr>
+          <a:lstStyle/>
+          <a:p>
+            <a:endParaRPr lang="pl-PL" dirty="0" smtClean="0"/>
+          </a:p>
+          <a:p>
+            <a:r>
+              <a:rPr lang="pl-PL" dirty="0" smtClean="0"/>
+              <a:t>Struktura przechowująca informacje o topologii modelu 3D (wierzchołki, krawędzie, ściany)</a:t>
+            </a:r>
+          </a:p>
+          <a:p>
+            <a:r>
+              <a:rPr lang="pl-PL" dirty="0" smtClean="0"/>
+              <a:t>Struktura listowa, budowana na wskaźnikach</a:t>
+            </a:r>
+          </a:p>
+          <a:p>
+            <a:r>
+              <a:rPr lang="pl-PL" dirty="0" smtClean="0"/>
+              <a:t>Dostęp do elementu w czasie stałym</a:t>
+            </a:r>
+          </a:p>
+          <a:p>
+            <a:r>
+              <a:rPr lang="pl-PL" dirty="0" smtClean="0"/>
+              <a:t>Krawędzie są reprezentowane przez </a:t>
+            </a:r>
+            <a:r>
+              <a:rPr lang="pl-PL" dirty="0"/>
+              <a:t>dwie </a:t>
+            </a:r>
+            <a:r>
+              <a:rPr lang="pl-PL" dirty="0" smtClean="0"/>
+              <a:t>półkrawędzie</a:t>
+            </a:r>
+          </a:p>
+          <a:p>
+            <a:endParaRPr lang="pl-PL" dirty="0" smtClean="0"/>
+          </a:p>
+          <a:p>
+            <a:pPr marL="0" indent="0">
+              <a:buNone/>
+            </a:pPr>
+            <a:r>
+              <a:rPr lang="pl-PL" dirty="0" smtClean="0"/>
+              <a:t>Każda półkrawędź zawiera wskaźnik do:</a:t>
+            </a:r>
+          </a:p>
+          <a:p>
+            <a:r>
+              <a:rPr lang="pl-PL" dirty="0" smtClean="0"/>
+              <a:t>Wierzchołka końcowego (</a:t>
+            </a:r>
+            <a:r>
+              <a:rPr lang="pl-PL" dirty="0" err="1" smtClean="0"/>
+              <a:t>vertex</a:t>
+            </a:r>
+            <a:r>
+              <a:rPr lang="pl-PL" dirty="0" smtClean="0"/>
+              <a:t>(e))</a:t>
+            </a:r>
+          </a:p>
+          <a:p>
+            <a:r>
+              <a:rPr lang="pl-PL" dirty="0" smtClean="0"/>
+              <a:t>Przeciwnej półkrawędzi (</a:t>
+            </a:r>
+            <a:r>
+              <a:rPr lang="pl-PL" dirty="0" err="1" smtClean="0"/>
+              <a:t>opposite</a:t>
+            </a:r>
+            <a:r>
+              <a:rPr lang="pl-PL" dirty="0" smtClean="0"/>
+              <a:t>(e))</a:t>
+            </a:r>
+          </a:p>
+          <a:p>
+            <a:r>
+              <a:rPr lang="pl-PL" dirty="0" smtClean="0"/>
+              <a:t>Następnej półkrawędzi (</a:t>
+            </a:r>
+            <a:r>
+              <a:rPr lang="pl-PL" dirty="0" err="1" smtClean="0"/>
+              <a:t>next</a:t>
+            </a:r>
+            <a:r>
+              <a:rPr lang="pl-PL" dirty="0" smtClean="0"/>
+              <a:t>(e))</a:t>
+            </a:r>
+          </a:p>
+          <a:p>
+            <a:r>
+              <a:rPr lang="pl-PL" dirty="0" smtClean="0"/>
+              <a:t>Przyległej ściany(face(e))</a:t>
+            </a:r>
+          </a:p>
+          <a:p>
+            <a:endParaRPr lang="pl-PL" dirty="0"/>
+          </a:p>
+        </p:txBody>
+      </p:sp>
+      <p:pic>
+        <p:nvPicPr>
+          <p:cNvPr id="4" name="Obraz 3"/>
+          <p:cNvPicPr>
+            <a:picLocks noChangeAspect="1"/>
+          </p:cNvPicPr>
+          <p:nvPr/>
+        </p:nvPicPr>
+        <p:blipFill>
+          <a:blip r:embed="rId2">
+            <a:extLst>
+              <a:ext uri="{28A0092B-C50C-407E-A947-70E740481C1C}">
+                <a14:useLocalDpi xmlns:a14="http://schemas.microsoft.com/office/drawing/2010/main" val="0"/>
+              </a:ext>
+            </a:extLst>
+          </a:blip>
+          <a:stretch>
+            <a:fillRect/>
+          </a:stretch>
+        </p:blipFill>
+        <p:spPr>
+          <a:xfrm>
+            <a:off x="7096258" y="3090930"/>
+            <a:ext cx="4210181" cy="3063896"/>
+          </a:xfrm>
+          <a:prstGeom prst="rect">
+            <a:avLst/>
+          </a:prstGeom>
+        </p:spPr>
+      </p:pic>
+    </p:spTree>
+    <p:extLst>
+      <p:ext uri="{BB962C8B-B14F-4D97-AF65-F5344CB8AC3E}">
+        <p14:creationId xmlns:p14="http://schemas.microsoft.com/office/powerpoint/2010/main" val="2852919667"/>
+      </p:ext>
+    </p:extLst>
+  </p:cSld>
+  <p:clrMapOvr>
+    <a:masterClrMapping/>
+  </p:clrMapOvr>
+</p:sld>
+</file>
+
+<file path=ppt/slides/slide9.xml><?xml version="1.0" encoding="utf-8"?>
+<p:sld xmlns:a="http://schemas.openxmlformats.org/drawingml/2006/main" xmlns:r="http://schemas.openxmlformats.org/officeDocument/2006/relationships" xmlns:p="http://schemas.openxmlformats.org/presentationml/2006/main">
+  <p:cSld>
+    <p:spTree>
+      <p:nvGrpSpPr>
+        <p:cNvPr id="1" name=""/>
+        <p:cNvGrpSpPr/>
+        <p:nvPr/>
+      </p:nvGrpSpPr>
+      <p:grpSpPr>
+        <a:xfrm>
+          <a:off x="0" y="0"/>
+          <a:ext cx="0" cy="0"/>
+          <a:chOff x="0" y="0"/>
+          <a:chExt cx="0" cy="0"/>
+        </a:xfrm>
+      </p:grpSpPr>
+      <p:sp>
+        <p:nvSpPr>
+          <p:cNvPr id="2" name="Tytuł 1"/>
+          <p:cNvSpPr>
+            <a:spLocks noGrp="1"/>
+          </p:cNvSpPr>
+          <p:nvPr>
+            <p:ph type="title"/>
+          </p:nvPr>
+        </p:nvSpPr>
+        <p:spPr/>
+        <p:txBody>
+          <a:bodyPr/>
+          <a:lstStyle/>
+          <a:p>
+            <a:r>
+              <a:rPr lang="pl-PL" dirty="0" smtClean="0"/>
+              <a:t>WYKORZYSTANIE BIBLIOTEKI</a:t>
+            </a:r>
+            <a:endParaRPr lang="pl-PL" dirty="0"/>
+          </a:p>
+        </p:txBody>
+      </p:sp>
+      <p:sp>
+        <p:nvSpPr>
+          <p:cNvPr id="3" name="Symbol zastępczy zawartości 2"/>
+          <p:cNvSpPr>
+            <a:spLocks noGrp="1"/>
+          </p:cNvSpPr>
+          <p:nvPr>
+            <p:ph idx="1"/>
+          </p:nvPr>
+        </p:nvSpPr>
+        <p:spPr/>
+        <p:txBody>
+          <a:bodyPr/>
+          <a:lstStyle/>
+          <a:p>
+            <a:r>
+              <a:rPr lang="pl-PL" dirty="0" smtClean="0"/>
+              <a:t>Zdefiniowanie  używanych typów zapewnionych przez bibliotekę </a:t>
+            </a:r>
+          </a:p>
+          <a:p>
+            <a:endParaRPr lang="pl-PL" dirty="0"/>
+          </a:p>
+          <a:p>
+            <a:endParaRPr lang="pl-PL" dirty="0" smtClean="0"/>
+          </a:p>
+          <a:p>
+            <a:endParaRPr lang="pl-PL" dirty="0" smtClean="0"/>
+          </a:p>
+          <a:p>
+            <a:r>
+              <a:rPr lang="pl-PL" dirty="0" smtClean="0"/>
+              <a:t>Zdefiniowanie  własnych typów za pomocą dostępnych atrybutów</a:t>
+            </a:r>
+          </a:p>
+          <a:p>
+            <a:endParaRPr lang="pl-PL" dirty="0"/>
+          </a:p>
+          <a:p>
+            <a:endParaRPr lang="pl-PL" dirty="0" smtClean="0"/>
+          </a:p>
+          <a:p>
+            <a:r>
+              <a:rPr lang="pl-PL" dirty="0" smtClean="0"/>
+              <a:t>Zdefiniowanie siatki modelu</a:t>
+            </a:r>
+            <a:endParaRPr lang="pl-PL" dirty="0"/>
+          </a:p>
+          <a:p>
+            <a:endParaRPr lang="pl-PL" dirty="0"/>
+          </a:p>
+        </p:txBody>
+      </p:sp>
+      <p:pic>
+        <p:nvPicPr>
+          <p:cNvPr id="1026" name="Picture 2"/>
+          <p:cNvPicPr>
+            <a:picLocks noChangeAspect="1" noChangeArrowheads="1"/>
+          </p:cNvPicPr>
+          <p:nvPr/>
+        </p:nvPicPr>
+        <p:blipFill>
+          <a:blip r:embed="rId2">
+            <a:extLst>
+              <a:ext uri="{28A0092B-C50C-407E-A947-70E740481C1C}">
+                <a14:useLocalDpi xmlns:a14="http://schemas.microsoft.com/office/drawing/2010/main" val="0"/>
+              </a:ext>
+            </a:extLst>
+          </a:blip>
+          <a:srcRect/>
+          <a:stretch>
+            <a:fillRect/>
+          </a:stretch>
+        </p:blipFill>
+        <p:spPr bwMode="auto">
+          <a:xfrm>
+            <a:off x="762536" y="2594110"/>
+            <a:ext cx="8913813" cy="1231900"/>
+          </a:xfrm>
+          <a:prstGeom prst="rect">
+            <a:avLst/>
+          </a:prstGeom>
+          <a:noFill/>
+          <a:ln>
+            <a:noFill/>
+          </a:ln>
+          <a:extLst>
+            <a:ext uri="{909E8E84-426E-40DD-AFC4-6F175D3DCCD1}">
+              <a14:hiddenFill xmlns:a14="http://schemas.microsoft.com/office/drawing/2010/main">
+                <a:solidFill>
+                  <a:schemeClr val="accent1"/>
+                </a:solidFill>
+              </a14:hiddenFill>
+            </a:ext>
+            <a:ext uri="{91240B29-F687-4F45-9708-019B960494DF}">
+              <a14:hiddenLine xmlns:a14="http://schemas.microsoft.com/office/drawing/2010/main" w="9525">
+                <a:solidFill>
+                  <a:schemeClr val="tx1"/>
+                </a:solidFill>
+                <a:miter lim="800000"/>
+                <a:headEnd/>
+                <a:tailEnd/>
+              </a14:hiddenLine>
+            </a:ext>
+          </a:extLst>
+        </p:spPr>
+      </p:pic>
+      <p:pic>
+        <p:nvPicPr>
+          <p:cNvPr id="1027" name="Picture 3"/>
+          <p:cNvPicPr>
+            <a:picLocks noChangeAspect="1" noChangeArrowheads="1"/>
+          </p:cNvPicPr>
+          <p:nvPr/>
+        </p:nvPicPr>
+        <p:blipFill rotWithShape="1">
+          <a:blip r:embed="rId3">
+            <a:extLst>
+              <a:ext uri="{28A0092B-C50C-407E-A947-70E740481C1C}">
+                <a14:useLocalDpi xmlns:a14="http://schemas.microsoft.com/office/drawing/2010/main" val="0"/>
+              </a:ext>
+            </a:extLst>
+          </a:blip>
+          <a:srcRect b="39530"/>
+          <a:stretch/>
+        </p:blipFill>
+        <p:spPr bwMode="auto">
+          <a:xfrm>
+            <a:off x="762536" y="4178726"/>
+            <a:ext cx="10382250" cy="650852"/>
+          </a:xfrm>
+          <a:prstGeom prst="rect">
+            <a:avLst/>
+          </a:prstGeom>
+          <a:noFill/>
+          <a:ln>
+            <a:noFill/>
+          </a:ln>
+          <a:extLst>
+            <a:ext uri="{909E8E84-426E-40DD-AFC4-6F175D3DCCD1}">
+              <a14:hiddenFill xmlns:a14="http://schemas.microsoft.com/office/drawing/2010/main">
+                <a:solidFill>
+                  <a:schemeClr val="accent1"/>
+                </a:solidFill>
+              </a14:hiddenFill>
+            </a:ext>
+            <a:ext uri="{91240B29-F687-4F45-9708-019B960494DF}">
+              <a14:hiddenLine xmlns:a14="http://schemas.microsoft.com/office/drawing/2010/main" w="9525">
+                <a:solidFill>
+                  <a:schemeClr val="tx1"/>
+                </a:solidFill>
+                <a:miter lim="800000"/>
+                <a:headEnd/>
+                <a:tailEnd/>
+              </a14:hiddenLine>
+            </a:ext>
+          </a:extLst>
+        </p:spPr>
+      </p:pic>
+      <p:pic>
+        <p:nvPicPr>
+          <p:cNvPr id="1028" name="Picture 4"/>
+          <p:cNvPicPr>
+            <a:picLocks noChangeAspect="1" noChangeArrowheads="1"/>
+          </p:cNvPicPr>
+          <p:nvPr/>
+        </p:nvPicPr>
+        <p:blipFill>
+          <a:blip r:embed="rId4">
+            <a:extLst>
+              <a:ext uri="{28A0092B-C50C-407E-A947-70E740481C1C}">
+                <a14:useLocalDpi xmlns:a14="http://schemas.microsoft.com/office/drawing/2010/main" val="0"/>
+              </a:ext>
+            </a:extLst>
+          </a:blip>
+          <a:srcRect/>
+          <a:stretch>
+            <a:fillRect/>
+          </a:stretch>
+        </p:blipFill>
+        <p:spPr bwMode="auto">
+          <a:xfrm>
+            <a:off x="762536" y="5498474"/>
+            <a:ext cx="9734550" cy="342900"/>
+          </a:xfrm>
+          <a:prstGeom prst="rect">
+            <a:avLst/>
+          </a:prstGeom>
+          <a:noFill/>
+          <a:ln>
+            <a:noFill/>
+          </a:ln>
+          <a:extLst>
+            <a:ext uri="{909E8E84-426E-40DD-AFC4-6F175D3DCCD1}">
+              <a14:hiddenFill xmlns:a14="http://schemas.microsoft.com/office/drawing/2010/main">
+                <a:solidFill>
+                  <a:schemeClr val="accent1"/>
+                </a:solidFill>
+              </a14:hiddenFill>
+            </a:ext>
+            <a:ext uri="{91240B29-F687-4F45-9708-019B960494DF}">
+              <a14:hiddenLine xmlns:a14="http://schemas.microsoft.com/office/drawing/2010/main" w="9525">
+                <a:solidFill>
+                  <a:schemeClr val="tx1"/>
+                </a:solidFill>
+                <a:miter lim="800000"/>
+                <a:headEnd/>
+                <a:tailEnd/>
+              </a14:hiddenLine>
+            </a:ext>
+          </a:extLst>
+        </p:spPr>
+      </p:pic>
+    </p:spTree>
+    <p:extLst>
+      <p:ext uri="{BB962C8B-B14F-4D97-AF65-F5344CB8AC3E}">
+        <p14:creationId xmlns:p14="http://schemas.microsoft.com/office/powerpoint/2010/main" val="81350203"/>
       </p:ext>
     </p:extLst>
   </p:cSld>
@@ -4725,7 +5750,7 @@
   <a:extraClrSchemeLst/>
   <a:extLst>
     <a:ext uri="{05A4C25C-085E-4340-85A3-A5531E510DB2}">
-      <thm15:themeFamily xmlns:thm15="http://schemas.microsoft.com/office/thememl/2012/main" name="Dividend" id="{9697A71B-4AB7-4A1A-BD5B-BB2D22835B57}" vid="{C21699FF-00E4-43C8-BBCC-D7E5536C3717}"/>
+      <thm15:themeFamily xmlns="" xmlns:thm15="http://schemas.microsoft.com/office/thememl/2012/main" name="Dividend" id="{9697A71B-4AB7-4A1A-BD5B-BB2D22835B57}" vid="{C21699FF-00E4-43C8-BBCC-D7E5536C3717}"/>
     </a:ext>
   </a:extLst>
 </a:theme>

--- a/Documents/Biblioteka_VCG.pptx
+++ b/Documents/Biblioteka_VCG.pptx
@@ -8,14 +8,15 @@
     <p:sldId id="256" r:id="rId2"/>
     <p:sldId id="257" r:id="rId3"/>
     <p:sldId id="258" r:id="rId4"/>
-    <p:sldId id="261" r:id="rId5"/>
-    <p:sldId id="260" r:id="rId6"/>
-    <p:sldId id="259" r:id="rId7"/>
-    <p:sldId id="262" r:id="rId8"/>
-    <p:sldId id="265" r:id="rId9"/>
-    <p:sldId id="266" r:id="rId10"/>
-    <p:sldId id="267" r:id="rId11"/>
-    <p:sldId id="264" r:id="rId12"/>
+    <p:sldId id="268" r:id="rId5"/>
+    <p:sldId id="261" r:id="rId6"/>
+    <p:sldId id="260" r:id="rId7"/>
+    <p:sldId id="259" r:id="rId8"/>
+    <p:sldId id="262" r:id="rId9"/>
+    <p:sldId id="265" r:id="rId10"/>
+    <p:sldId id="266" r:id="rId11"/>
+    <p:sldId id="267" r:id="rId12"/>
+    <p:sldId id="264" r:id="rId13"/>
   </p:sldIdLst>
   <p:sldSz cx="12192000" cy="6858000"/>
   <p:notesSz cx="6858000" cy="9144000"/>
@@ -363,7 +364,7 @@
             <a:fld id="{B61BEF0D-F0BB-DE4B-95CE-6DB70DBA9567}" type="datetimeFigureOut">
               <a:rPr lang="en-US" dirty="0"/>
               <a:pPr/>
-              <a:t>3/17/2015</a:t>
+              <a:t>3/18/2015</a:t>
             </a:fld>
             <a:endParaRPr lang="en-US" dirty="0"/>
           </a:p>
@@ -622,7 +623,7 @@
             <a:fld id="{B61BEF0D-F0BB-DE4B-95CE-6DB70DBA9567}" type="datetimeFigureOut">
               <a:rPr lang="en-US" dirty="0"/>
               <a:pPr/>
-              <a:t>3/17/2015</a:t>
+              <a:t>3/18/2015</a:t>
             </a:fld>
             <a:endParaRPr lang="en-US" dirty="0"/>
           </a:p>
@@ -854,7 +855,7 @@
             <a:fld id="{B61BEF0D-F0BB-DE4B-95CE-6DB70DBA9567}" type="datetimeFigureOut">
               <a:rPr lang="en-US" dirty="0"/>
               <a:pPr/>
-              <a:t>3/17/2015</a:t>
+              <a:t>3/18/2015</a:t>
             </a:fld>
             <a:endParaRPr lang="en-US" dirty="0"/>
           </a:p>
@@ -1091,7 +1092,7 @@
             <a:fld id="{B61BEF0D-F0BB-DE4B-95CE-6DB70DBA9567}" type="datetimeFigureOut">
               <a:rPr lang="en-US" dirty="0"/>
               <a:pPr/>
-              <a:t>3/17/2015</a:t>
+              <a:t>3/18/2015</a:t>
             </a:fld>
             <a:endParaRPr lang="en-US" dirty="0"/>
           </a:p>
@@ -1395,7 +1396,7 @@
             <a:fld id="{B61BEF0D-F0BB-DE4B-95CE-6DB70DBA9567}" type="datetimeFigureOut">
               <a:rPr lang="en-US" dirty="0"/>
               <a:pPr/>
-              <a:t>3/17/2015</a:t>
+              <a:t>3/18/2015</a:t>
             </a:fld>
             <a:endParaRPr lang="en-US" dirty="0"/>
           </a:p>
@@ -1694,7 +1695,7 @@
             <a:fld id="{B61BEF0D-F0BB-DE4B-95CE-6DB70DBA9567}" type="datetimeFigureOut">
               <a:rPr lang="en-US" dirty="0"/>
               <a:pPr/>
-              <a:t>3/17/2015</a:t>
+              <a:t>3/18/2015</a:t>
             </a:fld>
             <a:endParaRPr lang="en-US" dirty="0"/>
           </a:p>
@@ -2113,7 +2114,7 @@
             <a:fld id="{B61BEF0D-F0BB-DE4B-95CE-6DB70DBA9567}" type="datetimeFigureOut">
               <a:rPr lang="en-US" dirty="0"/>
               <a:pPr/>
-              <a:t>3/17/2015</a:t>
+              <a:t>3/18/2015</a:t>
             </a:fld>
             <a:endParaRPr lang="en-US" dirty="0"/>
           </a:p>
@@ -2272,7 +2273,7 @@
             <a:fld id="{B61BEF0D-F0BB-DE4B-95CE-6DB70DBA9567}" type="datetimeFigureOut">
               <a:rPr lang="en-US" dirty="0"/>
               <a:pPr/>
-              <a:t>3/17/2015</a:t>
+              <a:t>3/18/2015</a:t>
             </a:fld>
             <a:endParaRPr lang="en-US" dirty="0"/>
           </a:p>
@@ -2364,7 +2365,7 @@
             <a:fld id="{B61BEF0D-F0BB-DE4B-95CE-6DB70DBA9567}" type="datetimeFigureOut">
               <a:rPr lang="en-US" dirty="0"/>
               <a:pPr/>
-              <a:t>3/17/2015</a:t>
+              <a:t>3/18/2015</a:t>
             </a:fld>
             <a:endParaRPr lang="en-US" dirty="0"/>
           </a:p>
@@ -2739,7 +2740,7 @@
             <a:fld id="{B61BEF0D-F0BB-DE4B-95CE-6DB70DBA9567}" type="datetimeFigureOut">
               <a:rPr lang="en-US" dirty="0"/>
               <a:pPr/>
-              <a:t>3/17/2015</a:t>
+              <a:t>3/18/2015</a:t>
             </a:fld>
             <a:endParaRPr lang="en-US" dirty="0"/>
           </a:p>
@@ -3025,7 +3026,7 @@
             <a:fld id="{B61BEF0D-F0BB-DE4B-95CE-6DB70DBA9567}" type="datetimeFigureOut">
               <a:rPr lang="en-US" dirty="0"/>
               <a:pPr/>
-              <a:t>3/17/2015</a:t>
+              <a:t>3/18/2015</a:t>
             </a:fld>
             <a:endParaRPr lang="en-US" dirty="0"/>
           </a:p>
@@ -3233,7 +3234,7 @@
             <a:fld id="{B61BEF0D-F0BB-DE4B-95CE-6DB70DBA9567}" type="datetimeFigureOut">
               <a:rPr lang="en-US" dirty="0"/>
               <a:pPr/>
-              <a:t>3/17/2015</a:t>
+              <a:t>3/18/2015</a:t>
             </a:fld>
             <a:endParaRPr lang="en-US" dirty="0"/>
           </a:p>
@@ -3880,6 +3881,30 @@
           </a:p>
         </p:txBody>
       </p:sp>
+      <p:pic>
+        <p:nvPicPr>
+          <p:cNvPr id="4" name="Picture 3"/>
+          <p:cNvPicPr>
+            <a:picLocks noChangeAspect="1"/>
+          </p:cNvPicPr>
+          <p:nvPr/>
+        </p:nvPicPr>
+        <p:blipFill>
+          <a:blip r:embed="rId2"/>
+          <a:stretch>
+            <a:fillRect/>
+          </a:stretch>
+        </p:blipFill>
+        <p:spPr>
+          <a:xfrm>
+            <a:off x="6670221" y="3478083"/>
+            <a:ext cx="4397661" cy="2542398"/>
+          </a:xfrm>
+          <a:prstGeom prst="rect">
+            <a:avLst/>
+          </a:prstGeom>
+        </p:spPr>
+      </p:pic>
     </p:spTree>
     <p:extLst>
       <p:ext uri="{BB962C8B-B14F-4D97-AF65-F5344CB8AC3E}">
@@ -3894,6 +3919,292 @@
 </file>
 
 <file path=ppt/slides/slide10.xml><?xml version="1.0" encoding="utf-8"?>
+<p:sld xmlns:a="http://schemas.openxmlformats.org/drawingml/2006/main" xmlns:r="http://schemas.openxmlformats.org/officeDocument/2006/relationships" xmlns:p="http://schemas.openxmlformats.org/presentationml/2006/main">
+  <p:cSld>
+    <p:spTree>
+      <p:nvGrpSpPr>
+        <p:cNvPr id="1" name=""/>
+        <p:cNvGrpSpPr/>
+        <p:nvPr/>
+      </p:nvGrpSpPr>
+      <p:grpSpPr>
+        <a:xfrm>
+          <a:off x="0" y="0"/>
+          <a:ext cx="0" cy="0"/>
+          <a:chOff x="0" y="0"/>
+          <a:chExt cx="0" cy="0"/>
+        </a:xfrm>
+      </p:grpSpPr>
+      <p:sp>
+        <p:nvSpPr>
+          <p:cNvPr id="2" name="Tytuł 1"/>
+          <p:cNvSpPr>
+            <a:spLocks noGrp="1"/>
+          </p:cNvSpPr>
+          <p:nvPr>
+            <p:ph type="title"/>
+          </p:nvPr>
+        </p:nvSpPr>
+        <p:spPr/>
+        <p:txBody>
+          <a:bodyPr/>
+          <a:lstStyle/>
+          <a:p>
+            <a:r>
+              <a:rPr lang="pl-PL" dirty="0" smtClean="0"/>
+              <a:t>WYKORZYSTANIE BIBLIOTEKI</a:t>
+            </a:r>
+            <a:endParaRPr lang="pl-PL" dirty="0"/>
+          </a:p>
+        </p:txBody>
+      </p:sp>
+      <p:sp>
+        <p:nvSpPr>
+          <p:cNvPr id="3" name="Symbol zastępczy zawartości 2"/>
+          <p:cNvSpPr>
+            <a:spLocks noGrp="1"/>
+          </p:cNvSpPr>
+          <p:nvPr>
+            <p:ph idx="1"/>
+          </p:nvPr>
+        </p:nvSpPr>
+        <p:spPr/>
+        <p:txBody>
+          <a:bodyPr/>
+          <a:lstStyle/>
+          <a:p>
+            <a:r>
+              <a:rPr lang="pl-PL" dirty="0" smtClean="0">
+                <a:latin typeface="Calibri" panose="020F0502020204030204" pitchFamily="34" charset="0"/>
+              </a:rPr>
+              <a:t>Zdefiniowanie  używanych typów zapewnionych przez bibliotekę </a:t>
+            </a:r>
+          </a:p>
+          <a:p>
+            <a:endParaRPr lang="pl-PL" dirty="0">
+              <a:latin typeface="Calibri" panose="020F0502020204030204" pitchFamily="34" charset="0"/>
+            </a:endParaRPr>
+          </a:p>
+          <a:p>
+            <a:endParaRPr lang="pl-PL" dirty="0" smtClean="0">
+              <a:latin typeface="Calibri" panose="020F0502020204030204" pitchFamily="34" charset="0"/>
+            </a:endParaRPr>
+          </a:p>
+          <a:p>
+            <a:endParaRPr lang="pl-PL" dirty="0" smtClean="0">
+              <a:latin typeface="Calibri" panose="020F0502020204030204" pitchFamily="34" charset="0"/>
+            </a:endParaRPr>
+          </a:p>
+          <a:p>
+            <a:r>
+              <a:rPr lang="pl-PL" dirty="0" smtClean="0">
+                <a:latin typeface="Calibri" panose="020F0502020204030204" pitchFamily="34" charset="0"/>
+              </a:rPr>
+              <a:t>Zdefiniowanie  własnych typów za pomocą dostępnych atrybutów</a:t>
+            </a:r>
+          </a:p>
+          <a:p>
+            <a:endParaRPr lang="pl-PL" dirty="0">
+              <a:latin typeface="Calibri" panose="020F0502020204030204" pitchFamily="34" charset="0"/>
+            </a:endParaRPr>
+          </a:p>
+          <a:p>
+            <a:endParaRPr lang="pl-PL" dirty="0" smtClean="0">
+              <a:latin typeface="Calibri" panose="020F0502020204030204" pitchFamily="34" charset="0"/>
+            </a:endParaRPr>
+          </a:p>
+          <a:p>
+            <a:r>
+              <a:rPr lang="pl-PL" dirty="0" smtClean="0">
+                <a:latin typeface="Calibri" panose="020F0502020204030204" pitchFamily="34" charset="0"/>
+              </a:rPr>
+              <a:t>Zdefiniowanie siatki modelu</a:t>
+            </a:r>
+            <a:endParaRPr lang="pl-PL" dirty="0">
+              <a:latin typeface="Calibri" panose="020F0502020204030204" pitchFamily="34" charset="0"/>
+            </a:endParaRPr>
+          </a:p>
+          <a:p>
+            <a:endParaRPr lang="pl-PL" dirty="0">
+              <a:latin typeface="Calibri" panose="020F0502020204030204" pitchFamily="34" charset="0"/>
+            </a:endParaRPr>
+          </a:p>
+        </p:txBody>
+      </p:sp>
+      <p:pic>
+        <p:nvPicPr>
+          <p:cNvPr id="1026" name="Picture 2"/>
+          <p:cNvPicPr>
+            <a:picLocks noChangeAspect="1" noChangeArrowheads="1"/>
+          </p:cNvPicPr>
+          <p:nvPr/>
+        </p:nvPicPr>
+        <p:blipFill>
+          <a:blip r:embed="rId2">
+            <a:extLst>
+              <a:ext uri="{28A0092B-C50C-407E-A947-70E740481C1C}">
+                <a14:useLocalDpi xmlns:a14="http://schemas.microsoft.com/office/drawing/2010/main" val="0"/>
+              </a:ext>
+            </a:extLst>
+          </a:blip>
+          <a:srcRect/>
+          <a:stretch>
+            <a:fillRect/>
+          </a:stretch>
+        </p:blipFill>
+        <p:spPr bwMode="auto">
+          <a:xfrm>
+            <a:off x="762536" y="2594110"/>
+            <a:ext cx="8913813" cy="1231900"/>
+          </a:xfrm>
+          <a:prstGeom prst="rect">
+            <a:avLst/>
+          </a:prstGeom>
+          <a:noFill/>
+          <a:ln>
+            <a:noFill/>
+          </a:ln>
+          <a:extLst>
+            <a:ext uri="{909E8E84-426E-40DD-AFC4-6F175D3DCCD1}">
+              <a14:hiddenFill xmlns:a14="http://schemas.microsoft.com/office/drawing/2010/main">
+                <a:solidFill>
+                  <a:schemeClr val="accent1"/>
+                </a:solidFill>
+              </a14:hiddenFill>
+            </a:ext>
+            <a:ext uri="{91240B29-F687-4F45-9708-019B960494DF}">
+              <a14:hiddenLine xmlns:a14="http://schemas.microsoft.com/office/drawing/2010/main" w="9525">
+                <a:solidFill>
+                  <a:schemeClr val="tx1"/>
+                </a:solidFill>
+                <a:miter lim="800000"/>
+                <a:headEnd/>
+                <a:tailEnd/>
+              </a14:hiddenLine>
+            </a:ext>
+          </a:extLst>
+        </p:spPr>
+      </p:pic>
+      <p:pic>
+        <p:nvPicPr>
+          <p:cNvPr id="1027" name="Picture 3"/>
+          <p:cNvPicPr>
+            <a:picLocks noChangeAspect="1" noChangeArrowheads="1"/>
+          </p:cNvPicPr>
+          <p:nvPr/>
+        </p:nvPicPr>
+        <p:blipFill rotWithShape="1">
+          <a:blip r:embed="rId3">
+            <a:extLst>
+              <a:ext uri="{28A0092B-C50C-407E-A947-70E740481C1C}">
+                <a14:useLocalDpi xmlns:a14="http://schemas.microsoft.com/office/drawing/2010/main" val="0"/>
+              </a:ext>
+            </a:extLst>
+          </a:blip>
+          <a:srcRect b="39530"/>
+          <a:stretch/>
+        </p:blipFill>
+        <p:spPr bwMode="auto">
+          <a:xfrm>
+            <a:off x="762536" y="4178726"/>
+            <a:ext cx="10382250" cy="650852"/>
+          </a:xfrm>
+          <a:prstGeom prst="rect">
+            <a:avLst/>
+          </a:prstGeom>
+          <a:noFill/>
+          <a:ln>
+            <a:noFill/>
+          </a:ln>
+          <a:extLst>
+            <a:ext uri="{909E8E84-426E-40DD-AFC4-6F175D3DCCD1}">
+              <a14:hiddenFill xmlns:a14="http://schemas.microsoft.com/office/drawing/2010/main">
+                <a:solidFill>
+                  <a:schemeClr val="accent1"/>
+                </a:solidFill>
+              </a14:hiddenFill>
+            </a:ext>
+            <a:ext uri="{91240B29-F687-4F45-9708-019B960494DF}">
+              <a14:hiddenLine xmlns:a14="http://schemas.microsoft.com/office/drawing/2010/main" w="9525">
+                <a:solidFill>
+                  <a:schemeClr val="tx1"/>
+                </a:solidFill>
+                <a:miter lim="800000"/>
+                <a:headEnd/>
+                <a:tailEnd/>
+              </a14:hiddenLine>
+            </a:ext>
+          </a:extLst>
+        </p:spPr>
+      </p:pic>
+      <p:pic>
+        <p:nvPicPr>
+          <p:cNvPr id="1028" name="Picture 4"/>
+          <p:cNvPicPr>
+            <a:picLocks noChangeAspect="1" noChangeArrowheads="1"/>
+          </p:cNvPicPr>
+          <p:nvPr/>
+        </p:nvPicPr>
+        <p:blipFill>
+          <a:blip r:embed="rId4">
+            <a:extLst>
+              <a:ext uri="{28A0092B-C50C-407E-A947-70E740481C1C}">
+                <a14:useLocalDpi xmlns:a14="http://schemas.microsoft.com/office/drawing/2010/main" val="0"/>
+              </a:ext>
+            </a:extLst>
+          </a:blip>
+          <a:srcRect/>
+          <a:stretch>
+            <a:fillRect/>
+          </a:stretch>
+        </p:blipFill>
+        <p:spPr bwMode="auto">
+          <a:xfrm>
+            <a:off x="762536" y="5498474"/>
+            <a:ext cx="9734550" cy="342900"/>
+          </a:xfrm>
+          <a:prstGeom prst="rect">
+            <a:avLst/>
+          </a:prstGeom>
+          <a:noFill/>
+          <a:ln>
+            <a:noFill/>
+          </a:ln>
+          <a:extLst>
+            <a:ext uri="{909E8E84-426E-40DD-AFC4-6F175D3DCCD1}">
+              <a14:hiddenFill xmlns:a14="http://schemas.microsoft.com/office/drawing/2010/main">
+                <a:solidFill>
+                  <a:schemeClr val="accent1"/>
+                </a:solidFill>
+              </a14:hiddenFill>
+            </a:ext>
+            <a:ext uri="{91240B29-F687-4F45-9708-019B960494DF}">
+              <a14:hiddenLine xmlns:a14="http://schemas.microsoft.com/office/drawing/2010/main" w="9525">
+                <a:solidFill>
+                  <a:schemeClr val="tx1"/>
+                </a:solidFill>
+                <a:miter lim="800000"/>
+                <a:headEnd/>
+                <a:tailEnd/>
+              </a14:hiddenLine>
+            </a:ext>
+          </a:extLst>
+        </p:spPr>
+      </p:pic>
+    </p:spTree>
+    <p:extLst>
+      <p:ext uri="{BB962C8B-B14F-4D97-AF65-F5344CB8AC3E}">
+        <p14:creationId xmlns:p14="http://schemas.microsoft.com/office/powerpoint/2010/main" val="81350203"/>
+      </p:ext>
+    </p:extLst>
+  </p:cSld>
+  <p:clrMapOvr>
+    <a:masterClrMapping/>
+  </p:clrMapOvr>
+</p:sld>
+</file>
+
+<file path=ppt/slides/slide11.xml><?xml version="1.0" encoding="utf-8"?>
 <p:sld xmlns:a="http://schemas.openxmlformats.org/drawingml/2006/main" xmlns:r="http://schemas.openxmlformats.org/officeDocument/2006/relationships" xmlns:p="http://schemas.openxmlformats.org/presentationml/2006/main">
   <p:cSld>
     <p:spTree>
@@ -3976,7 +4287,7 @@
 </p:sld>
 </file>
 
-<file path=ppt/slides/slide11.xml><?xml version="1.0" encoding="utf-8"?>
+<file path=ppt/slides/slide12.xml><?xml version="1.0" encoding="utf-8"?>
 <p:sld xmlns:a="http://schemas.openxmlformats.org/drawingml/2006/main" xmlns:r="http://schemas.openxmlformats.org/officeDocument/2006/relationships" xmlns:p="http://schemas.openxmlformats.org/presentationml/2006/main">
   <p:cSld>
     <p:spTree>
@@ -4032,19 +4343,25 @@
           <a:lstStyle/>
           <a:p>
             <a:r>
-              <a:rPr lang="pl-PL" dirty="0" smtClean="0"/>
+              <a:rPr lang="pl-PL" dirty="0" smtClean="0">
+                <a:latin typeface="Calibri" panose="020F0502020204030204" pitchFamily="34" charset="0"/>
+              </a:rPr>
               <a:t>Dokumentacja biblioteki VCG</a:t>
             </a:r>
           </a:p>
           <a:p>
             <a:r>
-              <a:rPr lang="pl-PL" dirty="0" smtClean="0"/>
+              <a:rPr lang="pl-PL" dirty="0" smtClean="0">
+                <a:latin typeface="Calibri" panose="020F0502020204030204" pitchFamily="34" charset="0"/>
+              </a:rPr>
               <a:t>www.wikipedia.org </a:t>
             </a:r>
           </a:p>
           <a:p>
             <a:r>
-              <a:rPr lang="pl-PL" dirty="0" smtClean="0"/>
+              <a:rPr lang="pl-PL" dirty="0" smtClean="0">
+                <a:latin typeface="Calibri" panose="020F0502020204030204" pitchFamily="34" charset="0"/>
+              </a:rPr>
               <a:t>www.flipcode.com</a:t>
             </a:r>
           </a:p>
@@ -4135,48 +4452,154 @@
           <a:lstStyle/>
           <a:p>
             <a:r>
-              <a:rPr lang="pl-PL" dirty="0"/>
+              <a:rPr lang="pl-PL" dirty="0">
+                <a:latin typeface="Calibri" panose="020F0502020204030204" pitchFamily="34" charset="0"/>
+                <a:cs typeface="Arial" panose="020B0604020202020204" pitchFamily="34" charset="0"/>
+              </a:rPr>
               <a:t>C++</a:t>
             </a:r>
           </a:p>
           <a:p>
             <a:r>
-              <a:rPr lang="pl-PL" dirty="0" err="1" smtClean="0"/>
+              <a:rPr lang="pl-PL" dirty="0" err="1" smtClean="0">
+                <a:latin typeface="Calibri" panose="020F0502020204030204" pitchFamily="34" charset="0"/>
+                <a:cs typeface="Arial" panose="020B0604020202020204" pitchFamily="34" charset="0"/>
+              </a:rPr>
               <a:t>Opensource</a:t>
             </a:r>
             <a:r>
-              <a:rPr lang="pl-PL" dirty="0" smtClean="0"/>
+              <a:rPr lang="pl-PL" dirty="0" smtClean="0">
+                <a:latin typeface="Calibri" panose="020F0502020204030204" pitchFamily="34" charset="0"/>
+                <a:cs typeface="Arial" panose="020B0604020202020204" pitchFamily="34" charset="0"/>
+              </a:rPr>
               <a:t> (GPL) </a:t>
             </a:r>
             <a:r>
-              <a:rPr lang="pl-PL" dirty="0"/>
-              <a:t>- http://sourceforge.net/projects/vcg/</a:t>
-            </a:r>
-            <a:endParaRPr lang="pl-PL" dirty="0" smtClean="0"/>
-          </a:p>
-          <a:p>
-            <a:r>
-              <a:rPr lang="pl-PL" dirty="0" smtClean="0"/>
+              <a:rPr lang="pl-PL" dirty="0">
+                <a:latin typeface="Calibri" panose="020F0502020204030204" pitchFamily="34" charset="0"/>
+                <a:cs typeface="Arial" panose="020B0604020202020204" pitchFamily="34" charset="0"/>
+              </a:rPr>
+              <a:t>- </a:t>
+            </a:r>
+            <a:r>
+              <a:rPr lang="pl-PL" dirty="0">
+                <a:latin typeface="Calibri" panose="020F0502020204030204" pitchFamily="34" charset="0"/>
+                <a:cs typeface="Arial" panose="020B0604020202020204" pitchFamily="34" charset="0"/>
+                <a:hlinkClick r:id="rId2"/>
+              </a:rPr>
+              <a:t>http://sourceforge.net/projects/vcg</a:t>
+            </a:r>
+            <a:r>
+              <a:rPr lang="pl-PL" dirty="0" smtClean="0">
+                <a:latin typeface="Calibri" panose="020F0502020204030204" pitchFamily="34" charset="0"/>
+                <a:cs typeface="Arial" panose="020B0604020202020204" pitchFamily="34" charset="0"/>
+                <a:hlinkClick r:id="rId2"/>
+              </a:rPr>
+              <a:t>/</a:t>
+            </a:r>
+            <a:endParaRPr lang="pl-PL" dirty="0" smtClean="0">
+              <a:latin typeface="Calibri" panose="020F0502020204030204" pitchFamily="34" charset="0"/>
+              <a:cs typeface="Arial" panose="020B0604020202020204" pitchFamily="34" charset="0"/>
+            </a:endParaRPr>
+          </a:p>
+          <a:p>
+            <a:r>
+              <a:rPr lang="pl-PL" dirty="0" smtClean="0">
+                <a:latin typeface="Calibri" panose="020F0502020204030204" pitchFamily="34" charset="0"/>
+                <a:cs typeface="Arial" panose="020B0604020202020204" pitchFamily="34" charset="0"/>
+              </a:rPr>
+              <a:t>Głównie </a:t>
+            </a:r>
+            <a:r>
+              <a:rPr lang="pl-PL" dirty="0" err="1" smtClean="0">
+                <a:latin typeface="Calibri" panose="020F0502020204030204" pitchFamily="34" charset="0"/>
+                <a:cs typeface="Arial" panose="020B0604020202020204" pitchFamily="34" charset="0"/>
+              </a:rPr>
+              <a:t>headery</a:t>
+            </a:r>
+            <a:endParaRPr lang="pl-PL" dirty="0" smtClean="0">
+              <a:latin typeface="Calibri" panose="020F0502020204030204" pitchFamily="34" charset="0"/>
+              <a:cs typeface="Arial" panose="020B0604020202020204" pitchFamily="34" charset="0"/>
+            </a:endParaRPr>
+          </a:p>
+          <a:p>
+            <a:r>
+              <a:rPr lang="pl-PL" dirty="0" smtClean="0">
+                <a:latin typeface="Calibri" panose="020F0502020204030204" pitchFamily="34" charset="0"/>
+                <a:cs typeface="Arial" panose="020B0604020202020204" pitchFamily="34" charset="0"/>
+              </a:rPr>
               <a:t>Ostatnia aktualizacja: marzec 2014</a:t>
             </a:r>
           </a:p>
           <a:p>
             <a:r>
-              <a:rPr lang="pl-PL" dirty="0" err="1" smtClean="0"/>
+              <a:rPr lang="pl-PL" dirty="0" err="1" smtClean="0">
+                <a:latin typeface="Calibri" panose="020F0502020204030204" pitchFamily="34" charset="0"/>
+                <a:cs typeface="Arial" panose="020B0604020202020204" pitchFamily="34" charset="0"/>
+              </a:rPr>
               <a:t>Portowalna</a:t>
             </a:r>
-            <a:endParaRPr lang="pl-PL" dirty="0" smtClean="0"/>
-          </a:p>
-          <a:p>
-            <a:r>
-              <a:rPr lang="pl-PL" dirty="0" smtClean="0"/>
+            <a:endParaRPr lang="pl-PL" dirty="0" smtClean="0">
+              <a:latin typeface="Calibri" panose="020F0502020204030204" pitchFamily="34" charset="0"/>
+              <a:cs typeface="Arial" panose="020B0604020202020204" pitchFamily="34" charset="0"/>
+            </a:endParaRPr>
+          </a:p>
+          <a:p>
+            <a:r>
+              <a:rPr lang="pl-PL" dirty="0" smtClean="0">
+                <a:latin typeface="Calibri" panose="020F0502020204030204" pitchFamily="34" charset="0"/>
+                <a:cs typeface="Arial" panose="020B0604020202020204" pitchFamily="34" charset="0"/>
+              </a:rPr>
               <a:t>Korzysta z </a:t>
             </a:r>
             <a:r>
-              <a:rPr lang="pl-PL" dirty="0" err="1" smtClean="0"/>
+              <a:rPr lang="pl-PL" dirty="0" err="1" smtClean="0">
+                <a:latin typeface="Calibri" panose="020F0502020204030204" pitchFamily="34" charset="0"/>
+                <a:cs typeface="Arial" panose="020B0604020202020204" pitchFamily="34" charset="0"/>
+              </a:rPr>
               <a:t>OpenGL</a:t>
             </a:r>
-            <a:endParaRPr lang="en-US" dirty="0"/>
+            <a:endParaRPr lang="pl-PL" dirty="0" smtClean="0">
+              <a:latin typeface="Calibri" panose="020F0502020204030204" pitchFamily="34" charset="0"/>
+              <a:cs typeface="Arial" panose="020B0604020202020204" pitchFamily="34" charset="0"/>
+            </a:endParaRPr>
+          </a:p>
+          <a:p>
+            <a:r>
+              <a:rPr lang="pl-PL" dirty="0">
+                <a:latin typeface="Calibri" panose="020F0502020204030204" pitchFamily="34" charset="0"/>
+                <a:cs typeface="Arial" panose="020B0604020202020204" pitchFamily="34" charset="0"/>
+              </a:rPr>
+              <a:t>Dokumentacja: </a:t>
+            </a:r>
+            <a:r>
+              <a:rPr lang="pl-PL" dirty="0">
+                <a:latin typeface="Calibri" panose="020F0502020204030204" pitchFamily="34" charset="0"/>
+                <a:cs typeface="Arial" panose="020B0604020202020204" pitchFamily="34" charset="0"/>
+                <a:hlinkClick r:id="rId3"/>
+              </a:rPr>
+              <a:t>http://</a:t>
+            </a:r>
+            <a:r>
+              <a:rPr lang="pl-PL">
+                <a:latin typeface="Calibri" panose="020F0502020204030204" pitchFamily="34" charset="0"/>
+                <a:cs typeface="Arial" panose="020B0604020202020204" pitchFamily="34" charset="0"/>
+                <a:hlinkClick r:id="rId3"/>
+              </a:rPr>
+              <a:t>vcg.isti.cnr.it/vcglib</a:t>
+            </a:r>
+            <a:r>
+              <a:rPr lang="pl-PL" smtClean="0">
+                <a:latin typeface="Calibri" panose="020F0502020204030204" pitchFamily="34" charset="0"/>
+                <a:cs typeface="Arial" panose="020B0604020202020204" pitchFamily="34" charset="0"/>
+                <a:hlinkClick r:id="rId3"/>
+              </a:rPr>
+              <a:t>/</a:t>
+            </a:r>
+            <a:endParaRPr lang="pl-PL" smtClean="0">
+              <a:latin typeface="Calibri" panose="020F0502020204030204" pitchFamily="34" charset="0"/>
+              <a:cs typeface="Arial" panose="020B0604020202020204" pitchFamily="34" charset="0"/>
+            </a:endParaRPr>
           </a:p>
         </p:txBody>
       </p:sp>
@@ -4228,7 +4651,7 @@
           <p:nvPr/>
         </p:nvPicPr>
         <p:blipFill>
-          <a:blip r:embed="rId2"/>
+          <a:blip r:embed="rId4"/>
           <a:stretch>
             <a:fillRect/>
           </a:stretch>
@@ -4290,6 +4713,4334 @@
           <a:p>
             <a:r>
               <a:rPr lang="pl-PL" dirty="0" smtClean="0"/>
+              <a:t>Struktura biblioteki</a:t>
+            </a:r>
+            <a:endParaRPr lang="en-US" dirty="0"/>
+          </a:p>
+        </p:txBody>
+      </p:sp>
+      <p:sp>
+        <p:nvSpPr>
+          <p:cNvPr id="3" name="Content Placeholder 2"/>
+          <p:cNvSpPr>
+            <a:spLocks noGrp="1"/>
+          </p:cNvSpPr>
+          <p:nvPr>
+            <p:ph idx="1"/>
+          </p:nvPr>
+        </p:nvSpPr>
+        <p:spPr>
+          <a:xfrm>
+            <a:off x="3704030" y="2909113"/>
+            <a:ext cx="8077033" cy="3903280"/>
+          </a:xfrm>
+        </p:spPr>
+        <p:txBody>
+          <a:bodyPr>
+            <a:normAutofit/>
+          </a:bodyPr>
+          <a:lstStyle/>
+          <a:p>
+            <a:r>
+              <a:rPr lang="pl-PL" dirty="0" err="1" smtClean="0">
+                <a:latin typeface="Calibri" panose="020F0502020204030204" pitchFamily="34" charset="0"/>
+              </a:rPr>
+              <a:t>Simplex</a:t>
+            </a:r>
+            <a:r>
+              <a:rPr lang="pl-PL" dirty="0">
+                <a:latin typeface="Calibri" panose="020F0502020204030204" pitchFamily="34" charset="0"/>
+              </a:rPr>
+              <a:t>: </a:t>
+            </a:r>
+            <a:r>
+              <a:rPr lang="pl-PL" dirty="0" err="1" smtClean="0">
+                <a:latin typeface="Calibri" panose="020F0502020204030204" pitchFamily="34" charset="0"/>
+              </a:rPr>
+              <a:t>Vertex</a:t>
+            </a:r>
+            <a:r>
+              <a:rPr lang="pl-PL" dirty="0" smtClean="0">
+                <a:latin typeface="Calibri" panose="020F0502020204030204" pitchFamily="34" charset="0"/>
+              </a:rPr>
+              <a:t>, </a:t>
+            </a:r>
+            <a:r>
+              <a:rPr lang="pl-PL" dirty="0" err="1" smtClean="0">
+                <a:latin typeface="Calibri" panose="020F0502020204030204" pitchFamily="34" charset="0"/>
+              </a:rPr>
+              <a:t>Edge</a:t>
+            </a:r>
+            <a:r>
+              <a:rPr lang="pl-PL" dirty="0" smtClean="0">
+                <a:latin typeface="Calibri" panose="020F0502020204030204" pitchFamily="34" charset="0"/>
+              </a:rPr>
+              <a:t>, Face, </a:t>
+            </a:r>
+            <a:r>
+              <a:rPr lang="pl-PL" dirty="0" err="1" smtClean="0">
+                <a:latin typeface="Calibri" panose="020F0502020204030204" pitchFamily="34" charset="0"/>
+              </a:rPr>
+              <a:t>Tetrahedron</a:t>
+            </a:r>
+            <a:endParaRPr lang="pl-PL" dirty="0" smtClean="0">
+              <a:latin typeface="Calibri" panose="020F0502020204030204" pitchFamily="34" charset="0"/>
+            </a:endParaRPr>
+          </a:p>
+          <a:p>
+            <a:endParaRPr lang="pl-PL" sz="1100" dirty="0" smtClean="0">
+              <a:latin typeface="Calibri" panose="020F0502020204030204" pitchFamily="34" charset="0"/>
+            </a:endParaRPr>
+          </a:p>
+          <a:p>
+            <a:r>
+              <a:rPr lang="pl-PL" dirty="0" err="1" smtClean="0">
+                <a:latin typeface="Calibri" panose="020F0502020204030204" pitchFamily="34" charset="0"/>
+              </a:rPr>
+              <a:t>Complex</a:t>
+            </a:r>
+            <a:r>
+              <a:rPr lang="pl-PL" dirty="0" smtClean="0">
+                <a:latin typeface="Calibri" panose="020F0502020204030204" pitchFamily="34" charset="0"/>
+              </a:rPr>
+              <a:t>: </a:t>
+            </a:r>
+            <a:r>
+              <a:rPr lang="pl-PL" dirty="0" err="1" smtClean="0">
+                <a:latin typeface="Calibri" panose="020F0502020204030204" pitchFamily="34" charset="0"/>
+              </a:rPr>
+              <a:t>Iteratory</a:t>
+            </a:r>
+            <a:r>
+              <a:rPr lang="pl-PL" dirty="0" smtClean="0">
+                <a:latin typeface="Calibri" panose="020F0502020204030204" pitchFamily="34" charset="0"/>
+              </a:rPr>
+              <a:t>, operatory (podział krawędzi), algorytmy wygładzania, uproszczania, generowania modeli</a:t>
+            </a:r>
+          </a:p>
+          <a:p>
+            <a:endParaRPr lang="pl-PL" sz="1100" dirty="0">
+              <a:latin typeface="Calibri" panose="020F0502020204030204" pitchFamily="34" charset="0"/>
+            </a:endParaRPr>
+          </a:p>
+          <a:p>
+            <a:r>
+              <a:rPr lang="pl-PL" dirty="0" smtClean="0">
+                <a:latin typeface="Calibri" panose="020F0502020204030204" pitchFamily="34" charset="0"/>
+              </a:rPr>
+              <a:t>Dostosowanie klasy </a:t>
+            </a:r>
+            <a:r>
+              <a:rPr lang="pl-PL" dirty="0" err="1" smtClean="0">
+                <a:latin typeface="Calibri" panose="020F0502020204030204" pitchFamily="34" charset="0"/>
+              </a:rPr>
+              <a:t>stl</a:t>
+            </a:r>
+            <a:r>
+              <a:rPr lang="pl-PL" dirty="0" smtClean="0">
+                <a:latin typeface="Calibri" panose="020F0502020204030204" pitchFamily="34" charset="0"/>
+              </a:rPr>
+              <a:t>::</a:t>
+            </a:r>
+            <a:r>
+              <a:rPr lang="pl-PL" dirty="0" err="1" smtClean="0">
+                <a:latin typeface="Calibri" panose="020F0502020204030204" pitchFamily="34" charset="0"/>
+              </a:rPr>
+              <a:t>vector</a:t>
+            </a:r>
+            <a:r>
+              <a:rPr lang="pl-PL" dirty="0" smtClean="0">
+                <a:latin typeface="Calibri" panose="020F0502020204030204" pitchFamily="34" charset="0"/>
+              </a:rPr>
+              <a:t> do obsługi obiektów </a:t>
+            </a:r>
+            <a:r>
+              <a:rPr lang="pl-PL" dirty="0" err="1" smtClean="0">
+                <a:latin typeface="Calibri" panose="020F0502020204030204" pitchFamily="34" charset="0"/>
+              </a:rPr>
+              <a:t>simplex</a:t>
+            </a:r>
+            <a:endParaRPr lang="pl-PL" dirty="0" smtClean="0">
+              <a:latin typeface="Calibri" panose="020F0502020204030204" pitchFamily="34" charset="0"/>
+            </a:endParaRPr>
+          </a:p>
+          <a:p>
+            <a:endParaRPr lang="pl-PL" sz="1100" dirty="0">
+              <a:latin typeface="Calibri" panose="020F0502020204030204" pitchFamily="34" charset="0"/>
+            </a:endParaRPr>
+          </a:p>
+          <a:p>
+            <a:r>
+              <a:rPr lang="pl-PL" dirty="0" smtClean="0">
+                <a:latin typeface="Calibri" panose="020F0502020204030204" pitchFamily="34" charset="0"/>
+              </a:rPr>
+              <a:t>Bazowa geometria, przecinanie się modeli, indeksowanie struktur</a:t>
+            </a:r>
+          </a:p>
+          <a:p>
+            <a:endParaRPr lang="pl-PL" sz="1100" dirty="0" smtClean="0">
+              <a:latin typeface="Calibri" panose="020F0502020204030204" pitchFamily="34" charset="0"/>
+            </a:endParaRPr>
+          </a:p>
+          <a:p>
+            <a:r>
+              <a:rPr lang="pl-PL" dirty="0" smtClean="0">
+                <a:latin typeface="Calibri" panose="020F0502020204030204" pitchFamily="34" charset="0"/>
+              </a:rPr>
+              <a:t>Funkcje algebraiczne</a:t>
+            </a:r>
+            <a:endParaRPr lang="en-US" dirty="0">
+              <a:latin typeface="Calibri" panose="020F0502020204030204" pitchFamily="34" charset="0"/>
+            </a:endParaRPr>
+          </a:p>
+        </p:txBody>
+      </p:sp>
+      <p:sp>
+        <p:nvSpPr>
+          <p:cNvPr id="6" name="AutoShape 7"/>
+          <p:cNvSpPr>
+            <a:spLocks noChangeArrowheads="1"/>
+          </p:cNvSpPr>
+          <p:nvPr/>
+        </p:nvSpPr>
+        <p:spPr bwMode="auto">
+          <a:xfrm>
+            <a:off x="458116" y="1829508"/>
+            <a:ext cx="1219200" cy="838200"/>
+          </a:xfrm>
+          <a:custGeom>
+            <a:avLst/>
+            <a:gdLst>
+              <a:gd name="G0" fmla="+- 0 0 0"/>
+              <a:gd name="G1" fmla="+- -11796480 0 0"/>
+              <a:gd name="G2" fmla="+- 0 0 -11796480"/>
+              <a:gd name="G3" fmla="+- 10800 0 0"/>
+              <a:gd name="G4" fmla="+- 0 0 0"/>
+              <a:gd name="T0" fmla="*/ 360 256 1"/>
+              <a:gd name="T1" fmla="*/ 0 256 1"/>
+              <a:gd name="G5" fmla="+- G2 T0 T1"/>
+              <a:gd name="G6" fmla="?: G2 G2 G5"/>
+              <a:gd name="G7" fmla="+- 0 0 G6"/>
+              <a:gd name="G8" fmla="+- 5400 0 0"/>
+              <a:gd name="G9" fmla="+- 0 0 -11796480"/>
+              <a:gd name="G10" fmla="+- 5400 0 2700"/>
+              <a:gd name="G11" fmla="cos G10 0"/>
+              <a:gd name="G12" fmla="sin G10 0"/>
+              <a:gd name="G13" fmla="cos 13500 0"/>
+              <a:gd name="G14" fmla="sin 13500 0"/>
+              <a:gd name="G15" fmla="+- G11 10800 0"/>
+              <a:gd name="G16" fmla="+- G12 10800 0"/>
+              <a:gd name="G17" fmla="+- G13 10800 0"/>
+              <a:gd name="G18" fmla="+- G14 10800 0"/>
+              <a:gd name="G19" fmla="*/ 5400 1 2"/>
+              <a:gd name="G20" fmla="+- G19 5400 0"/>
+              <a:gd name="G21" fmla="cos G20 0"/>
+              <a:gd name="G22" fmla="sin G20 0"/>
+              <a:gd name="G23" fmla="+- G21 10800 0"/>
+              <a:gd name="G24" fmla="+- G12 G23 G22"/>
+              <a:gd name="G25" fmla="+- G22 G23 G11"/>
+              <a:gd name="G26" fmla="cos 10800 0"/>
+              <a:gd name="G27" fmla="sin 10800 0"/>
+              <a:gd name="G28" fmla="cos 5400 0"/>
+              <a:gd name="G29" fmla="sin 5400 0"/>
+              <a:gd name="G30" fmla="+- G26 10800 0"/>
+              <a:gd name="G31" fmla="+- G27 10800 0"/>
+              <a:gd name="G32" fmla="+- G28 10800 0"/>
+              <a:gd name="G33" fmla="+- G29 10800 0"/>
+              <a:gd name="G34" fmla="+- G19 5400 0"/>
+              <a:gd name="G35" fmla="cos G34 -11796480"/>
+              <a:gd name="G36" fmla="sin G34 -11796480"/>
+              <a:gd name="G37" fmla="+/ -11796480 0 2"/>
+              <a:gd name="T2" fmla="*/ 180 256 1"/>
+              <a:gd name="T3" fmla="*/ 0 256 1"/>
+              <a:gd name="G38" fmla="+- G37 T2 T3"/>
+              <a:gd name="G39" fmla="?: G2 G37 G38"/>
+              <a:gd name="G40" fmla="cos 10800 G39"/>
+              <a:gd name="G41" fmla="sin 10800 G39"/>
+              <a:gd name="G42" fmla="cos 5400 G39"/>
+              <a:gd name="G43" fmla="sin 5400 G39"/>
+              <a:gd name="G44" fmla="+- G40 10800 0"/>
+              <a:gd name="G45" fmla="+- G41 10800 0"/>
+              <a:gd name="G46" fmla="+- G42 10800 0"/>
+              <a:gd name="G47" fmla="+- G43 10800 0"/>
+              <a:gd name="G48" fmla="+- G35 10800 0"/>
+              <a:gd name="G49" fmla="+- G36 10800 0"/>
+              <a:gd name="T4" fmla="*/ 10981 w 21600"/>
+              <a:gd name="T5" fmla="*/ 3240 h 21600"/>
+              <a:gd name="T6" fmla="*/ 0 w 21600"/>
+              <a:gd name="T7" fmla="*/ 10800 h 21600"/>
+              <a:gd name="T8" fmla="*/ 10800 w 21600"/>
+              <a:gd name="T9" fmla="*/ 21600 h 21600"/>
+              <a:gd name="T10" fmla="*/ 21600 w 21600"/>
+              <a:gd name="T11" fmla="*/ 10800 h 21600"/>
+              <a:gd name="T12" fmla="*/ 0 w 21600"/>
+              <a:gd name="T13" fmla="*/ 21600 h 21600"/>
+              <a:gd name="T14" fmla="*/ 21600 w 21600"/>
+              <a:gd name="T15" fmla="*/ 21600 h 21600"/>
+              <a:gd name="T16" fmla="*/ 8930 w 21600"/>
+              <a:gd name="T17" fmla="*/ 2469 h 21600"/>
+              <a:gd name="T18" fmla="*/ 8930 w 21600"/>
+              <a:gd name="T19" fmla="*/ 2469 h 21600"/>
+              <a:gd name="T20" fmla="*/ 8930 w 21600"/>
+              <a:gd name="T21" fmla="*/ 2469 h 21600"/>
+              <a:gd name="T22" fmla="*/ 8930 w 21600"/>
+              <a:gd name="T23" fmla="*/ 2469 h 21600"/>
+              <a:gd name="T24" fmla="*/ 8930 w 21600"/>
+              <a:gd name="T25" fmla="*/ 2469 h 21600"/>
+              <a:gd name="T26" fmla="*/ 19790 w 21600"/>
+              <a:gd name="T27" fmla="*/ 3240 h 21600"/>
+              <a:gd name="T28" fmla="*/ 19790 w 21600"/>
+              <a:gd name="T29" fmla="*/ 3240 h 21600"/>
+              <a:gd name="T30" fmla="*/ 19790 w 21600"/>
+              <a:gd name="T31" fmla="*/ 3240 h 21600"/>
+              <a:gd name="T32" fmla="*/ 19790 w 21600"/>
+              <a:gd name="T33" fmla="*/ 3240 h 21600"/>
+              <a:gd name="T34" fmla="*/ 19790 w 21600"/>
+              <a:gd name="T35" fmla="*/ 3240 h 21600"/>
+              <a:gd name="T36" fmla="*/ 8930 w 21600"/>
+              <a:gd name="T37" fmla="*/ 2469 h 21600"/>
+              <a:gd name="T38" fmla="*/ 8930 w 21600"/>
+              <a:gd name="T39" fmla="*/ 2469 h 21600"/>
+              <a:gd name="T40" fmla="*/ 8930 w 21600"/>
+              <a:gd name="T41" fmla="*/ 2469 h 21600"/>
+              <a:gd name="T42" fmla="*/ 8930 w 21600"/>
+              <a:gd name="T43" fmla="*/ 2469 h 21600"/>
+              <a:gd name="T44" fmla="*/ 8930 w 21600"/>
+              <a:gd name="T45" fmla="*/ 2469 h 21600"/>
+              <a:gd name="T46" fmla="*/ 1086 w 21600"/>
+              <a:gd name="T47" fmla="*/ 4628 h 21600"/>
+              <a:gd name="T48" fmla="*/ 20635 w 21600"/>
+              <a:gd name="T49" fmla="*/ 20289 h 21600"/>
+            </a:gdLst>
+            <a:ahLst/>
+            <a:cxnLst>
+              <a:cxn ang="0">
+                <a:pos x="T4" y="T5"/>
+              </a:cxn>
+              <a:cxn ang="0">
+                <a:pos x="T6" y="T7"/>
+              </a:cxn>
+              <a:cxn ang="0">
+                <a:pos x="T8" y="T9"/>
+              </a:cxn>
+              <a:cxn ang="0">
+                <a:pos x="T10" y="T11"/>
+              </a:cxn>
+              <a:cxn ang="0">
+                <a:pos x="T12" y="T13"/>
+              </a:cxn>
+              <a:cxn ang="0">
+                <a:pos x="T14" y="T15"/>
+              </a:cxn>
+              <a:cxn ang="0">
+                <a:pos x="T16" y="T17"/>
+              </a:cxn>
+              <a:cxn ang="0">
+                <a:pos x="T18" y="T19"/>
+              </a:cxn>
+              <a:cxn ang="0">
+                <a:pos x="T20" y="T21"/>
+              </a:cxn>
+              <a:cxn ang="0">
+                <a:pos x="T22" y="T23"/>
+              </a:cxn>
+              <a:cxn ang="0">
+                <a:pos x="T24" y="T25"/>
+              </a:cxn>
+              <a:cxn ang="0">
+                <a:pos x="T26" y="T27"/>
+              </a:cxn>
+              <a:cxn ang="0">
+                <a:pos x="T28" y="T29"/>
+              </a:cxn>
+              <a:cxn ang="0">
+                <a:pos x="T30" y="T31"/>
+              </a:cxn>
+              <a:cxn ang="0">
+                <a:pos x="T32" y="T33"/>
+              </a:cxn>
+              <a:cxn ang="0">
+                <a:pos x="T34" y="T35"/>
+              </a:cxn>
+              <a:cxn ang="0">
+                <a:pos x="T36" y="T37"/>
+              </a:cxn>
+              <a:cxn ang="0">
+                <a:pos x="T38" y="T39"/>
+              </a:cxn>
+              <a:cxn ang="0">
+                <a:pos x="T40" y="T41"/>
+              </a:cxn>
+              <a:cxn ang="0">
+                <a:pos x="T42" y="T43"/>
+              </a:cxn>
+              <a:cxn ang="0">
+                <a:pos x="T44" y="T45"/>
+              </a:cxn>
+            </a:cxnLst>
+            <a:rect l="T46" t="T47" r="T48" b="T49"/>
+            <a:pathLst>
+              <a:path w="21600" h="21600">
+                <a:moveTo>
+                  <a:pt x="19790" y="3240"/>
+                </a:moveTo>
+                <a:cubicBezTo>
+                  <a:pt x="10981" y="3240"/>
+                  <a:pt x="9171" y="3240"/>
+                  <a:pt x="9050" y="3086"/>
+                </a:cubicBezTo>
+                <a:cubicBezTo>
+                  <a:pt x="9050" y="2931"/>
+                  <a:pt x="8930" y="2777"/>
+                  <a:pt x="8930" y="2469"/>
+                </a:cubicBezTo>
+                <a:cubicBezTo>
+                  <a:pt x="8930" y="2160"/>
+                  <a:pt x="8809" y="1851"/>
+                  <a:pt x="8688" y="1389"/>
+                </a:cubicBezTo>
+                <a:cubicBezTo>
+                  <a:pt x="8568" y="1080"/>
+                  <a:pt x="8326" y="771"/>
+                  <a:pt x="8085" y="463"/>
+                </a:cubicBezTo>
+                <a:cubicBezTo>
+                  <a:pt x="7723" y="154"/>
+                  <a:pt x="7361" y="0"/>
+                  <a:pt x="7361" y="0"/>
+                </a:cubicBezTo>
+                <a:cubicBezTo>
+                  <a:pt x="7361" y="0"/>
+                  <a:pt x="2293" y="0"/>
+                  <a:pt x="2051" y="154"/>
+                </a:cubicBezTo>
+                <a:cubicBezTo>
+                  <a:pt x="1689" y="309"/>
+                  <a:pt x="1448" y="463"/>
+                  <a:pt x="1327" y="771"/>
+                </a:cubicBezTo>
+                <a:cubicBezTo>
+                  <a:pt x="1207" y="1080"/>
+                  <a:pt x="1086" y="1389"/>
+                  <a:pt x="965" y="1697"/>
+                </a:cubicBezTo>
+                <a:cubicBezTo>
+                  <a:pt x="845" y="2160"/>
+                  <a:pt x="724" y="2314"/>
+                  <a:pt x="724" y="2469"/>
+                </a:cubicBezTo>
+                <a:cubicBezTo>
+                  <a:pt x="603" y="2623"/>
+                  <a:pt x="603" y="2777"/>
+                  <a:pt x="483" y="2931"/>
+                </a:cubicBezTo>
+                <a:cubicBezTo>
+                  <a:pt x="483" y="3086"/>
+                  <a:pt x="362" y="3240"/>
+                  <a:pt x="241" y="3240"/>
+                </a:cubicBezTo>
+                <a:lnTo>
+                  <a:pt x="0" y="3394"/>
+                </a:lnTo>
+                <a:lnTo>
+                  <a:pt x="0" y="3703"/>
+                </a:lnTo>
+                <a:lnTo>
+                  <a:pt x="0" y="10800"/>
+                </a:lnTo>
+                <a:lnTo>
+                  <a:pt x="0" y="21600"/>
+                </a:lnTo>
+                <a:lnTo>
+                  <a:pt x="10981" y="21600"/>
+                </a:lnTo>
+                <a:lnTo>
+                  <a:pt x="21600" y="21600"/>
+                </a:lnTo>
+                <a:lnTo>
+                  <a:pt x="21600" y="10800"/>
+                </a:lnTo>
+                <a:lnTo>
+                  <a:pt x="21600" y="5246"/>
+                </a:lnTo>
+                <a:lnTo>
+                  <a:pt x="21600" y="4783"/>
+                </a:lnTo>
+                <a:cubicBezTo>
+                  <a:pt x="21479" y="4320"/>
+                  <a:pt x="21359" y="4011"/>
+                  <a:pt x="21117" y="3703"/>
+                </a:cubicBezTo>
+                <a:cubicBezTo>
+                  <a:pt x="20876" y="3549"/>
+                  <a:pt x="20514" y="3394"/>
+                  <a:pt x="20152" y="3240"/>
+                </a:cubicBezTo>
+                <a:close/>
+              </a:path>
+            </a:pathLst>
+          </a:custGeom>
+          <a:solidFill>
+            <a:srgbClr val="FFFFCC"/>
+          </a:solidFill>
+          <a:ln w="9360">
+            <a:solidFill>
+              <a:srgbClr val="000000"/>
+            </a:solidFill>
+            <a:miter lim="800000"/>
+            <a:headEnd/>
+            <a:tailEnd/>
+          </a:ln>
+          <a:effectLst>
+            <a:outerShdw dist="107933" dir="2700000" algn="ctr" rotWithShape="0">
+              <a:srgbClr val="808080"/>
+            </a:outerShdw>
+          </a:effectLst>
+        </p:spPr>
+        <p:txBody>
+          <a:bodyPr lIns="90000" tIns="46800" rIns="90000" bIns="46800"/>
+          <a:lstStyle>
+            <a:lvl1pPr>
+              <a:tabLst>
+                <a:tab pos="0" algn="l"/>
+                <a:tab pos="457200" algn="l"/>
+                <a:tab pos="914400" algn="l"/>
+                <a:tab pos="1371600" algn="l"/>
+                <a:tab pos="1828800" algn="l"/>
+                <a:tab pos="2286000" algn="l"/>
+                <a:tab pos="2743200" algn="l"/>
+                <a:tab pos="3200400" algn="l"/>
+                <a:tab pos="3657600" algn="l"/>
+                <a:tab pos="4114800" algn="l"/>
+                <a:tab pos="4572000" algn="l"/>
+                <a:tab pos="5029200" algn="l"/>
+                <a:tab pos="5486400" algn="l"/>
+                <a:tab pos="5943600" algn="l"/>
+                <a:tab pos="6400800" algn="l"/>
+                <a:tab pos="6858000" algn="l"/>
+                <a:tab pos="7315200" algn="l"/>
+                <a:tab pos="7772400" algn="l"/>
+                <a:tab pos="8229600" algn="l"/>
+                <a:tab pos="8686800" algn="l"/>
+                <a:tab pos="9144000" algn="l"/>
+              </a:tabLst>
+              <a:defRPr>
+                <a:solidFill>
+                  <a:srgbClr val="000000"/>
+                </a:solidFill>
+                <a:latin typeface="Arial" charset="0"/>
+                <a:ea typeface="Lucida Sans Unicode" pitchFamily="34" charset="0"/>
+                <a:cs typeface="Lucida Sans Unicode" pitchFamily="34" charset="0"/>
+              </a:defRPr>
+            </a:lvl1pPr>
+            <a:lvl2pPr>
+              <a:tabLst>
+                <a:tab pos="0" algn="l"/>
+                <a:tab pos="457200" algn="l"/>
+                <a:tab pos="914400" algn="l"/>
+                <a:tab pos="1371600" algn="l"/>
+                <a:tab pos="1828800" algn="l"/>
+                <a:tab pos="2286000" algn="l"/>
+                <a:tab pos="2743200" algn="l"/>
+                <a:tab pos="3200400" algn="l"/>
+                <a:tab pos="3657600" algn="l"/>
+                <a:tab pos="4114800" algn="l"/>
+                <a:tab pos="4572000" algn="l"/>
+                <a:tab pos="5029200" algn="l"/>
+                <a:tab pos="5486400" algn="l"/>
+                <a:tab pos="5943600" algn="l"/>
+                <a:tab pos="6400800" algn="l"/>
+                <a:tab pos="6858000" algn="l"/>
+                <a:tab pos="7315200" algn="l"/>
+                <a:tab pos="7772400" algn="l"/>
+                <a:tab pos="8229600" algn="l"/>
+                <a:tab pos="8686800" algn="l"/>
+                <a:tab pos="9144000" algn="l"/>
+              </a:tabLst>
+              <a:defRPr>
+                <a:solidFill>
+                  <a:srgbClr val="000000"/>
+                </a:solidFill>
+                <a:latin typeface="Arial" charset="0"/>
+                <a:ea typeface="Lucida Sans Unicode" pitchFamily="34" charset="0"/>
+                <a:cs typeface="Lucida Sans Unicode" pitchFamily="34" charset="0"/>
+              </a:defRPr>
+            </a:lvl2pPr>
+            <a:lvl3pPr>
+              <a:tabLst>
+                <a:tab pos="0" algn="l"/>
+                <a:tab pos="457200" algn="l"/>
+                <a:tab pos="914400" algn="l"/>
+                <a:tab pos="1371600" algn="l"/>
+                <a:tab pos="1828800" algn="l"/>
+                <a:tab pos="2286000" algn="l"/>
+                <a:tab pos="2743200" algn="l"/>
+                <a:tab pos="3200400" algn="l"/>
+                <a:tab pos="3657600" algn="l"/>
+                <a:tab pos="4114800" algn="l"/>
+                <a:tab pos="4572000" algn="l"/>
+                <a:tab pos="5029200" algn="l"/>
+                <a:tab pos="5486400" algn="l"/>
+                <a:tab pos="5943600" algn="l"/>
+                <a:tab pos="6400800" algn="l"/>
+                <a:tab pos="6858000" algn="l"/>
+                <a:tab pos="7315200" algn="l"/>
+                <a:tab pos="7772400" algn="l"/>
+                <a:tab pos="8229600" algn="l"/>
+                <a:tab pos="8686800" algn="l"/>
+                <a:tab pos="9144000" algn="l"/>
+              </a:tabLst>
+              <a:defRPr>
+                <a:solidFill>
+                  <a:srgbClr val="000000"/>
+                </a:solidFill>
+                <a:latin typeface="Arial" charset="0"/>
+                <a:ea typeface="Lucida Sans Unicode" pitchFamily="34" charset="0"/>
+                <a:cs typeface="Lucida Sans Unicode" pitchFamily="34" charset="0"/>
+              </a:defRPr>
+            </a:lvl3pPr>
+            <a:lvl4pPr>
+              <a:tabLst>
+                <a:tab pos="0" algn="l"/>
+                <a:tab pos="457200" algn="l"/>
+                <a:tab pos="914400" algn="l"/>
+                <a:tab pos="1371600" algn="l"/>
+                <a:tab pos="1828800" algn="l"/>
+                <a:tab pos="2286000" algn="l"/>
+                <a:tab pos="2743200" algn="l"/>
+                <a:tab pos="3200400" algn="l"/>
+                <a:tab pos="3657600" algn="l"/>
+                <a:tab pos="4114800" algn="l"/>
+                <a:tab pos="4572000" algn="l"/>
+                <a:tab pos="5029200" algn="l"/>
+                <a:tab pos="5486400" algn="l"/>
+                <a:tab pos="5943600" algn="l"/>
+                <a:tab pos="6400800" algn="l"/>
+                <a:tab pos="6858000" algn="l"/>
+                <a:tab pos="7315200" algn="l"/>
+                <a:tab pos="7772400" algn="l"/>
+                <a:tab pos="8229600" algn="l"/>
+                <a:tab pos="8686800" algn="l"/>
+                <a:tab pos="9144000" algn="l"/>
+              </a:tabLst>
+              <a:defRPr>
+                <a:solidFill>
+                  <a:srgbClr val="000000"/>
+                </a:solidFill>
+                <a:latin typeface="Arial" charset="0"/>
+                <a:ea typeface="Lucida Sans Unicode" pitchFamily="34" charset="0"/>
+                <a:cs typeface="Lucida Sans Unicode" pitchFamily="34" charset="0"/>
+              </a:defRPr>
+            </a:lvl4pPr>
+            <a:lvl5pPr>
+              <a:tabLst>
+                <a:tab pos="0" algn="l"/>
+                <a:tab pos="457200" algn="l"/>
+                <a:tab pos="914400" algn="l"/>
+                <a:tab pos="1371600" algn="l"/>
+                <a:tab pos="1828800" algn="l"/>
+                <a:tab pos="2286000" algn="l"/>
+                <a:tab pos="2743200" algn="l"/>
+                <a:tab pos="3200400" algn="l"/>
+                <a:tab pos="3657600" algn="l"/>
+                <a:tab pos="4114800" algn="l"/>
+                <a:tab pos="4572000" algn="l"/>
+                <a:tab pos="5029200" algn="l"/>
+                <a:tab pos="5486400" algn="l"/>
+                <a:tab pos="5943600" algn="l"/>
+                <a:tab pos="6400800" algn="l"/>
+                <a:tab pos="6858000" algn="l"/>
+                <a:tab pos="7315200" algn="l"/>
+                <a:tab pos="7772400" algn="l"/>
+                <a:tab pos="8229600" algn="l"/>
+                <a:tab pos="8686800" algn="l"/>
+                <a:tab pos="9144000" algn="l"/>
+              </a:tabLst>
+              <a:defRPr>
+                <a:solidFill>
+                  <a:srgbClr val="000000"/>
+                </a:solidFill>
+                <a:latin typeface="Arial" charset="0"/>
+                <a:ea typeface="Lucida Sans Unicode" pitchFamily="34" charset="0"/>
+                <a:cs typeface="Lucida Sans Unicode" pitchFamily="34" charset="0"/>
+              </a:defRPr>
+            </a:lvl5pPr>
+            <a:lvl6pPr defTabSz="457200" fontAlgn="base">
+              <a:lnSpc>
+                <a:spcPct val="81000"/>
+              </a:lnSpc>
+              <a:spcBef>
+                <a:spcPct val="0"/>
+              </a:spcBef>
+              <a:spcAft>
+                <a:spcPct val="0"/>
+              </a:spcAft>
+              <a:buClr>
+                <a:srgbClr val="000000"/>
+              </a:buClr>
+              <a:buSzPct val="100000"/>
+              <a:buFont typeface="Arial" charset="0"/>
+              <a:tabLst>
+                <a:tab pos="0" algn="l"/>
+                <a:tab pos="457200" algn="l"/>
+                <a:tab pos="914400" algn="l"/>
+                <a:tab pos="1371600" algn="l"/>
+                <a:tab pos="1828800" algn="l"/>
+                <a:tab pos="2286000" algn="l"/>
+                <a:tab pos="2743200" algn="l"/>
+                <a:tab pos="3200400" algn="l"/>
+                <a:tab pos="3657600" algn="l"/>
+                <a:tab pos="4114800" algn="l"/>
+                <a:tab pos="4572000" algn="l"/>
+                <a:tab pos="5029200" algn="l"/>
+                <a:tab pos="5486400" algn="l"/>
+                <a:tab pos="5943600" algn="l"/>
+                <a:tab pos="6400800" algn="l"/>
+                <a:tab pos="6858000" algn="l"/>
+                <a:tab pos="7315200" algn="l"/>
+                <a:tab pos="7772400" algn="l"/>
+                <a:tab pos="8229600" algn="l"/>
+                <a:tab pos="8686800" algn="l"/>
+                <a:tab pos="9144000" algn="l"/>
+              </a:tabLst>
+              <a:defRPr>
+                <a:solidFill>
+                  <a:srgbClr val="000000"/>
+                </a:solidFill>
+                <a:latin typeface="Arial" charset="0"/>
+                <a:ea typeface="Lucida Sans Unicode" pitchFamily="34" charset="0"/>
+                <a:cs typeface="Lucida Sans Unicode" pitchFamily="34" charset="0"/>
+              </a:defRPr>
+            </a:lvl6pPr>
+            <a:lvl7pPr defTabSz="457200" fontAlgn="base">
+              <a:lnSpc>
+                <a:spcPct val="81000"/>
+              </a:lnSpc>
+              <a:spcBef>
+                <a:spcPct val="0"/>
+              </a:spcBef>
+              <a:spcAft>
+                <a:spcPct val="0"/>
+              </a:spcAft>
+              <a:buClr>
+                <a:srgbClr val="000000"/>
+              </a:buClr>
+              <a:buSzPct val="100000"/>
+              <a:buFont typeface="Arial" charset="0"/>
+              <a:tabLst>
+                <a:tab pos="0" algn="l"/>
+                <a:tab pos="457200" algn="l"/>
+                <a:tab pos="914400" algn="l"/>
+                <a:tab pos="1371600" algn="l"/>
+                <a:tab pos="1828800" algn="l"/>
+                <a:tab pos="2286000" algn="l"/>
+                <a:tab pos="2743200" algn="l"/>
+                <a:tab pos="3200400" algn="l"/>
+                <a:tab pos="3657600" algn="l"/>
+                <a:tab pos="4114800" algn="l"/>
+                <a:tab pos="4572000" algn="l"/>
+                <a:tab pos="5029200" algn="l"/>
+                <a:tab pos="5486400" algn="l"/>
+                <a:tab pos="5943600" algn="l"/>
+                <a:tab pos="6400800" algn="l"/>
+                <a:tab pos="6858000" algn="l"/>
+                <a:tab pos="7315200" algn="l"/>
+                <a:tab pos="7772400" algn="l"/>
+                <a:tab pos="8229600" algn="l"/>
+                <a:tab pos="8686800" algn="l"/>
+                <a:tab pos="9144000" algn="l"/>
+              </a:tabLst>
+              <a:defRPr>
+                <a:solidFill>
+                  <a:srgbClr val="000000"/>
+                </a:solidFill>
+                <a:latin typeface="Arial" charset="0"/>
+                <a:ea typeface="Lucida Sans Unicode" pitchFamily="34" charset="0"/>
+                <a:cs typeface="Lucida Sans Unicode" pitchFamily="34" charset="0"/>
+              </a:defRPr>
+            </a:lvl7pPr>
+            <a:lvl8pPr defTabSz="457200" fontAlgn="base">
+              <a:lnSpc>
+                <a:spcPct val="81000"/>
+              </a:lnSpc>
+              <a:spcBef>
+                <a:spcPct val="0"/>
+              </a:spcBef>
+              <a:spcAft>
+                <a:spcPct val="0"/>
+              </a:spcAft>
+              <a:buClr>
+                <a:srgbClr val="000000"/>
+              </a:buClr>
+              <a:buSzPct val="100000"/>
+              <a:buFont typeface="Arial" charset="0"/>
+              <a:tabLst>
+                <a:tab pos="0" algn="l"/>
+                <a:tab pos="457200" algn="l"/>
+                <a:tab pos="914400" algn="l"/>
+                <a:tab pos="1371600" algn="l"/>
+                <a:tab pos="1828800" algn="l"/>
+                <a:tab pos="2286000" algn="l"/>
+                <a:tab pos="2743200" algn="l"/>
+                <a:tab pos="3200400" algn="l"/>
+                <a:tab pos="3657600" algn="l"/>
+                <a:tab pos="4114800" algn="l"/>
+                <a:tab pos="4572000" algn="l"/>
+                <a:tab pos="5029200" algn="l"/>
+                <a:tab pos="5486400" algn="l"/>
+                <a:tab pos="5943600" algn="l"/>
+                <a:tab pos="6400800" algn="l"/>
+                <a:tab pos="6858000" algn="l"/>
+                <a:tab pos="7315200" algn="l"/>
+                <a:tab pos="7772400" algn="l"/>
+                <a:tab pos="8229600" algn="l"/>
+                <a:tab pos="8686800" algn="l"/>
+                <a:tab pos="9144000" algn="l"/>
+              </a:tabLst>
+              <a:defRPr>
+                <a:solidFill>
+                  <a:srgbClr val="000000"/>
+                </a:solidFill>
+                <a:latin typeface="Arial" charset="0"/>
+                <a:ea typeface="Lucida Sans Unicode" pitchFamily="34" charset="0"/>
+                <a:cs typeface="Lucida Sans Unicode" pitchFamily="34" charset="0"/>
+              </a:defRPr>
+            </a:lvl8pPr>
+            <a:lvl9pPr defTabSz="457200" fontAlgn="base">
+              <a:lnSpc>
+                <a:spcPct val="81000"/>
+              </a:lnSpc>
+              <a:spcBef>
+                <a:spcPct val="0"/>
+              </a:spcBef>
+              <a:spcAft>
+                <a:spcPct val="0"/>
+              </a:spcAft>
+              <a:buClr>
+                <a:srgbClr val="000000"/>
+              </a:buClr>
+              <a:buSzPct val="100000"/>
+              <a:buFont typeface="Arial" charset="0"/>
+              <a:tabLst>
+                <a:tab pos="0" algn="l"/>
+                <a:tab pos="457200" algn="l"/>
+                <a:tab pos="914400" algn="l"/>
+                <a:tab pos="1371600" algn="l"/>
+                <a:tab pos="1828800" algn="l"/>
+                <a:tab pos="2286000" algn="l"/>
+                <a:tab pos="2743200" algn="l"/>
+                <a:tab pos="3200400" algn="l"/>
+                <a:tab pos="3657600" algn="l"/>
+                <a:tab pos="4114800" algn="l"/>
+                <a:tab pos="4572000" algn="l"/>
+                <a:tab pos="5029200" algn="l"/>
+                <a:tab pos="5486400" algn="l"/>
+                <a:tab pos="5943600" algn="l"/>
+                <a:tab pos="6400800" algn="l"/>
+                <a:tab pos="6858000" algn="l"/>
+                <a:tab pos="7315200" algn="l"/>
+                <a:tab pos="7772400" algn="l"/>
+                <a:tab pos="8229600" algn="l"/>
+                <a:tab pos="8686800" algn="l"/>
+                <a:tab pos="9144000" algn="l"/>
+              </a:tabLst>
+              <a:defRPr>
+                <a:solidFill>
+                  <a:srgbClr val="000000"/>
+                </a:solidFill>
+                <a:latin typeface="Arial" charset="0"/>
+                <a:ea typeface="Lucida Sans Unicode" pitchFamily="34" charset="0"/>
+                <a:cs typeface="Lucida Sans Unicode" pitchFamily="34" charset="0"/>
+              </a:defRPr>
+            </a:lvl9pPr>
+          </a:lstStyle>
+          <a:p>
+            <a:pPr>
+              <a:lnSpc>
+                <a:spcPct val="93000"/>
+              </a:lnSpc>
+              <a:buFont typeface="Arial" charset="0"/>
+              <a:buNone/>
+            </a:pPr>
+            <a:r>
+              <a:rPr lang="en-GB" altLang="pl-PL"/>
+              <a:t>vcg</a:t>
+            </a:r>
+          </a:p>
+        </p:txBody>
+      </p:sp>
+      <p:sp>
+        <p:nvSpPr>
+          <p:cNvPr id="7" name="AutoShape 8"/>
+          <p:cNvSpPr>
+            <a:spLocks noChangeArrowheads="1"/>
+          </p:cNvSpPr>
+          <p:nvPr/>
+        </p:nvSpPr>
+        <p:spPr bwMode="auto">
+          <a:xfrm>
+            <a:off x="1601116" y="2972508"/>
+            <a:ext cx="1295400" cy="609600"/>
+          </a:xfrm>
+          <a:custGeom>
+            <a:avLst/>
+            <a:gdLst>
+              <a:gd name="G0" fmla="+- 0 0 0"/>
+              <a:gd name="G1" fmla="+- -11796480 0 0"/>
+              <a:gd name="G2" fmla="+- 0 0 -11796480"/>
+              <a:gd name="G3" fmla="+- 10800 0 0"/>
+              <a:gd name="G4" fmla="+- 0 0 0"/>
+              <a:gd name="T0" fmla="*/ 360 256 1"/>
+              <a:gd name="T1" fmla="*/ 0 256 1"/>
+              <a:gd name="G5" fmla="+- G2 T0 T1"/>
+              <a:gd name="G6" fmla="?: G2 G2 G5"/>
+              <a:gd name="G7" fmla="+- 0 0 G6"/>
+              <a:gd name="G8" fmla="+- 5400 0 0"/>
+              <a:gd name="G9" fmla="+- 0 0 -11796480"/>
+              <a:gd name="G10" fmla="+- 5400 0 2700"/>
+              <a:gd name="G11" fmla="cos G10 0"/>
+              <a:gd name="G12" fmla="sin G10 0"/>
+              <a:gd name="G13" fmla="cos 13500 0"/>
+              <a:gd name="G14" fmla="sin 13500 0"/>
+              <a:gd name="G15" fmla="+- G11 10800 0"/>
+              <a:gd name="G16" fmla="+- G12 10800 0"/>
+              <a:gd name="G17" fmla="+- G13 10800 0"/>
+              <a:gd name="G18" fmla="+- G14 10800 0"/>
+              <a:gd name="G19" fmla="*/ 5400 1 2"/>
+              <a:gd name="G20" fmla="+- G19 5400 0"/>
+              <a:gd name="G21" fmla="cos G20 0"/>
+              <a:gd name="G22" fmla="sin G20 0"/>
+              <a:gd name="G23" fmla="+- G21 10800 0"/>
+              <a:gd name="G24" fmla="+- G12 G23 G22"/>
+              <a:gd name="G25" fmla="+- G22 G23 G11"/>
+              <a:gd name="G26" fmla="cos 10800 0"/>
+              <a:gd name="G27" fmla="sin 10800 0"/>
+              <a:gd name="G28" fmla="cos 5400 0"/>
+              <a:gd name="G29" fmla="sin 5400 0"/>
+              <a:gd name="G30" fmla="+- G26 10800 0"/>
+              <a:gd name="G31" fmla="+- G27 10800 0"/>
+              <a:gd name="G32" fmla="+- G28 10800 0"/>
+              <a:gd name="G33" fmla="+- G29 10800 0"/>
+              <a:gd name="G34" fmla="+- G19 5400 0"/>
+              <a:gd name="G35" fmla="cos G34 -11796480"/>
+              <a:gd name="G36" fmla="sin G34 -11796480"/>
+              <a:gd name="G37" fmla="+/ -11796480 0 2"/>
+              <a:gd name="T2" fmla="*/ 180 256 1"/>
+              <a:gd name="T3" fmla="*/ 0 256 1"/>
+              <a:gd name="G38" fmla="+- G37 T2 T3"/>
+              <a:gd name="G39" fmla="?: G2 G37 G38"/>
+              <a:gd name="G40" fmla="cos 10800 G39"/>
+              <a:gd name="G41" fmla="sin 10800 G39"/>
+              <a:gd name="G42" fmla="cos 5400 G39"/>
+              <a:gd name="G43" fmla="sin 5400 G39"/>
+              <a:gd name="G44" fmla="+- G40 10800 0"/>
+              <a:gd name="G45" fmla="+- G41 10800 0"/>
+              <a:gd name="G46" fmla="+- G42 10800 0"/>
+              <a:gd name="G47" fmla="+- G43 10800 0"/>
+              <a:gd name="G48" fmla="+- G35 10800 0"/>
+              <a:gd name="G49" fmla="+- G36 10800 0"/>
+              <a:gd name="T4" fmla="*/ 10981 w 21600"/>
+              <a:gd name="T5" fmla="*/ 3240 h 21600"/>
+              <a:gd name="T6" fmla="*/ 0 w 21600"/>
+              <a:gd name="T7" fmla="*/ 10800 h 21600"/>
+              <a:gd name="T8" fmla="*/ 10800 w 21600"/>
+              <a:gd name="T9" fmla="*/ 21600 h 21600"/>
+              <a:gd name="T10" fmla="*/ 21600 w 21600"/>
+              <a:gd name="T11" fmla="*/ 10800 h 21600"/>
+              <a:gd name="T12" fmla="*/ 0 w 21600"/>
+              <a:gd name="T13" fmla="*/ 21600 h 21600"/>
+              <a:gd name="T14" fmla="*/ 21600 w 21600"/>
+              <a:gd name="T15" fmla="*/ 21600 h 21600"/>
+              <a:gd name="T16" fmla="*/ 9050 w 21600"/>
+              <a:gd name="T17" fmla="*/ 3086 h 21600"/>
+              <a:gd name="T18" fmla="*/ 19790 w 21600"/>
+              <a:gd name="T19" fmla="*/ 3240 h 21600"/>
+              <a:gd name="T20" fmla="*/ 9050 w 21600"/>
+              <a:gd name="T21" fmla="*/ 3086 h 21600"/>
+              <a:gd name="T22" fmla="*/ 8688 w 21600"/>
+              <a:gd name="T23" fmla="*/ 1389 h 21600"/>
+              <a:gd name="T24" fmla="*/ 1086 w 21600"/>
+              <a:gd name="T25" fmla="*/ 4628 h 21600"/>
+              <a:gd name="T26" fmla="*/ 20635 w 21600"/>
+              <a:gd name="T27" fmla="*/ 20289 h 21600"/>
+            </a:gdLst>
+            <a:ahLst/>
+            <a:cxnLst>
+              <a:cxn ang="0">
+                <a:pos x="T4" y="T5"/>
+              </a:cxn>
+              <a:cxn ang="0">
+                <a:pos x="T6" y="T7"/>
+              </a:cxn>
+              <a:cxn ang="0">
+                <a:pos x="T8" y="T9"/>
+              </a:cxn>
+              <a:cxn ang="0">
+                <a:pos x="T10" y="T11"/>
+              </a:cxn>
+              <a:cxn ang="0">
+                <a:pos x="T12" y="T13"/>
+              </a:cxn>
+              <a:cxn ang="0">
+                <a:pos x="T14" y="T15"/>
+              </a:cxn>
+              <a:cxn ang="0">
+                <a:pos x="T16" y="T17"/>
+              </a:cxn>
+              <a:cxn ang="0">
+                <a:pos x="T18" y="T19"/>
+              </a:cxn>
+              <a:cxn ang="0">
+                <a:pos x="T20" y="T21"/>
+              </a:cxn>
+              <a:cxn ang="0">
+                <a:pos x="T22" y="T23"/>
+              </a:cxn>
+            </a:cxnLst>
+            <a:rect l="T24" t="T25" r="T26" b="T27"/>
+            <a:pathLst>
+              <a:path w="21600" h="21600">
+                <a:moveTo>
+                  <a:pt x="19790" y="3240"/>
+                </a:moveTo>
+                <a:cubicBezTo>
+                  <a:pt x="10981" y="3240"/>
+                  <a:pt x="9171" y="3240"/>
+                  <a:pt x="9050" y="3086"/>
+                </a:cubicBezTo>
+                <a:cubicBezTo>
+                  <a:pt x="9050" y="2931"/>
+                  <a:pt x="8930" y="2777"/>
+                  <a:pt x="8930" y="2469"/>
+                </a:cubicBezTo>
+                <a:cubicBezTo>
+                  <a:pt x="8930" y="2160"/>
+                  <a:pt x="8809" y="1851"/>
+                  <a:pt x="8688" y="1389"/>
+                </a:cubicBezTo>
+                <a:cubicBezTo>
+                  <a:pt x="8568" y="1080"/>
+                  <a:pt x="8326" y="771"/>
+                  <a:pt x="8085" y="463"/>
+                </a:cubicBezTo>
+                <a:cubicBezTo>
+                  <a:pt x="7723" y="154"/>
+                  <a:pt x="7361" y="0"/>
+                  <a:pt x="7361" y="0"/>
+                </a:cubicBezTo>
+                <a:cubicBezTo>
+                  <a:pt x="7361" y="0"/>
+                  <a:pt x="2293" y="0"/>
+                  <a:pt x="2051" y="154"/>
+                </a:cubicBezTo>
+                <a:cubicBezTo>
+                  <a:pt x="1689" y="309"/>
+                  <a:pt x="1448" y="463"/>
+                  <a:pt x="1327" y="771"/>
+                </a:cubicBezTo>
+                <a:cubicBezTo>
+                  <a:pt x="1207" y="1080"/>
+                  <a:pt x="1086" y="1389"/>
+                  <a:pt x="965" y="1697"/>
+                </a:cubicBezTo>
+                <a:cubicBezTo>
+                  <a:pt x="845" y="2160"/>
+                  <a:pt x="724" y="2314"/>
+                  <a:pt x="724" y="2469"/>
+                </a:cubicBezTo>
+                <a:cubicBezTo>
+                  <a:pt x="603" y="2623"/>
+                  <a:pt x="603" y="2777"/>
+                  <a:pt x="483" y="2931"/>
+                </a:cubicBezTo>
+                <a:cubicBezTo>
+                  <a:pt x="483" y="3086"/>
+                  <a:pt x="362" y="3240"/>
+                  <a:pt x="241" y="3240"/>
+                </a:cubicBezTo>
+                <a:lnTo>
+                  <a:pt x="0" y="3394"/>
+                </a:lnTo>
+                <a:lnTo>
+                  <a:pt x="0" y="3703"/>
+                </a:lnTo>
+                <a:lnTo>
+                  <a:pt x="0" y="10800"/>
+                </a:lnTo>
+                <a:lnTo>
+                  <a:pt x="0" y="21600"/>
+                </a:lnTo>
+                <a:lnTo>
+                  <a:pt x="10981" y="21600"/>
+                </a:lnTo>
+                <a:lnTo>
+                  <a:pt x="21600" y="21600"/>
+                </a:lnTo>
+                <a:lnTo>
+                  <a:pt x="21600" y="10800"/>
+                </a:lnTo>
+                <a:lnTo>
+                  <a:pt x="21600" y="5246"/>
+                </a:lnTo>
+                <a:lnTo>
+                  <a:pt x="21600" y="4783"/>
+                </a:lnTo>
+                <a:cubicBezTo>
+                  <a:pt x="21479" y="4320"/>
+                  <a:pt x="21359" y="4011"/>
+                  <a:pt x="21117" y="3703"/>
+                </a:cubicBezTo>
+                <a:cubicBezTo>
+                  <a:pt x="20876" y="3549"/>
+                  <a:pt x="20514" y="3394"/>
+                  <a:pt x="20152" y="3240"/>
+                </a:cubicBezTo>
+                <a:close/>
+              </a:path>
+            </a:pathLst>
+          </a:custGeom>
+          <a:solidFill>
+            <a:srgbClr val="FFFFCC"/>
+          </a:solidFill>
+          <a:ln w="9360">
+            <a:solidFill>
+              <a:srgbClr val="000000"/>
+            </a:solidFill>
+            <a:miter lim="800000"/>
+            <a:headEnd/>
+            <a:tailEnd/>
+          </a:ln>
+          <a:effectLst>
+            <a:outerShdw dist="107933" dir="2700000" algn="ctr" rotWithShape="0">
+              <a:srgbClr val="808080"/>
+            </a:outerShdw>
+          </a:effectLst>
+        </p:spPr>
+        <p:txBody>
+          <a:bodyPr lIns="90000" tIns="46800" rIns="90000" bIns="46800"/>
+          <a:lstStyle>
+            <a:lvl1pPr>
+              <a:tabLst>
+                <a:tab pos="0" algn="l"/>
+                <a:tab pos="457200" algn="l"/>
+                <a:tab pos="914400" algn="l"/>
+                <a:tab pos="1371600" algn="l"/>
+                <a:tab pos="1828800" algn="l"/>
+                <a:tab pos="2286000" algn="l"/>
+                <a:tab pos="2743200" algn="l"/>
+                <a:tab pos="3200400" algn="l"/>
+                <a:tab pos="3657600" algn="l"/>
+                <a:tab pos="4114800" algn="l"/>
+                <a:tab pos="4572000" algn="l"/>
+                <a:tab pos="5029200" algn="l"/>
+                <a:tab pos="5486400" algn="l"/>
+                <a:tab pos="5943600" algn="l"/>
+                <a:tab pos="6400800" algn="l"/>
+                <a:tab pos="6858000" algn="l"/>
+                <a:tab pos="7315200" algn="l"/>
+                <a:tab pos="7772400" algn="l"/>
+                <a:tab pos="8229600" algn="l"/>
+                <a:tab pos="8686800" algn="l"/>
+                <a:tab pos="9144000" algn="l"/>
+              </a:tabLst>
+              <a:defRPr>
+                <a:solidFill>
+                  <a:srgbClr val="000000"/>
+                </a:solidFill>
+                <a:latin typeface="Arial" charset="0"/>
+                <a:ea typeface="Lucida Sans Unicode" pitchFamily="34" charset="0"/>
+                <a:cs typeface="Lucida Sans Unicode" pitchFamily="34" charset="0"/>
+              </a:defRPr>
+            </a:lvl1pPr>
+            <a:lvl2pPr>
+              <a:tabLst>
+                <a:tab pos="0" algn="l"/>
+                <a:tab pos="457200" algn="l"/>
+                <a:tab pos="914400" algn="l"/>
+                <a:tab pos="1371600" algn="l"/>
+                <a:tab pos="1828800" algn="l"/>
+                <a:tab pos="2286000" algn="l"/>
+                <a:tab pos="2743200" algn="l"/>
+                <a:tab pos="3200400" algn="l"/>
+                <a:tab pos="3657600" algn="l"/>
+                <a:tab pos="4114800" algn="l"/>
+                <a:tab pos="4572000" algn="l"/>
+                <a:tab pos="5029200" algn="l"/>
+                <a:tab pos="5486400" algn="l"/>
+                <a:tab pos="5943600" algn="l"/>
+                <a:tab pos="6400800" algn="l"/>
+                <a:tab pos="6858000" algn="l"/>
+                <a:tab pos="7315200" algn="l"/>
+                <a:tab pos="7772400" algn="l"/>
+                <a:tab pos="8229600" algn="l"/>
+                <a:tab pos="8686800" algn="l"/>
+                <a:tab pos="9144000" algn="l"/>
+              </a:tabLst>
+              <a:defRPr>
+                <a:solidFill>
+                  <a:srgbClr val="000000"/>
+                </a:solidFill>
+                <a:latin typeface="Arial" charset="0"/>
+                <a:ea typeface="Lucida Sans Unicode" pitchFamily="34" charset="0"/>
+                <a:cs typeface="Lucida Sans Unicode" pitchFamily="34" charset="0"/>
+              </a:defRPr>
+            </a:lvl2pPr>
+            <a:lvl3pPr>
+              <a:tabLst>
+                <a:tab pos="0" algn="l"/>
+                <a:tab pos="457200" algn="l"/>
+                <a:tab pos="914400" algn="l"/>
+                <a:tab pos="1371600" algn="l"/>
+                <a:tab pos="1828800" algn="l"/>
+                <a:tab pos="2286000" algn="l"/>
+                <a:tab pos="2743200" algn="l"/>
+                <a:tab pos="3200400" algn="l"/>
+                <a:tab pos="3657600" algn="l"/>
+                <a:tab pos="4114800" algn="l"/>
+                <a:tab pos="4572000" algn="l"/>
+                <a:tab pos="5029200" algn="l"/>
+                <a:tab pos="5486400" algn="l"/>
+                <a:tab pos="5943600" algn="l"/>
+                <a:tab pos="6400800" algn="l"/>
+                <a:tab pos="6858000" algn="l"/>
+                <a:tab pos="7315200" algn="l"/>
+                <a:tab pos="7772400" algn="l"/>
+                <a:tab pos="8229600" algn="l"/>
+                <a:tab pos="8686800" algn="l"/>
+                <a:tab pos="9144000" algn="l"/>
+              </a:tabLst>
+              <a:defRPr>
+                <a:solidFill>
+                  <a:srgbClr val="000000"/>
+                </a:solidFill>
+                <a:latin typeface="Arial" charset="0"/>
+                <a:ea typeface="Lucida Sans Unicode" pitchFamily="34" charset="0"/>
+                <a:cs typeface="Lucida Sans Unicode" pitchFamily="34" charset="0"/>
+              </a:defRPr>
+            </a:lvl3pPr>
+            <a:lvl4pPr>
+              <a:tabLst>
+                <a:tab pos="0" algn="l"/>
+                <a:tab pos="457200" algn="l"/>
+                <a:tab pos="914400" algn="l"/>
+                <a:tab pos="1371600" algn="l"/>
+                <a:tab pos="1828800" algn="l"/>
+                <a:tab pos="2286000" algn="l"/>
+                <a:tab pos="2743200" algn="l"/>
+                <a:tab pos="3200400" algn="l"/>
+                <a:tab pos="3657600" algn="l"/>
+                <a:tab pos="4114800" algn="l"/>
+                <a:tab pos="4572000" algn="l"/>
+                <a:tab pos="5029200" algn="l"/>
+                <a:tab pos="5486400" algn="l"/>
+                <a:tab pos="5943600" algn="l"/>
+                <a:tab pos="6400800" algn="l"/>
+                <a:tab pos="6858000" algn="l"/>
+                <a:tab pos="7315200" algn="l"/>
+                <a:tab pos="7772400" algn="l"/>
+                <a:tab pos="8229600" algn="l"/>
+                <a:tab pos="8686800" algn="l"/>
+                <a:tab pos="9144000" algn="l"/>
+              </a:tabLst>
+              <a:defRPr>
+                <a:solidFill>
+                  <a:srgbClr val="000000"/>
+                </a:solidFill>
+                <a:latin typeface="Arial" charset="0"/>
+                <a:ea typeface="Lucida Sans Unicode" pitchFamily="34" charset="0"/>
+                <a:cs typeface="Lucida Sans Unicode" pitchFamily="34" charset="0"/>
+              </a:defRPr>
+            </a:lvl4pPr>
+            <a:lvl5pPr>
+              <a:tabLst>
+                <a:tab pos="0" algn="l"/>
+                <a:tab pos="457200" algn="l"/>
+                <a:tab pos="914400" algn="l"/>
+                <a:tab pos="1371600" algn="l"/>
+                <a:tab pos="1828800" algn="l"/>
+                <a:tab pos="2286000" algn="l"/>
+                <a:tab pos="2743200" algn="l"/>
+                <a:tab pos="3200400" algn="l"/>
+                <a:tab pos="3657600" algn="l"/>
+                <a:tab pos="4114800" algn="l"/>
+                <a:tab pos="4572000" algn="l"/>
+                <a:tab pos="5029200" algn="l"/>
+                <a:tab pos="5486400" algn="l"/>
+                <a:tab pos="5943600" algn="l"/>
+                <a:tab pos="6400800" algn="l"/>
+                <a:tab pos="6858000" algn="l"/>
+                <a:tab pos="7315200" algn="l"/>
+                <a:tab pos="7772400" algn="l"/>
+                <a:tab pos="8229600" algn="l"/>
+                <a:tab pos="8686800" algn="l"/>
+                <a:tab pos="9144000" algn="l"/>
+              </a:tabLst>
+              <a:defRPr>
+                <a:solidFill>
+                  <a:srgbClr val="000000"/>
+                </a:solidFill>
+                <a:latin typeface="Arial" charset="0"/>
+                <a:ea typeface="Lucida Sans Unicode" pitchFamily="34" charset="0"/>
+                <a:cs typeface="Lucida Sans Unicode" pitchFamily="34" charset="0"/>
+              </a:defRPr>
+            </a:lvl5pPr>
+            <a:lvl6pPr defTabSz="457200" fontAlgn="base">
+              <a:lnSpc>
+                <a:spcPct val="81000"/>
+              </a:lnSpc>
+              <a:spcBef>
+                <a:spcPct val="0"/>
+              </a:spcBef>
+              <a:spcAft>
+                <a:spcPct val="0"/>
+              </a:spcAft>
+              <a:buClr>
+                <a:srgbClr val="000000"/>
+              </a:buClr>
+              <a:buSzPct val="100000"/>
+              <a:buFont typeface="Arial" charset="0"/>
+              <a:tabLst>
+                <a:tab pos="0" algn="l"/>
+                <a:tab pos="457200" algn="l"/>
+                <a:tab pos="914400" algn="l"/>
+                <a:tab pos="1371600" algn="l"/>
+                <a:tab pos="1828800" algn="l"/>
+                <a:tab pos="2286000" algn="l"/>
+                <a:tab pos="2743200" algn="l"/>
+                <a:tab pos="3200400" algn="l"/>
+                <a:tab pos="3657600" algn="l"/>
+                <a:tab pos="4114800" algn="l"/>
+                <a:tab pos="4572000" algn="l"/>
+                <a:tab pos="5029200" algn="l"/>
+                <a:tab pos="5486400" algn="l"/>
+                <a:tab pos="5943600" algn="l"/>
+                <a:tab pos="6400800" algn="l"/>
+                <a:tab pos="6858000" algn="l"/>
+                <a:tab pos="7315200" algn="l"/>
+                <a:tab pos="7772400" algn="l"/>
+                <a:tab pos="8229600" algn="l"/>
+                <a:tab pos="8686800" algn="l"/>
+                <a:tab pos="9144000" algn="l"/>
+              </a:tabLst>
+              <a:defRPr>
+                <a:solidFill>
+                  <a:srgbClr val="000000"/>
+                </a:solidFill>
+                <a:latin typeface="Arial" charset="0"/>
+                <a:ea typeface="Lucida Sans Unicode" pitchFamily="34" charset="0"/>
+                <a:cs typeface="Lucida Sans Unicode" pitchFamily="34" charset="0"/>
+              </a:defRPr>
+            </a:lvl6pPr>
+            <a:lvl7pPr defTabSz="457200" fontAlgn="base">
+              <a:lnSpc>
+                <a:spcPct val="81000"/>
+              </a:lnSpc>
+              <a:spcBef>
+                <a:spcPct val="0"/>
+              </a:spcBef>
+              <a:spcAft>
+                <a:spcPct val="0"/>
+              </a:spcAft>
+              <a:buClr>
+                <a:srgbClr val="000000"/>
+              </a:buClr>
+              <a:buSzPct val="100000"/>
+              <a:buFont typeface="Arial" charset="0"/>
+              <a:tabLst>
+                <a:tab pos="0" algn="l"/>
+                <a:tab pos="457200" algn="l"/>
+                <a:tab pos="914400" algn="l"/>
+                <a:tab pos="1371600" algn="l"/>
+                <a:tab pos="1828800" algn="l"/>
+                <a:tab pos="2286000" algn="l"/>
+                <a:tab pos="2743200" algn="l"/>
+                <a:tab pos="3200400" algn="l"/>
+                <a:tab pos="3657600" algn="l"/>
+                <a:tab pos="4114800" algn="l"/>
+                <a:tab pos="4572000" algn="l"/>
+                <a:tab pos="5029200" algn="l"/>
+                <a:tab pos="5486400" algn="l"/>
+                <a:tab pos="5943600" algn="l"/>
+                <a:tab pos="6400800" algn="l"/>
+                <a:tab pos="6858000" algn="l"/>
+                <a:tab pos="7315200" algn="l"/>
+                <a:tab pos="7772400" algn="l"/>
+                <a:tab pos="8229600" algn="l"/>
+                <a:tab pos="8686800" algn="l"/>
+                <a:tab pos="9144000" algn="l"/>
+              </a:tabLst>
+              <a:defRPr>
+                <a:solidFill>
+                  <a:srgbClr val="000000"/>
+                </a:solidFill>
+                <a:latin typeface="Arial" charset="0"/>
+                <a:ea typeface="Lucida Sans Unicode" pitchFamily="34" charset="0"/>
+                <a:cs typeface="Lucida Sans Unicode" pitchFamily="34" charset="0"/>
+              </a:defRPr>
+            </a:lvl7pPr>
+            <a:lvl8pPr defTabSz="457200" fontAlgn="base">
+              <a:lnSpc>
+                <a:spcPct val="81000"/>
+              </a:lnSpc>
+              <a:spcBef>
+                <a:spcPct val="0"/>
+              </a:spcBef>
+              <a:spcAft>
+                <a:spcPct val="0"/>
+              </a:spcAft>
+              <a:buClr>
+                <a:srgbClr val="000000"/>
+              </a:buClr>
+              <a:buSzPct val="100000"/>
+              <a:buFont typeface="Arial" charset="0"/>
+              <a:tabLst>
+                <a:tab pos="0" algn="l"/>
+                <a:tab pos="457200" algn="l"/>
+                <a:tab pos="914400" algn="l"/>
+                <a:tab pos="1371600" algn="l"/>
+                <a:tab pos="1828800" algn="l"/>
+                <a:tab pos="2286000" algn="l"/>
+                <a:tab pos="2743200" algn="l"/>
+                <a:tab pos="3200400" algn="l"/>
+                <a:tab pos="3657600" algn="l"/>
+                <a:tab pos="4114800" algn="l"/>
+                <a:tab pos="4572000" algn="l"/>
+                <a:tab pos="5029200" algn="l"/>
+                <a:tab pos="5486400" algn="l"/>
+                <a:tab pos="5943600" algn="l"/>
+                <a:tab pos="6400800" algn="l"/>
+                <a:tab pos="6858000" algn="l"/>
+                <a:tab pos="7315200" algn="l"/>
+                <a:tab pos="7772400" algn="l"/>
+                <a:tab pos="8229600" algn="l"/>
+                <a:tab pos="8686800" algn="l"/>
+                <a:tab pos="9144000" algn="l"/>
+              </a:tabLst>
+              <a:defRPr>
+                <a:solidFill>
+                  <a:srgbClr val="000000"/>
+                </a:solidFill>
+                <a:latin typeface="Arial" charset="0"/>
+                <a:ea typeface="Lucida Sans Unicode" pitchFamily="34" charset="0"/>
+                <a:cs typeface="Lucida Sans Unicode" pitchFamily="34" charset="0"/>
+              </a:defRPr>
+            </a:lvl8pPr>
+            <a:lvl9pPr defTabSz="457200" fontAlgn="base">
+              <a:lnSpc>
+                <a:spcPct val="81000"/>
+              </a:lnSpc>
+              <a:spcBef>
+                <a:spcPct val="0"/>
+              </a:spcBef>
+              <a:spcAft>
+                <a:spcPct val="0"/>
+              </a:spcAft>
+              <a:buClr>
+                <a:srgbClr val="000000"/>
+              </a:buClr>
+              <a:buSzPct val="100000"/>
+              <a:buFont typeface="Arial" charset="0"/>
+              <a:tabLst>
+                <a:tab pos="0" algn="l"/>
+                <a:tab pos="457200" algn="l"/>
+                <a:tab pos="914400" algn="l"/>
+                <a:tab pos="1371600" algn="l"/>
+                <a:tab pos="1828800" algn="l"/>
+                <a:tab pos="2286000" algn="l"/>
+                <a:tab pos="2743200" algn="l"/>
+                <a:tab pos="3200400" algn="l"/>
+                <a:tab pos="3657600" algn="l"/>
+                <a:tab pos="4114800" algn="l"/>
+                <a:tab pos="4572000" algn="l"/>
+                <a:tab pos="5029200" algn="l"/>
+                <a:tab pos="5486400" algn="l"/>
+                <a:tab pos="5943600" algn="l"/>
+                <a:tab pos="6400800" algn="l"/>
+                <a:tab pos="6858000" algn="l"/>
+                <a:tab pos="7315200" algn="l"/>
+                <a:tab pos="7772400" algn="l"/>
+                <a:tab pos="8229600" algn="l"/>
+                <a:tab pos="8686800" algn="l"/>
+                <a:tab pos="9144000" algn="l"/>
+              </a:tabLst>
+              <a:defRPr>
+                <a:solidFill>
+                  <a:srgbClr val="000000"/>
+                </a:solidFill>
+                <a:latin typeface="Arial" charset="0"/>
+                <a:ea typeface="Lucida Sans Unicode" pitchFamily="34" charset="0"/>
+                <a:cs typeface="Lucida Sans Unicode" pitchFamily="34" charset="0"/>
+              </a:defRPr>
+            </a:lvl9pPr>
+          </a:lstStyle>
+          <a:p>
+            <a:pPr>
+              <a:lnSpc>
+                <a:spcPct val="93000"/>
+              </a:lnSpc>
+              <a:buFont typeface="Arial" charset="0"/>
+              <a:buNone/>
+            </a:pPr>
+            <a:r>
+              <a:rPr lang="en-GB" altLang="pl-PL"/>
+              <a:t>simplex</a:t>
+            </a:r>
+          </a:p>
+        </p:txBody>
+      </p:sp>
+      <p:sp>
+        <p:nvSpPr>
+          <p:cNvPr id="8" name="AutoShape 9"/>
+          <p:cNvSpPr>
+            <a:spLocks noChangeArrowheads="1"/>
+          </p:cNvSpPr>
+          <p:nvPr/>
+        </p:nvSpPr>
+        <p:spPr bwMode="auto">
+          <a:xfrm>
+            <a:off x="1601116" y="3750622"/>
+            <a:ext cx="1338263" cy="609600"/>
+          </a:xfrm>
+          <a:custGeom>
+            <a:avLst/>
+            <a:gdLst>
+              <a:gd name="G0" fmla="+- 0 0 0"/>
+              <a:gd name="G1" fmla="+- -11796480 0 0"/>
+              <a:gd name="G2" fmla="+- 0 0 -11796480"/>
+              <a:gd name="G3" fmla="+- 10800 0 0"/>
+              <a:gd name="G4" fmla="+- 0 0 0"/>
+              <a:gd name="T0" fmla="*/ 360 256 1"/>
+              <a:gd name="T1" fmla="*/ 0 256 1"/>
+              <a:gd name="G5" fmla="+- G2 T0 T1"/>
+              <a:gd name="G6" fmla="?: G2 G2 G5"/>
+              <a:gd name="G7" fmla="+- 0 0 G6"/>
+              <a:gd name="G8" fmla="+- 5400 0 0"/>
+              <a:gd name="G9" fmla="+- 0 0 -11796480"/>
+              <a:gd name="G10" fmla="+- 5400 0 2700"/>
+              <a:gd name="G11" fmla="cos G10 0"/>
+              <a:gd name="G12" fmla="sin G10 0"/>
+              <a:gd name="G13" fmla="cos 13500 0"/>
+              <a:gd name="G14" fmla="sin 13500 0"/>
+              <a:gd name="G15" fmla="+- G11 10800 0"/>
+              <a:gd name="G16" fmla="+- G12 10800 0"/>
+              <a:gd name="G17" fmla="+- G13 10800 0"/>
+              <a:gd name="G18" fmla="+- G14 10800 0"/>
+              <a:gd name="G19" fmla="*/ 5400 1 2"/>
+              <a:gd name="G20" fmla="+- G19 5400 0"/>
+              <a:gd name="G21" fmla="cos G20 0"/>
+              <a:gd name="G22" fmla="sin G20 0"/>
+              <a:gd name="G23" fmla="+- G21 10800 0"/>
+              <a:gd name="G24" fmla="+- G12 G23 G22"/>
+              <a:gd name="G25" fmla="+- G22 G23 G11"/>
+              <a:gd name="G26" fmla="cos 10800 0"/>
+              <a:gd name="G27" fmla="sin 10800 0"/>
+              <a:gd name="G28" fmla="cos 5400 0"/>
+              <a:gd name="G29" fmla="sin 5400 0"/>
+              <a:gd name="G30" fmla="+- G26 10800 0"/>
+              <a:gd name="G31" fmla="+- G27 10800 0"/>
+              <a:gd name="G32" fmla="+- G28 10800 0"/>
+              <a:gd name="G33" fmla="+- G29 10800 0"/>
+              <a:gd name="G34" fmla="+- G19 5400 0"/>
+              <a:gd name="G35" fmla="cos G34 -11796480"/>
+              <a:gd name="G36" fmla="sin G34 -11796480"/>
+              <a:gd name="G37" fmla="+/ -11796480 0 2"/>
+              <a:gd name="T2" fmla="*/ 180 256 1"/>
+              <a:gd name="T3" fmla="*/ 0 256 1"/>
+              <a:gd name="G38" fmla="+- G37 T2 T3"/>
+              <a:gd name="G39" fmla="?: G2 G37 G38"/>
+              <a:gd name="G40" fmla="cos 10800 G39"/>
+              <a:gd name="G41" fmla="sin 10800 G39"/>
+              <a:gd name="G42" fmla="cos 5400 G39"/>
+              <a:gd name="G43" fmla="sin 5400 G39"/>
+              <a:gd name="G44" fmla="+- G40 10800 0"/>
+              <a:gd name="G45" fmla="+- G41 10800 0"/>
+              <a:gd name="G46" fmla="+- G42 10800 0"/>
+              <a:gd name="G47" fmla="+- G43 10800 0"/>
+              <a:gd name="G48" fmla="+- G35 10800 0"/>
+              <a:gd name="G49" fmla="+- G36 10800 0"/>
+              <a:gd name="T4" fmla="*/ 10981 w 21600"/>
+              <a:gd name="T5" fmla="*/ 3240 h 21600"/>
+              <a:gd name="T6" fmla="*/ 0 w 21600"/>
+              <a:gd name="T7" fmla="*/ 10800 h 21600"/>
+              <a:gd name="T8" fmla="*/ 10800 w 21600"/>
+              <a:gd name="T9" fmla="*/ 21600 h 21600"/>
+              <a:gd name="T10" fmla="*/ 21600 w 21600"/>
+              <a:gd name="T11" fmla="*/ 10800 h 21600"/>
+              <a:gd name="T12" fmla="*/ 0 w 21600"/>
+              <a:gd name="T13" fmla="*/ 21600 h 21600"/>
+              <a:gd name="T14" fmla="*/ 21600 w 21600"/>
+              <a:gd name="T15" fmla="*/ 21600 h 21600"/>
+              <a:gd name="T16" fmla="*/ 9050 w 21600"/>
+              <a:gd name="T17" fmla="*/ 3086 h 21600"/>
+              <a:gd name="T18" fmla="*/ 19790 w 21600"/>
+              <a:gd name="T19" fmla="*/ 3240 h 21600"/>
+              <a:gd name="T20" fmla="*/ 9050 w 21600"/>
+              <a:gd name="T21" fmla="*/ 3086 h 21600"/>
+              <a:gd name="T22" fmla="*/ 8688 w 21600"/>
+              <a:gd name="T23" fmla="*/ 1389 h 21600"/>
+              <a:gd name="T24" fmla="*/ 1086 w 21600"/>
+              <a:gd name="T25" fmla="*/ 4628 h 21600"/>
+              <a:gd name="T26" fmla="*/ 20635 w 21600"/>
+              <a:gd name="T27" fmla="*/ 20289 h 21600"/>
+            </a:gdLst>
+            <a:ahLst/>
+            <a:cxnLst>
+              <a:cxn ang="0">
+                <a:pos x="T4" y="T5"/>
+              </a:cxn>
+              <a:cxn ang="0">
+                <a:pos x="T6" y="T7"/>
+              </a:cxn>
+              <a:cxn ang="0">
+                <a:pos x="T8" y="T9"/>
+              </a:cxn>
+              <a:cxn ang="0">
+                <a:pos x="T10" y="T11"/>
+              </a:cxn>
+              <a:cxn ang="0">
+                <a:pos x="T12" y="T13"/>
+              </a:cxn>
+              <a:cxn ang="0">
+                <a:pos x="T14" y="T15"/>
+              </a:cxn>
+              <a:cxn ang="0">
+                <a:pos x="T16" y="T17"/>
+              </a:cxn>
+              <a:cxn ang="0">
+                <a:pos x="T18" y="T19"/>
+              </a:cxn>
+              <a:cxn ang="0">
+                <a:pos x="T20" y="T21"/>
+              </a:cxn>
+              <a:cxn ang="0">
+                <a:pos x="T22" y="T23"/>
+              </a:cxn>
+            </a:cxnLst>
+            <a:rect l="T24" t="T25" r="T26" b="T27"/>
+            <a:pathLst>
+              <a:path w="21600" h="21600">
+                <a:moveTo>
+                  <a:pt x="19790" y="3240"/>
+                </a:moveTo>
+                <a:cubicBezTo>
+                  <a:pt x="10981" y="3240"/>
+                  <a:pt x="9171" y="3240"/>
+                  <a:pt x="9050" y="3086"/>
+                </a:cubicBezTo>
+                <a:cubicBezTo>
+                  <a:pt x="9050" y="2931"/>
+                  <a:pt x="8930" y="2777"/>
+                  <a:pt x="8930" y="2469"/>
+                </a:cubicBezTo>
+                <a:cubicBezTo>
+                  <a:pt x="8930" y="2160"/>
+                  <a:pt x="8809" y="1851"/>
+                  <a:pt x="8688" y="1389"/>
+                </a:cubicBezTo>
+                <a:cubicBezTo>
+                  <a:pt x="8568" y="1080"/>
+                  <a:pt x="8326" y="771"/>
+                  <a:pt x="8085" y="463"/>
+                </a:cubicBezTo>
+                <a:cubicBezTo>
+                  <a:pt x="7723" y="154"/>
+                  <a:pt x="7361" y="0"/>
+                  <a:pt x="7361" y="0"/>
+                </a:cubicBezTo>
+                <a:cubicBezTo>
+                  <a:pt x="7361" y="0"/>
+                  <a:pt x="2293" y="0"/>
+                  <a:pt x="2051" y="154"/>
+                </a:cubicBezTo>
+                <a:cubicBezTo>
+                  <a:pt x="1689" y="309"/>
+                  <a:pt x="1448" y="463"/>
+                  <a:pt x="1327" y="771"/>
+                </a:cubicBezTo>
+                <a:cubicBezTo>
+                  <a:pt x="1207" y="1080"/>
+                  <a:pt x="1086" y="1389"/>
+                  <a:pt x="965" y="1697"/>
+                </a:cubicBezTo>
+                <a:cubicBezTo>
+                  <a:pt x="845" y="2160"/>
+                  <a:pt x="724" y="2314"/>
+                  <a:pt x="724" y="2469"/>
+                </a:cubicBezTo>
+                <a:cubicBezTo>
+                  <a:pt x="603" y="2623"/>
+                  <a:pt x="603" y="2777"/>
+                  <a:pt x="483" y="2931"/>
+                </a:cubicBezTo>
+                <a:cubicBezTo>
+                  <a:pt x="483" y="3086"/>
+                  <a:pt x="362" y="3240"/>
+                  <a:pt x="241" y="3240"/>
+                </a:cubicBezTo>
+                <a:lnTo>
+                  <a:pt x="0" y="3394"/>
+                </a:lnTo>
+                <a:lnTo>
+                  <a:pt x="0" y="3703"/>
+                </a:lnTo>
+                <a:lnTo>
+                  <a:pt x="0" y="10800"/>
+                </a:lnTo>
+                <a:lnTo>
+                  <a:pt x="0" y="21600"/>
+                </a:lnTo>
+                <a:lnTo>
+                  <a:pt x="10981" y="21600"/>
+                </a:lnTo>
+                <a:lnTo>
+                  <a:pt x="21600" y="21600"/>
+                </a:lnTo>
+                <a:lnTo>
+                  <a:pt x="21600" y="10800"/>
+                </a:lnTo>
+                <a:lnTo>
+                  <a:pt x="21600" y="5246"/>
+                </a:lnTo>
+                <a:lnTo>
+                  <a:pt x="21600" y="4783"/>
+                </a:lnTo>
+                <a:cubicBezTo>
+                  <a:pt x="21479" y="4320"/>
+                  <a:pt x="21359" y="4011"/>
+                  <a:pt x="21117" y="3703"/>
+                </a:cubicBezTo>
+                <a:cubicBezTo>
+                  <a:pt x="20876" y="3549"/>
+                  <a:pt x="20514" y="3394"/>
+                  <a:pt x="20152" y="3240"/>
+                </a:cubicBezTo>
+                <a:close/>
+              </a:path>
+            </a:pathLst>
+          </a:custGeom>
+          <a:solidFill>
+            <a:srgbClr val="FFFFCC"/>
+          </a:solidFill>
+          <a:ln w="9360">
+            <a:solidFill>
+              <a:srgbClr val="000000"/>
+            </a:solidFill>
+            <a:miter lim="800000"/>
+            <a:headEnd/>
+            <a:tailEnd/>
+          </a:ln>
+          <a:effectLst>
+            <a:outerShdw dist="107933" dir="2700000" algn="ctr" rotWithShape="0">
+              <a:srgbClr val="808080"/>
+            </a:outerShdw>
+          </a:effectLst>
+        </p:spPr>
+        <p:txBody>
+          <a:bodyPr lIns="90000" tIns="46800" rIns="90000" bIns="46800"/>
+          <a:lstStyle>
+            <a:lvl1pPr>
+              <a:tabLst>
+                <a:tab pos="0" algn="l"/>
+                <a:tab pos="457200" algn="l"/>
+                <a:tab pos="914400" algn="l"/>
+                <a:tab pos="1371600" algn="l"/>
+                <a:tab pos="1828800" algn="l"/>
+                <a:tab pos="2286000" algn="l"/>
+                <a:tab pos="2743200" algn="l"/>
+                <a:tab pos="3200400" algn="l"/>
+                <a:tab pos="3657600" algn="l"/>
+                <a:tab pos="4114800" algn="l"/>
+                <a:tab pos="4572000" algn="l"/>
+                <a:tab pos="5029200" algn="l"/>
+                <a:tab pos="5486400" algn="l"/>
+                <a:tab pos="5943600" algn="l"/>
+                <a:tab pos="6400800" algn="l"/>
+                <a:tab pos="6858000" algn="l"/>
+                <a:tab pos="7315200" algn="l"/>
+                <a:tab pos="7772400" algn="l"/>
+                <a:tab pos="8229600" algn="l"/>
+                <a:tab pos="8686800" algn="l"/>
+                <a:tab pos="9144000" algn="l"/>
+              </a:tabLst>
+              <a:defRPr>
+                <a:solidFill>
+                  <a:srgbClr val="000000"/>
+                </a:solidFill>
+                <a:latin typeface="Arial" charset="0"/>
+                <a:ea typeface="Lucida Sans Unicode" pitchFamily="34" charset="0"/>
+                <a:cs typeface="Lucida Sans Unicode" pitchFamily="34" charset="0"/>
+              </a:defRPr>
+            </a:lvl1pPr>
+            <a:lvl2pPr>
+              <a:tabLst>
+                <a:tab pos="0" algn="l"/>
+                <a:tab pos="457200" algn="l"/>
+                <a:tab pos="914400" algn="l"/>
+                <a:tab pos="1371600" algn="l"/>
+                <a:tab pos="1828800" algn="l"/>
+                <a:tab pos="2286000" algn="l"/>
+                <a:tab pos="2743200" algn="l"/>
+                <a:tab pos="3200400" algn="l"/>
+                <a:tab pos="3657600" algn="l"/>
+                <a:tab pos="4114800" algn="l"/>
+                <a:tab pos="4572000" algn="l"/>
+                <a:tab pos="5029200" algn="l"/>
+                <a:tab pos="5486400" algn="l"/>
+                <a:tab pos="5943600" algn="l"/>
+                <a:tab pos="6400800" algn="l"/>
+                <a:tab pos="6858000" algn="l"/>
+                <a:tab pos="7315200" algn="l"/>
+                <a:tab pos="7772400" algn="l"/>
+                <a:tab pos="8229600" algn="l"/>
+                <a:tab pos="8686800" algn="l"/>
+                <a:tab pos="9144000" algn="l"/>
+              </a:tabLst>
+              <a:defRPr>
+                <a:solidFill>
+                  <a:srgbClr val="000000"/>
+                </a:solidFill>
+                <a:latin typeface="Arial" charset="0"/>
+                <a:ea typeface="Lucida Sans Unicode" pitchFamily="34" charset="0"/>
+                <a:cs typeface="Lucida Sans Unicode" pitchFamily="34" charset="0"/>
+              </a:defRPr>
+            </a:lvl2pPr>
+            <a:lvl3pPr>
+              <a:tabLst>
+                <a:tab pos="0" algn="l"/>
+                <a:tab pos="457200" algn="l"/>
+                <a:tab pos="914400" algn="l"/>
+                <a:tab pos="1371600" algn="l"/>
+                <a:tab pos="1828800" algn="l"/>
+                <a:tab pos="2286000" algn="l"/>
+                <a:tab pos="2743200" algn="l"/>
+                <a:tab pos="3200400" algn="l"/>
+                <a:tab pos="3657600" algn="l"/>
+                <a:tab pos="4114800" algn="l"/>
+                <a:tab pos="4572000" algn="l"/>
+                <a:tab pos="5029200" algn="l"/>
+                <a:tab pos="5486400" algn="l"/>
+                <a:tab pos="5943600" algn="l"/>
+                <a:tab pos="6400800" algn="l"/>
+                <a:tab pos="6858000" algn="l"/>
+                <a:tab pos="7315200" algn="l"/>
+                <a:tab pos="7772400" algn="l"/>
+                <a:tab pos="8229600" algn="l"/>
+                <a:tab pos="8686800" algn="l"/>
+                <a:tab pos="9144000" algn="l"/>
+              </a:tabLst>
+              <a:defRPr>
+                <a:solidFill>
+                  <a:srgbClr val="000000"/>
+                </a:solidFill>
+                <a:latin typeface="Arial" charset="0"/>
+                <a:ea typeface="Lucida Sans Unicode" pitchFamily="34" charset="0"/>
+                <a:cs typeface="Lucida Sans Unicode" pitchFamily="34" charset="0"/>
+              </a:defRPr>
+            </a:lvl3pPr>
+            <a:lvl4pPr>
+              <a:tabLst>
+                <a:tab pos="0" algn="l"/>
+                <a:tab pos="457200" algn="l"/>
+                <a:tab pos="914400" algn="l"/>
+                <a:tab pos="1371600" algn="l"/>
+                <a:tab pos="1828800" algn="l"/>
+                <a:tab pos="2286000" algn="l"/>
+                <a:tab pos="2743200" algn="l"/>
+                <a:tab pos="3200400" algn="l"/>
+                <a:tab pos="3657600" algn="l"/>
+                <a:tab pos="4114800" algn="l"/>
+                <a:tab pos="4572000" algn="l"/>
+                <a:tab pos="5029200" algn="l"/>
+                <a:tab pos="5486400" algn="l"/>
+                <a:tab pos="5943600" algn="l"/>
+                <a:tab pos="6400800" algn="l"/>
+                <a:tab pos="6858000" algn="l"/>
+                <a:tab pos="7315200" algn="l"/>
+                <a:tab pos="7772400" algn="l"/>
+                <a:tab pos="8229600" algn="l"/>
+                <a:tab pos="8686800" algn="l"/>
+                <a:tab pos="9144000" algn="l"/>
+              </a:tabLst>
+              <a:defRPr>
+                <a:solidFill>
+                  <a:srgbClr val="000000"/>
+                </a:solidFill>
+                <a:latin typeface="Arial" charset="0"/>
+                <a:ea typeface="Lucida Sans Unicode" pitchFamily="34" charset="0"/>
+                <a:cs typeface="Lucida Sans Unicode" pitchFamily="34" charset="0"/>
+              </a:defRPr>
+            </a:lvl4pPr>
+            <a:lvl5pPr>
+              <a:tabLst>
+                <a:tab pos="0" algn="l"/>
+                <a:tab pos="457200" algn="l"/>
+                <a:tab pos="914400" algn="l"/>
+                <a:tab pos="1371600" algn="l"/>
+                <a:tab pos="1828800" algn="l"/>
+                <a:tab pos="2286000" algn="l"/>
+                <a:tab pos="2743200" algn="l"/>
+                <a:tab pos="3200400" algn="l"/>
+                <a:tab pos="3657600" algn="l"/>
+                <a:tab pos="4114800" algn="l"/>
+                <a:tab pos="4572000" algn="l"/>
+                <a:tab pos="5029200" algn="l"/>
+                <a:tab pos="5486400" algn="l"/>
+                <a:tab pos="5943600" algn="l"/>
+                <a:tab pos="6400800" algn="l"/>
+                <a:tab pos="6858000" algn="l"/>
+                <a:tab pos="7315200" algn="l"/>
+                <a:tab pos="7772400" algn="l"/>
+                <a:tab pos="8229600" algn="l"/>
+                <a:tab pos="8686800" algn="l"/>
+                <a:tab pos="9144000" algn="l"/>
+              </a:tabLst>
+              <a:defRPr>
+                <a:solidFill>
+                  <a:srgbClr val="000000"/>
+                </a:solidFill>
+                <a:latin typeface="Arial" charset="0"/>
+                <a:ea typeface="Lucida Sans Unicode" pitchFamily="34" charset="0"/>
+                <a:cs typeface="Lucida Sans Unicode" pitchFamily="34" charset="0"/>
+              </a:defRPr>
+            </a:lvl5pPr>
+            <a:lvl6pPr defTabSz="457200" fontAlgn="base">
+              <a:lnSpc>
+                <a:spcPct val="81000"/>
+              </a:lnSpc>
+              <a:spcBef>
+                <a:spcPct val="0"/>
+              </a:spcBef>
+              <a:spcAft>
+                <a:spcPct val="0"/>
+              </a:spcAft>
+              <a:buClr>
+                <a:srgbClr val="000000"/>
+              </a:buClr>
+              <a:buSzPct val="100000"/>
+              <a:buFont typeface="Arial" charset="0"/>
+              <a:tabLst>
+                <a:tab pos="0" algn="l"/>
+                <a:tab pos="457200" algn="l"/>
+                <a:tab pos="914400" algn="l"/>
+                <a:tab pos="1371600" algn="l"/>
+                <a:tab pos="1828800" algn="l"/>
+                <a:tab pos="2286000" algn="l"/>
+                <a:tab pos="2743200" algn="l"/>
+                <a:tab pos="3200400" algn="l"/>
+                <a:tab pos="3657600" algn="l"/>
+                <a:tab pos="4114800" algn="l"/>
+                <a:tab pos="4572000" algn="l"/>
+                <a:tab pos="5029200" algn="l"/>
+                <a:tab pos="5486400" algn="l"/>
+                <a:tab pos="5943600" algn="l"/>
+                <a:tab pos="6400800" algn="l"/>
+                <a:tab pos="6858000" algn="l"/>
+                <a:tab pos="7315200" algn="l"/>
+                <a:tab pos="7772400" algn="l"/>
+                <a:tab pos="8229600" algn="l"/>
+                <a:tab pos="8686800" algn="l"/>
+                <a:tab pos="9144000" algn="l"/>
+              </a:tabLst>
+              <a:defRPr>
+                <a:solidFill>
+                  <a:srgbClr val="000000"/>
+                </a:solidFill>
+                <a:latin typeface="Arial" charset="0"/>
+                <a:ea typeface="Lucida Sans Unicode" pitchFamily="34" charset="0"/>
+                <a:cs typeface="Lucida Sans Unicode" pitchFamily="34" charset="0"/>
+              </a:defRPr>
+            </a:lvl6pPr>
+            <a:lvl7pPr defTabSz="457200" fontAlgn="base">
+              <a:lnSpc>
+                <a:spcPct val="81000"/>
+              </a:lnSpc>
+              <a:spcBef>
+                <a:spcPct val="0"/>
+              </a:spcBef>
+              <a:spcAft>
+                <a:spcPct val="0"/>
+              </a:spcAft>
+              <a:buClr>
+                <a:srgbClr val="000000"/>
+              </a:buClr>
+              <a:buSzPct val="100000"/>
+              <a:buFont typeface="Arial" charset="0"/>
+              <a:tabLst>
+                <a:tab pos="0" algn="l"/>
+                <a:tab pos="457200" algn="l"/>
+                <a:tab pos="914400" algn="l"/>
+                <a:tab pos="1371600" algn="l"/>
+                <a:tab pos="1828800" algn="l"/>
+                <a:tab pos="2286000" algn="l"/>
+                <a:tab pos="2743200" algn="l"/>
+                <a:tab pos="3200400" algn="l"/>
+                <a:tab pos="3657600" algn="l"/>
+                <a:tab pos="4114800" algn="l"/>
+                <a:tab pos="4572000" algn="l"/>
+                <a:tab pos="5029200" algn="l"/>
+                <a:tab pos="5486400" algn="l"/>
+                <a:tab pos="5943600" algn="l"/>
+                <a:tab pos="6400800" algn="l"/>
+                <a:tab pos="6858000" algn="l"/>
+                <a:tab pos="7315200" algn="l"/>
+                <a:tab pos="7772400" algn="l"/>
+                <a:tab pos="8229600" algn="l"/>
+                <a:tab pos="8686800" algn="l"/>
+                <a:tab pos="9144000" algn="l"/>
+              </a:tabLst>
+              <a:defRPr>
+                <a:solidFill>
+                  <a:srgbClr val="000000"/>
+                </a:solidFill>
+                <a:latin typeface="Arial" charset="0"/>
+                <a:ea typeface="Lucida Sans Unicode" pitchFamily="34" charset="0"/>
+                <a:cs typeface="Lucida Sans Unicode" pitchFamily="34" charset="0"/>
+              </a:defRPr>
+            </a:lvl7pPr>
+            <a:lvl8pPr defTabSz="457200" fontAlgn="base">
+              <a:lnSpc>
+                <a:spcPct val="81000"/>
+              </a:lnSpc>
+              <a:spcBef>
+                <a:spcPct val="0"/>
+              </a:spcBef>
+              <a:spcAft>
+                <a:spcPct val="0"/>
+              </a:spcAft>
+              <a:buClr>
+                <a:srgbClr val="000000"/>
+              </a:buClr>
+              <a:buSzPct val="100000"/>
+              <a:buFont typeface="Arial" charset="0"/>
+              <a:tabLst>
+                <a:tab pos="0" algn="l"/>
+                <a:tab pos="457200" algn="l"/>
+                <a:tab pos="914400" algn="l"/>
+                <a:tab pos="1371600" algn="l"/>
+                <a:tab pos="1828800" algn="l"/>
+                <a:tab pos="2286000" algn="l"/>
+                <a:tab pos="2743200" algn="l"/>
+                <a:tab pos="3200400" algn="l"/>
+                <a:tab pos="3657600" algn="l"/>
+                <a:tab pos="4114800" algn="l"/>
+                <a:tab pos="4572000" algn="l"/>
+                <a:tab pos="5029200" algn="l"/>
+                <a:tab pos="5486400" algn="l"/>
+                <a:tab pos="5943600" algn="l"/>
+                <a:tab pos="6400800" algn="l"/>
+                <a:tab pos="6858000" algn="l"/>
+                <a:tab pos="7315200" algn="l"/>
+                <a:tab pos="7772400" algn="l"/>
+                <a:tab pos="8229600" algn="l"/>
+                <a:tab pos="8686800" algn="l"/>
+                <a:tab pos="9144000" algn="l"/>
+              </a:tabLst>
+              <a:defRPr>
+                <a:solidFill>
+                  <a:srgbClr val="000000"/>
+                </a:solidFill>
+                <a:latin typeface="Arial" charset="0"/>
+                <a:ea typeface="Lucida Sans Unicode" pitchFamily="34" charset="0"/>
+                <a:cs typeface="Lucida Sans Unicode" pitchFamily="34" charset="0"/>
+              </a:defRPr>
+            </a:lvl8pPr>
+            <a:lvl9pPr defTabSz="457200" fontAlgn="base">
+              <a:lnSpc>
+                <a:spcPct val="81000"/>
+              </a:lnSpc>
+              <a:spcBef>
+                <a:spcPct val="0"/>
+              </a:spcBef>
+              <a:spcAft>
+                <a:spcPct val="0"/>
+              </a:spcAft>
+              <a:buClr>
+                <a:srgbClr val="000000"/>
+              </a:buClr>
+              <a:buSzPct val="100000"/>
+              <a:buFont typeface="Arial" charset="0"/>
+              <a:tabLst>
+                <a:tab pos="0" algn="l"/>
+                <a:tab pos="457200" algn="l"/>
+                <a:tab pos="914400" algn="l"/>
+                <a:tab pos="1371600" algn="l"/>
+                <a:tab pos="1828800" algn="l"/>
+                <a:tab pos="2286000" algn="l"/>
+                <a:tab pos="2743200" algn="l"/>
+                <a:tab pos="3200400" algn="l"/>
+                <a:tab pos="3657600" algn="l"/>
+                <a:tab pos="4114800" algn="l"/>
+                <a:tab pos="4572000" algn="l"/>
+                <a:tab pos="5029200" algn="l"/>
+                <a:tab pos="5486400" algn="l"/>
+                <a:tab pos="5943600" algn="l"/>
+                <a:tab pos="6400800" algn="l"/>
+                <a:tab pos="6858000" algn="l"/>
+                <a:tab pos="7315200" algn="l"/>
+                <a:tab pos="7772400" algn="l"/>
+                <a:tab pos="8229600" algn="l"/>
+                <a:tab pos="8686800" algn="l"/>
+                <a:tab pos="9144000" algn="l"/>
+              </a:tabLst>
+              <a:defRPr>
+                <a:solidFill>
+                  <a:srgbClr val="000000"/>
+                </a:solidFill>
+                <a:latin typeface="Arial" charset="0"/>
+                <a:ea typeface="Lucida Sans Unicode" pitchFamily="34" charset="0"/>
+                <a:cs typeface="Lucida Sans Unicode" pitchFamily="34" charset="0"/>
+              </a:defRPr>
+            </a:lvl9pPr>
+          </a:lstStyle>
+          <a:p>
+            <a:pPr>
+              <a:lnSpc>
+                <a:spcPct val="93000"/>
+              </a:lnSpc>
+              <a:buFont typeface="Arial" charset="0"/>
+              <a:buNone/>
+            </a:pPr>
+            <a:r>
+              <a:rPr lang="en-GB" altLang="pl-PL" dirty="0"/>
+              <a:t>complex</a:t>
+            </a:r>
+          </a:p>
+        </p:txBody>
+      </p:sp>
+      <p:sp>
+        <p:nvSpPr>
+          <p:cNvPr id="9" name="AutoShape 10"/>
+          <p:cNvSpPr>
+            <a:spLocks noChangeArrowheads="1"/>
+          </p:cNvSpPr>
+          <p:nvPr/>
+        </p:nvSpPr>
+        <p:spPr bwMode="auto">
+          <a:xfrm>
+            <a:off x="1601116" y="4554366"/>
+            <a:ext cx="1295400" cy="609600"/>
+          </a:xfrm>
+          <a:custGeom>
+            <a:avLst/>
+            <a:gdLst>
+              <a:gd name="G0" fmla="+- 0 0 0"/>
+              <a:gd name="G1" fmla="+- -11796480 0 0"/>
+              <a:gd name="G2" fmla="+- 0 0 -11796480"/>
+              <a:gd name="G3" fmla="+- 10800 0 0"/>
+              <a:gd name="G4" fmla="+- 0 0 0"/>
+              <a:gd name="T0" fmla="*/ 360 256 1"/>
+              <a:gd name="T1" fmla="*/ 0 256 1"/>
+              <a:gd name="G5" fmla="+- G2 T0 T1"/>
+              <a:gd name="G6" fmla="?: G2 G2 G5"/>
+              <a:gd name="G7" fmla="+- 0 0 G6"/>
+              <a:gd name="G8" fmla="+- 5400 0 0"/>
+              <a:gd name="G9" fmla="+- 0 0 -11796480"/>
+              <a:gd name="G10" fmla="+- 5400 0 2700"/>
+              <a:gd name="G11" fmla="cos G10 0"/>
+              <a:gd name="G12" fmla="sin G10 0"/>
+              <a:gd name="G13" fmla="cos 13500 0"/>
+              <a:gd name="G14" fmla="sin 13500 0"/>
+              <a:gd name="G15" fmla="+- G11 10800 0"/>
+              <a:gd name="G16" fmla="+- G12 10800 0"/>
+              <a:gd name="G17" fmla="+- G13 10800 0"/>
+              <a:gd name="G18" fmla="+- G14 10800 0"/>
+              <a:gd name="G19" fmla="*/ 5400 1 2"/>
+              <a:gd name="G20" fmla="+- G19 5400 0"/>
+              <a:gd name="G21" fmla="cos G20 0"/>
+              <a:gd name="G22" fmla="sin G20 0"/>
+              <a:gd name="G23" fmla="+- G21 10800 0"/>
+              <a:gd name="G24" fmla="+- G12 G23 G22"/>
+              <a:gd name="G25" fmla="+- G22 G23 G11"/>
+              <a:gd name="G26" fmla="cos 10800 0"/>
+              <a:gd name="G27" fmla="sin 10800 0"/>
+              <a:gd name="G28" fmla="cos 5400 0"/>
+              <a:gd name="G29" fmla="sin 5400 0"/>
+              <a:gd name="G30" fmla="+- G26 10800 0"/>
+              <a:gd name="G31" fmla="+- G27 10800 0"/>
+              <a:gd name="G32" fmla="+- G28 10800 0"/>
+              <a:gd name="G33" fmla="+- G29 10800 0"/>
+              <a:gd name="G34" fmla="+- G19 5400 0"/>
+              <a:gd name="G35" fmla="cos G34 -11796480"/>
+              <a:gd name="G36" fmla="sin G34 -11796480"/>
+              <a:gd name="G37" fmla="+/ -11796480 0 2"/>
+              <a:gd name="T2" fmla="*/ 180 256 1"/>
+              <a:gd name="T3" fmla="*/ 0 256 1"/>
+              <a:gd name="G38" fmla="+- G37 T2 T3"/>
+              <a:gd name="G39" fmla="?: G2 G37 G38"/>
+              <a:gd name="G40" fmla="cos 10800 G39"/>
+              <a:gd name="G41" fmla="sin 10800 G39"/>
+              <a:gd name="G42" fmla="cos 5400 G39"/>
+              <a:gd name="G43" fmla="sin 5400 G39"/>
+              <a:gd name="G44" fmla="+- G40 10800 0"/>
+              <a:gd name="G45" fmla="+- G41 10800 0"/>
+              <a:gd name="G46" fmla="+- G42 10800 0"/>
+              <a:gd name="G47" fmla="+- G43 10800 0"/>
+              <a:gd name="G48" fmla="+- G35 10800 0"/>
+              <a:gd name="G49" fmla="+- G36 10800 0"/>
+              <a:gd name="T4" fmla="*/ 10981 w 21600"/>
+              <a:gd name="T5" fmla="*/ 3240 h 21600"/>
+              <a:gd name="T6" fmla="*/ 0 w 21600"/>
+              <a:gd name="T7" fmla="*/ 10800 h 21600"/>
+              <a:gd name="T8" fmla="*/ 10800 w 21600"/>
+              <a:gd name="T9" fmla="*/ 21600 h 21600"/>
+              <a:gd name="T10" fmla="*/ 21600 w 21600"/>
+              <a:gd name="T11" fmla="*/ 10800 h 21600"/>
+              <a:gd name="T12" fmla="*/ 0 w 21600"/>
+              <a:gd name="T13" fmla="*/ 21600 h 21600"/>
+              <a:gd name="T14" fmla="*/ 21600 w 21600"/>
+              <a:gd name="T15" fmla="*/ 21600 h 21600"/>
+              <a:gd name="T16" fmla="*/ 9050 w 21600"/>
+              <a:gd name="T17" fmla="*/ 3086 h 21600"/>
+              <a:gd name="T18" fmla="*/ 19790 w 21600"/>
+              <a:gd name="T19" fmla="*/ 3240 h 21600"/>
+              <a:gd name="T20" fmla="*/ 9050 w 21600"/>
+              <a:gd name="T21" fmla="*/ 3086 h 21600"/>
+              <a:gd name="T22" fmla="*/ 8688 w 21600"/>
+              <a:gd name="T23" fmla="*/ 1389 h 21600"/>
+              <a:gd name="T24" fmla="*/ 1086 w 21600"/>
+              <a:gd name="T25" fmla="*/ 4628 h 21600"/>
+              <a:gd name="T26" fmla="*/ 20635 w 21600"/>
+              <a:gd name="T27" fmla="*/ 20289 h 21600"/>
+            </a:gdLst>
+            <a:ahLst/>
+            <a:cxnLst>
+              <a:cxn ang="0">
+                <a:pos x="T4" y="T5"/>
+              </a:cxn>
+              <a:cxn ang="0">
+                <a:pos x="T6" y="T7"/>
+              </a:cxn>
+              <a:cxn ang="0">
+                <a:pos x="T8" y="T9"/>
+              </a:cxn>
+              <a:cxn ang="0">
+                <a:pos x="T10" y="T11"/>
+              </a:cxn>
+              <a:cxn ang="0">
+                <a:pos x="T12" y="T13"/>
+              </a:cxn>
+              <a:cxn ang="0">
+                <a:pos x="T14" y="T15"/>
+              </a:cxn>
+              <a:cxn ang="0">
+                <a:pos x="T16" y="T17"/>
+              </a:cxn>
+              <a:cxn ang="0">
+                <a:pos x="T18" y="T19"/>
+              </a:cxn>
+              <a:cxn ang="0">
+                <a:pos x="T20" y="T21"/>
+              </a:cxn>
+              <a:cxn ang="0">
+                <a:pos x="T22" y="T23"/>
+              </a:cxn>
+            </a:cxnLst>
+            <a:rect l="T24" t="T25" r="T26" b="T27"/>
+            <a:pathLst>
+              <a:path w="21600" h="21600">
+                <a:moveTo>
+                  <a:pt x="19790" y="3240"/>
+                </a:moveTo>
+                <a:cubicBezTo>
+                  <a:pt x="10981" y="3240"/>
+                  <a:pt x="9171" y="3240"/>
+                  <a:pt x="9050" y="3086"/>
+                </a:cubicBezTo>
+                <a:cubicBezTo>
+                  <a:pt x="9050" y="2931"/>
+                  <a:pt x="8930" y="2777"/>
+                  <a:pt x="8930" y="2469"/>
+                </a:cubicBezTo>
+                <a:cubicBezTo>
+                  <a:pt x="8930" y="2160"/>
+                  <a:pt x="8809" y="1851"/>
+                  <a:pt x="8688" y="1389"/>
+                </a:cubicBezTo>
+                <a:cubicBezTo>
+                  <a:pt x="8568" y="1080"/>
+                  <a:pt x="8326" y="771"/>
+                  <a:pt x="8085" y="463"/>
+                </a:cubicBezTo>
+                <a:cubicBezTo>
+                  <a:pt x="7723" y="154"/>
+                  <a:pt x="7361" y="0"/>
+                  <a:pt x="7361" y="0"/>
+                </a:cubicBezTo>
+                <a:cubicBezTo>
+                  <a:pt x="7361" y="0"/>
+                  <a:pt x="2293" y="0"/>
+                  <a:pt x="2051" y="154"/>
+                </a:cubicBezTo>
+                <a:cubicBezTo>
+                  <a:pt x="1689" y="309"/>
+                  <a:pt x="1448" y="463"/>
+                  <a:pt x="1327" y="771"/>
+                </a:cubicBezTo>
+                <a:cubicBezTo>
+                  <a:pt x="1207" y="1080"/>
+                  <a:pt x="1086" y="1389"/>
+                  <a:pt x="965" y="1697"/>
+                </a:cubicBezTo>
+                <a:cubicBezTo>
+                  <a:pt x="845" y="2160"/>
+                  <a:pt x="724" y="2314"/>
+                  <a:pt x="724" y="2469"/>
+                </a:cubicBezTo>
+                <a:cubicBezTo>
+                  <a:pt x="603" y="2623"/>
+                  <a:pt x="603" y="2777"/>
+                  <a:pt x="483" y="2931"/>
+                </a:cubicBezTo>
+                <a:cubicBezTo>
+                  <a:pt x="483" y="3086"/>
+                  <a:pt x="362" y="3240"/>
+                  <a:pt x="241" y="3240"/>
+                </a:cubicBezTo>
+                <a:lnTo>
+                  <a:pt x="0" y="3394"/>
+                </a:lnTo>
+                <a:lnTo>
+                  <a:pt x="0" y="3703"/>
+                </a:lnTo>
+                <a:lnTo>
+                  <a:pt x="0" y="10800"/>
+                </a:lnTo>
+                <a:lnTo>
+                  <a:pt x="0" y="21600"/>
+                </a:lnTo>
+                <a:lnTo>
+                  <a:pt x="10981" y="21600"/>
+                </a:lnTo>
+                <a:lnTo>
+                  <a:pt x="21600" y="21600"/>
+                </a:lnTo>
+                <a:lnTo>
+                  <a:pt x="21600" y="10800"/>
+                </a:lnTo>
+                <a:lnTo>
+                  <a:pt x="21600" y="5246"/>
+                </a:lnTo>
+                <a:lnTo>
+                  <a:pt x="21600" y="4783"/>
+                </a:lnTo>
+                <a:cubicBezTo>
+                  <a:pt x="21479" y="4320"/>
+                  <a:pt x="21359" y="4011"/>
+                  <a:pt x="21117" y="3703"/>
+                </a:cubicBezTo>
+                <a:cubicBezTo>
+                  <a:pt x="20876" y="3549"/>
+                  <a:pt x="20514" y="3394"/>
+                  <a:pt x="20152" y="3240"/>
+                </a:cubicBezTo>
+                <a:close/>
+              </a:path>
+            </a:pathLst>
+          </a:custGeom>
+          <a:solidFill>
+            <a:srgbClr val="FFFFCC"/>
+          </a:solidFill>
+          <a:ln w="9360">
+            <a:solidFill>
+              <a:srgbClr val="000000"/>
+            </a:solidFill>
+            <a:miter lim="800000"/>
+            <a:headEnd/>
+            <a:tailEnd/>
+          </a:ln>
+          <a:effectLst>
+            <a:outerShdw dist="107933" dir="2700000" algn="ctr" rotWithShape="0">
+              <a:srgbClr val="808080"/>
+            </a:outerShdw>
+          </a:effectLst>
+        </p:spPr>
+        <p:txBody>
+          <a:bodyPr lIns="90000" tIns="46800" rIns="90000" bIns="46800"/>
+          <a:lstStyle>
+            <a:lvl1pPr>
+              <a:tabLst>
+                <a:tab pos="0" algn="l"/>
+                <a:tab pos="457200" algn="l"/>
+                <a:tab pos="914400" algn="l"/>
+                <a:tab pos="1371600" algn="l"/>
+                <a:tab pos="1828800" algn="l"/>
+                <a:tab pos="2286000" algn="l"/>
+                <a:tab pos="2743200" algn="l"/>
+                <a:tab pos="3200400" algn="l"/>
+                <a:tab pos="3657600" algn="l"/>
+                <a:tab pos="4114800" algn="l"/>
+                <a:tab pos="4572000" algn="l"/>
+                <a:tab pos="5029200" algn="l"/>
+                <a:tab pos="5486400" algn="l"/>
+                <a:tab pos="5943600" algn="l"/>
+                <a:tab pos="6400800" algn="l"/>
+                <a:tab pos="6858000" algn="l"/>
+                <a:tab pos="7315200" algn="l"/>
+                <a:tab pos="7772400" algn="l"/>
+                <a:tab pos="8229600" algn="l"/>
+                <a:tab pos="8686800" algn="l"/>
+                <a:tab pos="9144000" algn="l"/>
+              </a:tabLst>
+              <a:defRPr>
+                <a:solidFill>
+                  <a:srgbClr val="000000"/>
+                </a:solidFill>
+                <a:latin typeface="Arial" charset="0"/>
+                <a:ea typeface="Lucida Sans Unicode" pitchFamily="34" charset="0"/>
+                <a:cs typeface="Lucida Sans Unicode" pitchFamily="34" charset="0"/>
+              </a:defRPr>
+            </a:lvl1pPr>
+            <a:lvl2pPr>
+              <a:tabLst>
+                <a:tab pos="0" algn="l"/>
+                <a:tab pos="457200" algn="l"/>
+                <a:tab pos="914400" algn="l"/>
+                <a:tab pos="1371600" algn="l"/>
+                <a:tab pos="1828800" algn="l"/>
+                <a:tab pos="2286000" algn="l"/>
+                <a:tab pos="2743200" algn="l"/>
+                <a:tab pos="3200400" algn="l"/>
+                <a:tab pos="3657600" algn="l"/>
+                <a:tab pos="4114800" algn="l"/>
+                <a:tab pos="4572000" algn="l"/>
+                <a:tab pos="5029200" algn="l"/>
+                <a:tab pos="5486400" algn="l"/>
+                <a:tab pos="5943600" algn="l"/>
+                <a:tab pos="6400800" algn="l"/>
+                <a:tab pos="6858000" algn="l"/>
+                <a:tab pos="7315200" algn="l"/>
+                <a:tab pos="7772400" algn="l"/>
+                <a:tab pos="8229600" algn="l"/>
+                <a:tab pos="8686800" algn="l"/>
+                <a:tab pos="9144000" algn="l"/>
+              </a:tabLst>
+              <a:defRPr>
+                <a:solidFill>
+                  <a:srgbClr val="000000"/>
+                </a:solidFill>
+                <a:latin typeface="Arial" charset="0"/>
+                <a:ea typeface="Lucida Sans Unicode" pitchFamily="34" charset="0"/>
+                <a:cs typeface="Lucida Sans Unicode" pitchFamily="34" charset="0"/>
+              </a:defRPr>
+            </a:lvl2pPr>
+            <a:lvl3pPr>
+              <a:tabLst>
+                <a:tab pos="0" algn="l"/>
+                <a:tab pos="457200" algn="l"/>
+                <a:tab pos="914400" algn="l"/>
+                <a:tab pos="1371600" algn="l"/>
+                <a:tab pos="1828800" algn="l"/>
+                <a:tab pos="2286000" algn="l"/>
+                <a:tab pos="2743200" algn="l"/>
+                <a:tab pos="3200400" algn="l"/>
+                <a:tab pos="3657600" algn="l"/>
+                <a:tab pos="4114800" algn="l"/>
+                <a:tab pos="4572000" algn="l"/>
+                <a:tab pos="5029200" algn="l"/>
+                <a:tab pos="5486400" algn="l"/>
+                <a:tab pos="5943600" algn="l"/>
+                <a:tab pos="6400800" algn="l"/>
+                <a:tab pos="6858000" algn="l"/>
+                <a:tab pos="7315200" algn="l"/>
+                <a:tab pos="7772400" algn="l"/>
+                <a:tab pos="8229600" algn="l"/>
+                <a:tab pos="8686800" algn="l"/>
+                <a:tab pos="9144000" algn="l"/>
+              </a:tabLst>
+              <a:defRPr>
+                <a:solidFill>
+                  <a:srgbClr val="000000"/>
+                </a:solidFill>
+                <a:latin typeface="Arial" charset="0"/>
+                <a:ea typeface="Lucida Sans Unicode" pitchFamily="34" charset="0"/>
+                <a:cs typeface="Lucida Sans Unicode" pitchFamily="34" charset="0"/>
+              </a:defRPr>
+            </a:lvl3pPr>
+            <a:lvl4pPr>
+              <a:tabLst>
+                <a:tab pos="0" algn="l"/>
+                <a:tab pos="457200" algn="l"/>
+                <a:tab pos="914400" algn="l"/>
+                <a:tab pos="1371600" algn="l"/>
+                <a:tab pos="1828800" algn="l"/>
+                <a:tab pos="2286000" algn="l"/>
+                <a:tab pos="2743200" algn="l"/>
+                <a:tab pos="3200400" algn="l"/>
+                <a:tab pos="3657600" algn="l"/>
+                <a:tab pos="4114800" algn="l"/>
+                <a:tab pos="4572000" algn="l"/>
+                <a:tab pos="5029200" algn="l"/>
+                <a:tab pos="5486400" algn="l"/>
+                <a:tab pos="5943600" algn="l"/>
+                <a:tab pos="6400800" algn="l"/>
+                <a:tab pos="6858000" algn="l"/>
+                <a:tab pos="7315200" algn="l"/>
+                <a:tab pos="7772400" algn="l"/>
+                <a:tab pos="8229600" algn="l"/>
+                <a:tab pos="8686800" algn="l"/>
+                <a:tab pos="9144000" algn="l"/>
+              </a:tabLst>
+              <a:defRPr>
+                <a:solidFill>
+                  <a:srgbClr val="000000"/>
+                </a:solidFill>
+                <a:latin typeface="Arial" charset="0"/>
+                <a:ea typeface="Lucida Sans Unicode" pitchFamily="34" charset="0"/>
+                <a:cs typeface="Lucida Sans Unicode" pitchFamily="34" charset="0"/>
+              </a:defRPr>
+            </a:lvl4pPr>
+            <a:lvl5pPr>
+              <a:tabLst>
+                <a:tab pos="0" algn="l"/>
+                <a:tab pos="457200" algn="l"/>
+                <a:tab pos="914400" algn="l"/>
+                <a:tab pos="1371600" algn="l"/>
+                <a:tab pos="1828800" algn="l"/>
+                <a:tab pos="2286000" algn="l"/>
+                <a:tab pos="2743200" algn="l"/>
+                <a:tab pos="3200400" algn="l"/>
+                <a:tab pos="3657600" algn="l"/>
+                <a:tab pos="4114800" algn="l"/>
+                <a:tab pos="4572000" algn="l"/>
+                <a:tab pos="5029200" algn="l"/>
+                <a:tab pos="5486400" algn="l"/>
+                <a:tab pos="5943600" algn="l"/>
+                <a:tab pos="6400800" algn="l"/>
+                <a:tab pos="6858000" algn="l"/>
+                <a:tab pos="7315200" algn="l"/>
+                <a:tab pos="7772400" algn="l"/>
+                <a:tab pos="8229600" algn="l"/>
+                <a:tab pos="8686800" algn="l"/>
+                <a:tab pos="9144000" algn="l"/>
+              </a:tabLst>
+              <a:defRPr>
+                <a:solidFill>
+                  <a:srgbClr val="000000"/>
+                </a:solidFill>
+                <a:latin typeface="Arial" charset="0"/>
+                <a:ea typeface="Lucida Sans Unicode" pitchFamily="34" charset="0"/>
+                <a:cs typeface="Lucida Sans Unicode" pitchFamily="34" charset="0"/>
+              </a:defRPr>
+            </a:lvl5pPr>
+            <a:lvl6pPr defTabSz="457200" fontAlgn="base">
+              <a:lnSpc>
+                <a:spcPct val="81000"/>
+              </a:lnSpc>
+              <a:spcBef>
+                <a:spcPct val="0"/>
+              </a:spcBef>
+              <a:spcAft>
+                <a:spcPct val="0"/>
+              </a:spcAft>
+              <a:buClr>
+                <a:srgbClr val="000000"/>
+              </a:buClr>
+              <a:buSzPct val="100000"/>
+              <a:buFont typeface="Arial" charset="0"/>
+              <a:tabLst>
+                <a:tab pos="0" algn="l"/>
+                <a:tab pos="457200" algn="l"/>
+                <a:tab pos="914400" algn="l"/>
+                <a:tab pos="1371600" algn="l"/>
+                <a:tab pos="1828800" algn="l"/>
+                <a:tab pos="2286000" algn="l"/>
+                <a:tab pos="2743200" algn="l"/>
+                <a:tab pos="3200400" algn="l"/>
+                <a:tab pos="3657600" algn="l"/>
+                <a:tab pos="4114800" algn="l"/>
+                <a:tab pos="4572000" algn="l"/>
+                <a:tab pos="5029200" algn="l"/>
+                <a:tab pos="5486400" algn="l"/>
+                <a:tab pos="5943600" algn="l"/>
+                <a:tab pos="6400800" algn="l"/>
+                <a:tab pos="6858000" algn="l"/>
+                <a:tab pos="7315200" algn="l"/>
+                <a:tab pos="7772400" algn="l"/>
+                <a:tab pos="8229600" algn="l"/>
+                <a:tab pos="8686800" algn="l"/>
+                <a:tab pos="9144000" algn="l"/>
+              </a:tabLst>
+              <a:defRPr>
+                <a:solidFill>
+                  <a:srgbClr val="000000"/>
+                </a:solidFill>
+                <a:latin typeface="Arial" charset="0"/>
+                <a:ea typeface="Lucida Sans Unicode" pitchFamily="34" charset="0"/>
+                <a:cs typeface="Lucida Sans Unicode" pitchFamily="34" charset="0"/>
+              </a:defRPr>
+            </a:lvl6pPr>
+            <a:lvl7pPr defTabSz="457200" fontAlgn="base">
+              <a:lnSpc>
+                <a:spcPct val="81000"/>
+              </a:lnSpc>
+              <a:spcBef>
+                <a:spcPct val="0"/>
+              </a:spcBef>
+              <a:spcAft>
+                <a:spcPct val="0"/>
+              </a:spcAft>
+              <a:buClr>
+                <a:srgbClr val="000000"/>
+              </a:buClr>
+              <a:buSzPct val="100000"/>
+              <a:buFont typeface="Arial" charset="0"/>
+              <a:tabLst>
+                <a:tab pos="0" algn="l"/>
+                <a:tab pos="457200" algn="l"/>
+                <a:tab pos="914400" algn="l"/>
+                <a:tab pos="1371600" algn="l"/>
+                <a:tab pos="1828800" algn="l"/>
+                <a:tab pos="2286000" algn="l"/>
+                <a:tab pos="2743200" algn="l"/>
+                <a:tab pos="3200400" algn="l"/>
+                <a:tab pos="3657600" algn="l"/>
+                <a:tab pos="4114800" algn="l"/>
+                <a:tab pos="4572000" algn="l"/>
+                <a:tab pos="5029200" algn="l"/>
+                <a:tab pos="5486400" algn="l"/>
+                <a:tab pos="5943600" algn="l"/>
+                <a:tab pos="6400800" algn="l"/>
+                <a:tab pos="6858000" algn="l"/>
+                <a:tab pos="7315200" algn="l"/>
+                <a:tab pos="7772400" algn="l"/>
+                <a:tab pos="8229600" algn="l"/>
+                <a:tab pos="8686800" algn="l"/>
+                <a:tab pos="9144000" algn="l"/>
+              </a:tabLst>
+              <a:defRPr>
+                <a:solidFill>
+                  <a:srgbClr val="000000"/>
+                </a:solidFill>
+                <a:latin typeface="Arial" charset="0"/>
+                <a:ea typeface="Lucida Sans Unicode" pitchFamily="34" charset="0"/>
+                <a:cs typeface="Lucida Sans Unicode" pitchFamily="34" charset="0"/>
+              </a:defRPr>
+            </a:lvl7pPr>
+            <a:lvl8pPr defTabSz="457200" fontAlgn="base">
+              <a:lnSpc>
+                <a:spcPct val="81000"/>
+              </a:lnSpc>
+              <a:spcBef>
+                <a:spcPct val="0"/>
+              </a:spcBef>
+              <a:spcAft>
+                <a:spcPct val="0"/>
+              </a:spcAft>
+              <a:buClr>
+                <a:srgbClr val="000000"/>
+              </a:buClr>
+              <a:buSzPct val="100000"/>
+              <a:buFont typeface="Arial" charset="0"/>
+              <a:tabLst>
+                <a:tab pos="0" algn="l"/>
+                <a:tab pos="457200" algn="l"/>
+                <a:tab pos="914400" algn="l"/>
+                <a:tab pos="1371600" algn="l"/>
+                <a:tab pos="1828800" algn="l"/>
+                <a:tab pos="2286000" algn="l"/>
+                <a:tab pos="2743200" algn="l"/>
+                <a:tab pos="3200400" algn="l"/>
+                <a:tab pos="3657600" algn="l"/>
+                <a:tab pos="4114800" algn="l"/>
+                <a:tab pos="4572000" algn="l"/>
+                <a:tab pos="5029200" algn="l"/>
+                <a:tab pos="5486400" algn="l"/>
+                <a:tab pos="5943600" algn="l"/>
+                <a:tab pos="6400800" algn="l"/>
+                <a:tab pos="6858000" algn="l"/>
+                <a:tab pos="7315200" algn="l"/>
+                <a:tab pos="7772400" algn="l"/>
+                <a:tab pos="8229600" algn="l"/>
+                <a:tab pos="8686800" algn="l"/>
+                <a:tab pos="9144000" algn="l"/>
+              </a:tabLst>
+              <a:defRPr>
+                <a:solidFill>
+                  <a:srgbClr val="000000"/>
+                </a:solidFill>
+                <a:latin typeface="Arial" charset="0"/>
+                <a:ea typeface="Lucida Sans Unicode" pitchFamily="34" charset="0"/>
+                <a:cs typeface="Lucida Sans Unicode" pitchFamily="34" charset="0"/>
+              </a:defRPr>
+            </a:lvl8pPr>
+            <a:lvl9pPr defTabSz="457200" fontAlgn="base">
+              <a:lnSpc>
+                <a:spcPct val="81000"/>
+              </a:lnSpc>
+              <a:spcBef>
+                <a:spcPct val="0"/>
+              </a:spcBef>
+              <a:spcAft>
+                <a:spcPct val="0"/>
+              </a:spcAft>
+              <a:buClr>
+                <a:srgbClr val="000000"/>
+              </a:buClr>
+              <a:buSzPct val="100000"/>
+              <a:buFont typeface="Arial" charset="0"/>
+              <a:tabLst>
+                <a:tab pos="0" algn="l"/>
+                <a:tab pos="457200" algn="l"/>
+                <a:tab pos="914400" algn="l"/>
+                <a:tab pos="1371600" algn="l"/>
+                <a:tab pos="1828800" algn="l"/>
+                <a:tab pos="2286000" algn="l"/>
+                <a:tab pos="2743200" algn="l"/>
+                <a:tab pos="3200400" algn="l"/>
+                <a:tab pos="3657600" algn="l"/>
+                <a:tab pos="4114800" algn="l"/>
+                <a:tab pos="4572000" algn="l"/>
+                <a:tab pos="5029200" algn="l"/>
+                <a:tab pos="5486400" algn="l"/>
+                <a:tab pos="5943600" algn="l"/>
+                <a:tab pos="6400800" algn="l"/>
+                <a:tab pos="6858000" algn="l"/>
+                <a:tab pos="7315200" algn="l"/>
+                <a:tab pos="7772400" algn="l"/>
+                <a:tab pos="8229600" algn="l"/>
+                <a:tab pos="8686800" algn="l"/>
+                <a:tab pos="9144000" algn="l"/>
+              </a:tabLst>
+              <a:defRPr>
+                <a:solidFill>
+                  <a:srgbClr val="000000"/>
+                </a:solidFill>
+                <a:latin typeface="Arial" charset="0"/>
+                <a:ea typeface="Lucida Sans Unicode" pitchFamily="34" charset="0"/>
+                <a:cs typeface="Lucida Sans Unicode" pitchFamily="34" charset="0"/>
+              </a:defRPr>
+            </a:lvl9pPr>
+          </a:lstStyle>
+          <a:p>
+            <a:pPr>
+              <a:lnSpc>
+                <a:spcPct val="93000"/>
+              </a:lnSpc>
+              <a:buFont typeface="Arial" charset="0"/>
+              <a:buNone/>
+            </a:pPr>
+            <a:r>
+              <a:rPr lang="en-GB" altLang="pl-PL" dirty="0"/>
+              <a:t>container</a:t>
+            </a:r>
+          </a:p>
+        </p:txBody>
+      </p:sp>
+      <p:sp>
+        <p:nvSpPr>
+          <p:cNvPr id="10" name="AutoShape 11"/>
+          <p:cNvSpPr>
+            <a:spLocks noChangeArrowheads="1"/>
+          </p:cNvSpPr>
+          <p:nvPr/>
+        </p:nvSpPr>
+        <p:spPr bwMode="auto">
+          <a:xfrm>
+            <a:off x="1601116" y="5332479"/>
+            <a:ext cx="1295400" cy="609600"/>
+          </a:xfrm>
+          <a:custGeom>
+            <a:avLst/>
+            <a:gdLst>
+              <a:gd name="G0" fmla="+- 0 0 0"/>
+              <a:gd name="G1" fmla="+- -11796480 0 0"/>
+              <a:gd name="G2" fmla="+- 0 0 -11796480"/>
+              <a:gd name="G3" fmla="+- 10800 0 0"/>
+              <a:gd name="G4" fmla="+- 0 0 0"/>
+              <a:gd name="T0" fmla="*/ 360 256 1"/>
+              <a:gd name="T1" fmla="*/ 0 256 1"/>
+              <a:gd name="G5" fmla="+- G2 T0 T1"/>
+              <a:gd name="G6" fmla="?: G2 G2 G5"/>
+              <a:gd name="G7" fmla="+- 0 0 G6"/>
+              <a:gd name="G8" fmla="+- 5400 0 0"/>
+              <a:gd name="G9" fmla="+- 0 0 -11796480"/>
+              <a:gd name="G10" fmla="+- 5400 0 2700"/>
+              <a:gd name="G11" fmla="cos G10 0"/>
+              <a:gd name="G12" fmla="sin G10 0"/>
+              <a:gd name="G13" fmla="cos 13500 0"/>
+              <a:gd name="G14" fmla="sin 13500 0"/>
+              <a:gd name="G15" fmla="+- G11 10800 0"/>
+              <a:gd name="G16" fmla="+- G12 10800 0"/>
+              <a:gd name="G17" fmla="+- G13 10800 0"/>
+              <a:gd name="G18" fmla="+- G14 10800 0"/>
+              <a:gd name="G19" fmla="*/ 5400 1 2"/>
+              <a:gd name="G20" fmla="+- G19 5400 0"/>
+              <a:gd name="G21" fmla="cos G20 0"/>
+              <a:gd name="G22" fmla="sin G20 0"/>
+              <a:gd name="G23" fmla="+- G21 10800 0"/>
+              <a:gd name="G24" fmla="+- G12 G23 G22"/>
+              <a:gd name="G25" fmla="+- G22 G23 G11"/>
+              <a:gd name="G26" fmla="cos 10800 0"/>
+              <a:gd name="G27" fmla="sin 10800 0"/>
+              <a:gd name="G28" fmla="cos 5400 0"/>
+              <a:gd name="G29" fmla="sin 5400 0"/>
+              <a:gd name="G30" fmla="+- G26 10800 0"/>
+              <a:gd name="G31" fmla="+- G27 10800 0"/>
+              <a:gd name="G32" fmla="+- G28 10800 0"/>
+              <a:gd name="G33" fmla="+- G29 10800 0"/>
+              <a:gd name="G34" fmla="+- G19 5400 0"/>
+              <a:gd name="G35" fmla="cos G34 -11796480"/>
+              <a:gd name="G36" fmla="sin G34 -11796480"/>
+              <a:gd name="G37" fmla="+/ -11796480 0 2"/>
+              <a:gd name="T2" fmla="*/ 180 256 1"/>
+              <a:gd name="T3" fmla="*/ 0 256 1"/>
+              <a:gd name="G38" fmla="+- G37 T2 T3"/>
+              <a:gd name="G39" fmla="?: G2 G37 G38"/>
+              <a:gd name="G40" fmla="cos 10800 G39"/>
+              <a:gd name="G41" fmla="sin 10800 G39"/>
+              <a:gd name="G42" fmla="cos 5400 G39"/>
+              <a:gd name="G43" fmla="sin 5400 G39"/>
+              <a:gd name="G44" fmla="+- G40 10800 0"/>
+              <a:gd name="G45" fmla="+- G41 10800 0"/>
+              <a:gd name="G46" fmla="+- G42 10800 0"/>
+              <a:gd name="G47" fmla="+- G43 10800 0"/>
+              <a:gd name="G48" fmla="+- G35 10800 0"/>
+              <a:gd name="G49" fmla="+- G36 10800 0"/>
+              <a:gd name="T4" fmla="*/ 10981 w 21600"/>
+              <a:gd name="T5" fmla="*/ 3240 h 21600"/>
+              <a:gd name="T6" fmla="*/ 0 w 21600"/>
+              <a:gd name="T7" fmla="*/ 10800 h 21600"/>
+              <a:gd name="T8" fmla="*/ 10800 w 21600"/>
+              <a:gd name="T9" fmla="*/ 21600 h 21600"/>
+              <a:gd name="T10" fmla="*/ 21600 w 21600"/>
+              <a:gd name="T11" fmla="*/ 10800 h 21600"/>
+              <a:gd name="T12" fmla="*/ 0 w 21600"/>
+              <a:gd name="T13" fmla="*/ 21600 h 21600"/>
+              <a:gd name="T14" fmla="*/ 21600 w 21600"/>
+              <a:gd name="T15" fmla="*/ 21600 h 21600"/>
+              <a:gd name="T16" fmla="*/ 9050 w 21600"/>
+              <a:gd name="T17" fmla="*/ 3086 h 21600"/>
+              <a:gd name="T18" fmla="*/ 19790 w 21600"/>
+              <a:gd name="T19" fmla="*/ 3240 h 21600"/>
+              <a:gd name="T20" fmla="*/ 9050 w 21600"/>
+              <a:gd name="T21" fmla="*/ 3086 h 21600"/>
+              <a:gd name="T22" fmla="*/ 8688 w 21600"/>
+              <a:gd name="T23" fmla="*/ 1389 h 21600"/>
+              <a:gd name="T24" fmla="*/ 1086 w 21600"/>
+              <a:gd name="T25" fmla="*/ 4628 h 21600"/>
+              <a:gd name="T26" fmla="*/ 20635 w 21600"/>
+              <a:gd name="T27" fmla="*/ 20289 h 21600"/>
+            </a:gdLst>
+            <a:ahLst/>
+            <a:cxnLst>
+              <a:cxn ang="0">
+                <a:pos x="T4" y="T5"/>
+              </a:cxn>
+              <a:cxn ang="0">
+                <a:pos x="T6" y="T7"/>
+              </a:cxn>
+              <a:cxn ang="0">
+                <a:pos x="T8" y="T9"/>
+              </a:cxn>
+              <a:cxn ang="0">
+                <a:pos x="T10" y="T11"/>
+              </a:cxn>
+              <a:cxn ang="0">
+                <a:pos x="T12" y="T13"/>
+              </a:cxn>
+              <a:cxn ang="0">
+                <a:pos x="T14" y="T15"/>
+              </a:cxn>
+              <a:cxn ang="0">
+                <a:pos x="T16" y="T17"/>
+              </a:cxn>
+              <a:cxn ang="0">
+                <a:pos x="T18" y="T19"/>
+              </a:cxn>
+              <a:cxn ang="0">
+                <a:pos x="T20" y="T21"/>
+              </a:cxn>
+              <a:cxn ang="0">
+                <a:pos x="T22" y="T23"/>
+              </a:cxn>
+            </a:cxnLst>
+            <a:rect l="T24" t="T25" r="T26" b="T27"/>
+            <a:pathLst>
+              <a:path w="21600" h="21600">
+                <a:moveTo>
+                  <a:pt x="19790" y="3240"/>
+                </a:moveTo>
+                <a:cubicBezTo>
+                  <a:pt x="10981" y="3240"/>
+                  <a:pt x="9171" y="3240"/>
+                  <a:pt x="9050" y="3086"/>
+                </a:cubicBezTo>
+                <a:cubicBezTo>
+                  <a:pt x="9050" y="2931"/>
+                  <a:pt x="8930" y="2777"/>
+                  <a:pt x="8930" y="2469"/>
+                </a:cubicBezTo>
+                <a:cubicBezTo>
+                  <a:pt x="8930" y="2160"/>
+                  <a:pt x="8809" y="1851"/>
+                  <a:pt x="8688" y="1389"/>
+                </a:cubicBezTo>
+                <a:cubicBezTo>
+                  <a:pt x="8568" y="1080"/>
+                  <a:pt x="8326" y="771"/>
+                  <a:pt x="8085" y="463"/>
+                </a:cubicBezTo>
+                <a:cubicBezTo>
+                  <a:pt x="7723" y="154"/>
+                  <a:pt x="7361" y="0"/>
+                  <a:pt x="7361" y="0"/>
+                </a:cubicBezTo>
+                <a:cubicBezTo>
+                  <a:pt x="7361" y="0"/>
+                  <a:pt x="2293" y="0"/>
+                  <a:pt x="2051" y="154"/>
+                </a:cubicBezTo>
+                <a:cubicBezTo>
+                  <a:pt x="1689" y="309"/>
+                  <a:pt x="1448" y="463"/>
+                  <a:pt x="1327" y="771"/>
+                </a:cubicBezTo>
+                <a:cubicBezTo>
+                  <a:pt x="1207" y="1080"/>
+                  <a:pt x="1086" y="1389"/>
+                  <a:pt x="965" y="1697"/>
+                </a:cubicBezTo>
+                <a:cubicBezTo>
+                  <a:pt x="845" y="2160"/>
+                  <a:pt x="724" y="2314"/>
+                  <a:pt x="724" y="2469"/>
+                </a:cubicBezTo>
+                <a:cubicBezTo>
+                  <a:pt x="603" y="2623"/>
+                  <a:pt x="603" y="2777"/>
+                  <a:pt x="483" y="2931"/>
+                </a:cubicBezTo>
+                <a:cubicBezTo>
+                  <a:pt x="483" y="3086"/>
+                  <a:pt x="362" y="3240"/>
+                  <a:pt x="241" y="3240"/>
+                </a:cubicBezTo>
+                <a:lnTo>
+                  <a:pt x="0" y="3394"/>
+                </a:lnTo>
+                <a:lnTo>
+                  <a:pt x="0" y="3703"/>
+                </a:lnTo>
+                <a:lnTo>
+                  <a:pt x="0" y="10800"/>
+                </a:lnTo>
+                <a:lnTo>
+                  <a:pt x="0" y="21600"/>
+                </a:lnTo>
+                <a:lnTo>
+                  <a:pt x="10981" y="21600"/>
+                </a:lnTo>
+                <a:lnTo>
+                  <a:pt x="21600" y="21600"/>
+                </a:lnTo>
+                <a:lnTo>
+                  <a:pt x="21600" y="10800"/>
+                </a:lnTo>
+                <a:lnTo>
+                  <a:pt x="21600" y="5246"/>
+                </a:lnTo>
+                <a:lnTo>
+                  <a:pt x="21600" y="4783"/>
+                </a:lnTo>
+                <a:cubicBezTo>
+                  <a:pt x="21479" y="4320"/>
+                  <a:pt x="21359" y="4011"/>
+                  <a:pt x="21117" y="3703"/>
+                </a:cubicBezTo>
+                <a:cubicBezTo>
+                  <a:pt x="20876" y="3549"/>
+                  <a:pt x="20514" y="3394"/>
+                  <a:pt x="20152" y="3240"/>
+                </a:cubicBezTo>
+                <a:close/>
+              </a:path>
+            </a:pathLst>
+          </a:custGeom>
+          <a:solidFill>
+            <a:srgbClr val="FFFFCC"/>
+          </a:solidFill>
+          <a:ln w="9360">
+            <a:solidFill>
+              <a:srgbClr val="000000"/>
+            </a:solidFill>
+            <a:miter lim="800000"/>
+            <a:headEnd/>
+            <a:tailEnd/>
+          </a:ln>
+          <a:effectLst>
+            <a:outerShdw dist="107933" dir="2700000" algn="ctr" rotWithShape="0">
+              <a:srgbClr val="808080"/>
+            </a:outerShdw>
+          </a:effectLst>
+        </p:spPr>
+        <p:txBody>
+          <a:bodyPr lIns="90000" tIns="46800" rIns="90000" bIns="46800"/>
+          <a:lstStyle>
+            <a:lvl1pPr>
+              <a:tabLst>
+                <a:tab pos="0" algn="l"/>
+                <a:tab pos="457200" algn="l"/>
+                <a:tab pos="914400" algn="l"/>
+                <a:tab pos="1371600" algn="l"/>
+                <a:tab pos="1828800" algn="l"/>
+                <a:tab pos="2286000" algn="l"/>
+                <a:tab pos="2743200" algn="l"/>
+                <a:tab pos="3200400" algn="l"/>
+                <a:tab pos="3657600" algn="l"/>
+                <a:tab pos="4114800" algn="l"/>
+                <a:tab pos="4572000" algn="l"/>
+                <a:tab pos="5029200" algn="l"/>
+                <a:tab pos="5486400" algn="l"/>
+                <a:tab pos="5943600" algn="l"/>
+                <a:tab pos="6400800" algn="l"/>
+                <a:tab pos="6858000" algn="l"/>
+                <a:tab pos="7315200" algn="l"/>
+                <a:tab pos="7772400" algn="l"/>
+                <a:tab pos="8229600" algn="l"/>
+                <a:tab pos="8686800" algn="l"/>
+                <a:tab pos="9144000" algn="l"/>
+              </a:tabLst>
+              <a:defRPr>
+                <a:solidFill>
+                  <a:srgbClr val="000000"/>
+                </a:solidFill>
+                <a:latin typeface="Arial" charset="0"/>
+                <a:ea typeface="Lucida Sans Unicode" pitchFamily="34" charset="0"/>
+                <a:cs typeface="Lucida Sans Unicode" pitchFamily="34" charset="0"/>
+              </a:defRPr>
+            </a:lvl1pPr>
+            <a:lvl2pPr>
+              <a:tabLst>
+                <a:tab pos="0" algn="l"/>
+                <a:tab pos="457200" algn="l"/>
+                <a:tab pos="914400" algn="l"/>
+                <a:tab pos="1371600" algn="l"/>
+                <a:tab pos="1828800" algn="l"/>
+                <a:tab pos="2286000" algn="l"/>
+                <a:tab pos="2743200" algn="l"/>
+                <a:tab pos="3200400" algn="l"/>
+                <a:tab pos="3657600" algn="l"/>
+                <a:tab pos="4114800" algn="l"/>
+                <a:tab pos="4572000" algn="l"/>
+                <a:tab pos="5029200" algn="l"/>
+                <a:tab pos="5486400" algn="l"/>
+                <a:tab pos="5943600" algn="l"/>
+                <a:tab pos="6400800" algn="l"/>
+                <a:tab pos="6858000" algn="l"/>
+                <a:tab pos="7315200" algn="l"/>
+                <a:tab pos="7772400" algn="l"/>
+                <a:tab pos="8229600" algn="l"/>
+                <a:tab pos="8686800" algn="l"/>
+                <a:tab pos="9144000" algn="l"/>
+              </a:tabLst>
+              <a:defRPr>
+                <a:solidFill>
+                  <a:srgbClr val="000000"/>
+                </a:solidFill>
+                <a:latin typeface="Arial" charset="0"/>
+                <a:ea typeface="Lucida Sans Unicode" pitchFamily="34" charset="0"/>
+                <a:cs typeface="Lucida Sans Unicode" pitchFamily="34" charset="0"/>
+              </a:defRPr>
+            </a:lvl2pPr>
+            <a:lvl3pPr>
+              <a:tabLst>
+                <a:tab pos="0" algn="l"/>
+                <a:tab pos="457200" algn="l"/>
+                <a:tab pos="914400" algn="l"/>
+                <a:tab pos="1371600" algn="l"/>
+                <a:tab pos="1828800" algn="l"/>
+                <a:tab pos="2286000" algn="l"/>
+                <a:tab pos="2743200" algn="l"/>
+                <a:tab pos="3200400" algn="l"/>
+                <a:tab pos="3657600" algn="l"/>
+                <a:tab pos="4114800" algn="l"/>
+                <a:tab pos="4572000" algn="l"/>
+                <a:tab pos="5029200" algn="l"/>
+                <a:tab pos="5486400" algn="l"/>
+                <a:tab pos="5943600" algn="l"/>
+                <a:tab pos="6400800" algn="l"/>
+                <a:tab pos="6858000" algn="l"/>
+                <a:tab pos="7315200" algn="l"/>
+                <a:tab pos="7772400" algn="l"/>
+                <a:tab pos="8229600" algn="l"/>
+                <a:tab pos="8686800" algn="l"/>
+                <a:tab pos="9144000" algn="l"/>
+              </a:tabLst>
+              <a:defRPr>
+                <a:solidFill>
+                  <a:srgbClr val="000000"/>
+                </a:solidFill>
+                <a:latin typeface="Arial" charset="0"/>
+                <a:ea typeface="Lucida Sans Unicode" pitchFamily="34" charset="0"/>
+                <a:cs typeface="Lucida Sans Unicode" pitchFamily="34" charset="0"/>
+              </a:defRPr>
+            </a:lvl3pPr>
+            <a:lvl4pPr>
+              <a:tabLst>
+                <a:tab pos="0" algn="l"/>
+                <a:tab pos="457200" algn="l"/>
+                <a:tab pos="914400" algn="l"/>
+                <a:tab pos="1371600" algn="l"/>
+                <a:tab pos="1828800" algn="l"/>
+                <a:tab pos="2286000" algn="l"/>
+                <a:tab pos="2743200" algn="l"/>
+                <a:tab pos="3200400" algn="l"/>
+                <a:tab pos="3657600" algn="l"/>
+                <a:tab pos="4114800" algn="l"/>
+                <a:tab pos="4572000" algn="l"/>
+                <a:tab pos="5029200" algn="l"/>
+                <a:tab pos="5486400" algn="l"/>
+                <a:tab pos="5943600" algn="l"/>
+                <a:tab pos="6400800" algn="l"/>
+                <a:tab pos="6858000" algn="l"/>
+                <a:tab pos="7315200" algn="l"/>
+                <a:tab pos="7772400" algn="l"/>
+                <a:tab pos="8229600" algn="l"/>
+                <a:tab pos="8686800" algn="l"/>
+                <a:tab pos="9144000" algn="l"/>
+              </a:tabLst>
+              <a:defRPr>
+                <a:solidFill>
+                  <a:srgbClr val="000000"/>
+                </a:solidFill>
+                <a:latin typeface="Arial" charset="0"/>
+                <a:ea typeface="Lucida Sans Unicode" pitchFamily="34" charset="0"/>
+                <a:cs typeface="Lucida Sans Unicode" pitchFamily="34" charset="0"/>
+              </a:defRPr>
+            </a:lvl4pPr>
+            <a:lvl5pPr>
+              <a:tabLst>
+                <a:tab pos="0" algn="l"/>
+                <a:tab pos="457200" algn="l"/>
+                <a:tab pos="914400" algn="l"/>
+                <a:tab pos="1371600" algn="l"/>
+                <a:tab pos="1828800" algn="l"/>
+                <a:tab pos="2286000" algn="l"/>
+                <a:tab pos="2743200" algn="l"/>
+                <a:tab pos="3200400" algn="l"/>
+                <a:tab pos="3657600" algn="l"/>
+                <a:tab pos="4114800" algn="l"/>
+                <a:tab pos="4572000" algn="l"/>
+                <a:tab pos="5029200" algn="l"/>
+                <a:tab pos="5486400" algn="l"/>
+                <a:tab pos="5943600" algn="l"/>
+                <a:tab pos="6400800" algn="l"/>
+                <a:tab pos="6858000" algn="l"/>
+                <a:tab pos="7315200" algn="l"/>
+                <a:tab pos="7772400" algn="l"/>
+                <a:tab pos="8229600" algn="l"/>
+                <a:tab pos="8686800" algn="l"/>
+                <a:tab pos="9144000" algn="l"/>
+              </a:tabLst>
+              <a:defRPr>
+                <a:solidFill>
+                  <a:srgbClr val="000000"/>
+                </a:solidFill>
+                <a:latin typeface="Arial" charset="0"/>
+                <a:ea typeface="Lucida Sans Unicode" pitchFamily="34" charset="0"/>
+                <a:cs typeface="Lucida Sans Unicode" pitchFamily="34" charset="0"/>
+              </a:defRPr>
+            </a:lvl5pPr>
+            <a:lvl6pPr defTabSz="457200" fontAlgn="base">
+              <a:lnSpc>
+                <a:spcPct val="81000"/>
+              </a:lnSpc>
+              <a:spcBef>
+                <a:spcPct val="0"/>
+              </a:spcBef>
+              <a:spcAft>
+                <a:spcPct val="0"/>
+              </a:spcAft>
+              <a:buClr>
+                <a:srgbClr val="000000"/>
+              </a:buClr>
+              <a:buSzPct val="100000"/>
+              <a:buFont typeface="Arial" charset="0"/>
+              <a:tabLst>
+                <a:tab pos="0" algn="l"/>
+                <a:tab pos="457200" algn="l"/>
+                <a:tab pos="914400" algn="l"/>
+                <a:tab pos="1371600" algn="l"/>
+                <a:tab pos="1828800" algn="l"/>
+                <a:tab pos="2286000" algn="l"/>
+                <a:tab pos="2743200" algn="l"/>
+                <a:tab pos="3200400" algn="l"/>
+                <a:tab pos="3657600" algn="l"/>
+                <a:tab pos="4114800" algn="l"/>
+                <a:tab pos="4572000" algn="l"/>
+                <a:tab pos="5029200" algn="l"/>
+                <a:tab pos="5486400" algn="l"/>
+                <a:tab pos="5943600" algn="l"/>
+                <a:tab pos="6400800" algn="l"/>
+                <a:tab pos="6858000" algn="l"/>
+                <a:tab pos="7315200" algn="l"/>
+                <a:tab pos="7772400" algn="l"/>
+                <a:tab pos="8229600" algn="l"/>
+                <a:tab pos="8686800" algn="l"/>
+                <a:tab pos="9144000" algn="l"/>
+              </a:tabLst>
+              <a:defRPr>
+                <a:solidFill>
+                  <a:srgbClr val="000000"/>
+                </a:solidFill>
+                <a:latin typeface="Arial" charset="0"/>
+                <a:ea typeface="Lucida Sans Unicode" pitchFamily="34" charset="0"/>
+                <a:cs typeface="Lucida Sans Unicode" pitchFamily="34" charset="0"/>
+              </a:defRPr>
+            </a:lvl6pPr>
+            <a:lvl7pPr defTabSz="457200" fontAlgn="base">
+              <a:lnSpc>
+                <a:spcPct val="81000"/>
+              </a:lnSpc>
+              <a:spcBef>
+                <a:spcPct val="0"/>
+              </a:spcBef>
+              <a:spcAft>
+                <a:spcPct val="0"/>
+              </a:spcAft>
+              <a:buClr>
+                <a:srgbClr val="000000"/>
+              </a:buClr>
+              <a:buSzPct val="100000"/>
+              <a:buFont typeface="Arial" charset="0"/>
+              <a:tabLst>
+                <a:tab pos="0" algn="l"/>
+                <a:tab pos="457200" algn="l"/>
+                <a:tab pos="914400" algn="l"/>
+                <a:tab pos="1371600" algn="l"/>
+                <a:tab pos="1828800" algn="l"/>
+                <a:tab pos="2286000" algn="l"/>
+                <a:tab pos="2743200" algn="l"/>
+                <a:tab pos="3200400" algn="l"/>
+                <a:tab pos="3657600" algn="l"/>
+                <a:tab pos="4114800" algn="l"/>
+                <a:tab pos="4572000" algn="l"/>
+                <a:tab pos="5029200" algn="l"/>
+                <a:tab pos="5486400" algn="l"/>
+                <a:tab pos="5943600" algn="l"/>
+                <a:tab pos="6400800" algn="l"/>
+                <a:tab pos="6858000" algn="l"/>
+                <a:tab pos="7315200" algn="l"/>
+                <a:tab pos="7772400" algn="l"/>
+                <a:tab pos="8229600" algn="l"/>
+                <a:tab pos="8686800" algn="l"/>
+                <a:tab pos="9144000" algn="l"/>
+              </a:tabLst>
+              <a:defRPr>
+                <a:solidFill>
+                  <a:srgbClr val="000000"/>
+                </a:solidFill>
+                <a:latin typeface="Arial" charset="0"/>
+                <a:ea typeface="Lucida Sans Unicode" pitchFamily="34" charset="0"/>
+                <a:cs typeface="Lucida Sans Unicode" pitchFamily="34" charset="0"/>
+              </a:defRPr>
+            </a:lvl7pPr>
+            <a:lvl8pPr defTabSz="457200" fontAlgn="base">
+              <a:lnSpc>
+                <a:spcPct val="81000"/>
+              </a:lnSpc>
+              <a:spcBef>
+                <a:spcPct val="0"/>
+              </a:spcBef>
+              <a:spcAft>
+                <a:spcPct val="0"/>
+              </a:spcAft>
+              <a:buClr>
+                <a:srgbClr val="000000"/>
+              </a:buClr>
+              <a:buSzPct val="100000"/>
+              <a:buFont typeface="Arial" charset="0"/>
+              <a:tabLst>
+                <a:tab pos="0" algn="l"/>
+                <a:tab pos="457200" algn="l"/>
+                <a:tab pos="914400" algn="l"/>
+                <a:tab pos="1371600" algn="l"/>
+                <a:tab pos="1828800" algn="l"/>
+                <a:tab pos="2286000" algn="l"/>
+                <a:tab pos="2743200" algn="l"/>
+                <a:tab pos="3200400" algn="l"/>
+                <a:tab pos="3657600" algn="l"/>
+                <a:tab pos="4114800" algn="l"/>
+                <a:tab pos="4572000" algn="l"/>
+                <a:tab pos="5029200" algn="l"/>
+                <a:tab pos="5486400" algn="l"/>
+                <a:tab pos="5943600" algn="l"/>
+                <a:tab pos="6400800" algn="l"/>
+                <a:tab pos="6858000" algn="l"/>
+                <a:tab pos="7315200" algn="l"/>
+                <a:tab pos="7772400" algn="l"/>
+                <a:tab pos="8229600" algn="l"/>
+                <a:tab pos="8686800" algn="l"/>
+                <a:tab pos="9144000" algn="l"/>
+              </a:tabLst>
+              <a:defRPr>
+                <a:solidFill>
+                  <a:srgbClr val="000000"/>
+                </a:solidFill>
+                <a:latin typeface="Arial" charset="0"/>
+                <a:ea typeface="Lucida Sans Unicode" pitchFamily="34" charset="0"/>
+                <a:cs typeface="Lucida Sans Unicode" pitchFamily="34" charset="0"/>
+              </a:defRPr>
+            </a:lvl8pPr>
+            <a:lvl9pPr defTabSz="457200" fontAlgn="base">
+              <a:lnSpc>
+                <a:spcPct val="81000"/>
+              </a:lnSpc>
+              <a:spcBef>
+                <a:spcPct val="0"/>
+              </a:spcBef>
+              <a:spcAft>
+                <a:spcPct val="0"/>
+              </a:spcAft>
+              <a:buClr>
+                <a:srgbClr val="000000"/>
+              </a:buClr>
+              <a:buSzPct val="100000"/>
+              <a:buFont typeface="Arial" charset="0"/>
+              <a:tabLst>
+                <a:tab pos="0" algn="l"/>
+                <a:tab pos="457200" algn="l"/>
+                <a:tab pos="914400" algn="l"/>
+                <a:tab pos="1371600" algn="l"/>
+                <a:tab pos="1828800" algn="l"/>
+                <a:tab pos="2286000" algn="l"/>
+                <a:tab pos="2743200" algn="l"/>
+                <a:tab pos="3200400" algn="l"/>
+                <a:tab pos="3657600" algn="l"/>
+                <a:tab pos="4114800" algn="l"/>
+                <a:tab pos="4572000" algn="l"/>
+                <a:tab pos="5029200" algn="l"/>
+                <a:tab pos="5486400" algn="l"/>
+                <a:tab pos="5943600" algn="l"/>
+                <a:tab pos="6400800" algn="l"/>
+                <a:tab pos="6858000" algn="l"/>
+                <a:tab pos="7315200" algn="l"/>
+                <a:tab pos="7772400" algn="l"/>
+                <a:tab pos="8229600" algn="l"/>
+                <a:tab pos="8686800" algn="l"/>
+                <a:tab pos="9144000" algn="l"/>
+              </a:tabLst>
+              <a:defRPr>
+                <a:solidFill>
+                  <a:srgbClr val="000000"/>
+                </a:solidFill>
+                <a:latin typeface="Arial" charset="0"/>
+                <a:ea typeface="Lucida Sans Unicode" pitchFamily="34" charset="0"/>
+                <a:cs typeface="Lucida Sans Unicode" pitchFamily="34" charset="0"/>
+              </a:defRPr>
+            </a:lvl9pPr>
+          </a:lstStyle>
+          <a:p>
+            <a:pPr>
+              <a:lnSpc>
+                <a:spcPct val="93000"/>
+              </a:lnSpc>
+              <a:buFont typeface="Arial" charset="0"/>
+              <a:buNone/>
+            </a:pPr>
+            <a:r>
+              <a:rPr lang="en-GB" altLang="pl-PL"/>
+              <a:t>space</a:t>
+            </a:r>
+          </a:p>
+        </p:txBody>
+      </p:sp>
+      <p:sp>
+        <p:nvSpPr>
+          <p:cNvPr id="11" name="AutoShape 15"/>
+          <p:cNvSpPr>
+            <a:spLocks noChangeArrowheads="1"/>
+          </p:cNvSpPr>
+          <p:nvPr/>
+        </p:nvSpPr>
+        <p:spPr bwMode="auto">
+          <a:xfrm>
+            <a:off x="1601116" y="6143016"/>
+            <a:ext cx="1295400" cy="609600"/>
+          </a:xfrm>
+          <a:custGeom>
+            <a:avLst/>
+            <a:gdLst>
+              <a:gd name="G0" fmla="+- 0 0 0"/>
+              <a:gd name="G1" fmla="+- -11796480 0 0"/>
+              <a:gd name="G2" fmla="+- 0 0 -11796480"/>
+              <a:gd name="G3" fmla="+- 10800 0 0"/>
+              <a:gd name="G4" fmla="+- 0 0 0"/>
+              <a:gd name="T0" fmla="*/ 360 256 1"/>
+              <a:gd name="T1" fmla="*/ 0 256 1"/>
+              <a:gd name="G5" fmla="+- G2 T0 T1"/>
+              <a:gd name="G6" fmla="?: G2 G2 G5"/>
+              <a:gd name="G7" fmla="+- 0 0 G6"/>
+              <a:gd name="G8" fmla="+- 5400 0 0"/>
+              <a:gd name="G9" fmla="+- 0 0 -11796480"/>
+              <a:gd name="G10" fmla="+- 5400 0 2700"/>
+              <a:gd name="G11" fmla="cos G10 0"/>
+              <a:gd name="G12" fmla="sin G10 0"/>
+              <a:gd name="G13" fmla="cos 13500 0"/>
+              <a:gd name="G14" fmla="sin 13500 0"/>
+              <a:gd name="G15" fmla="+- G11 10800 0"/>
+              <a:gd name="G16" fmla="+- G12 10800 0"/>
+              <a:gd name="G17" fmla="+- G13 10800 0"/>
+              <a:gd name="G18" fmla="+- G14 10800 0"/>
+              <a:gd name="G19" fmla="*/ 5400 1 2"/>
+              <a:gd name="G20" fmla="+- G19 5400 0"/>
+              <a:gd name="G21" fmla="cos G20 0"/>
+              <a:gd name="G22" fmla="sin G20 0"/>
+              <a:gd name="G23" fmla="+- G21 10800 0"/>
+              <a:gd name="G24" fmla="+- G12 G23 G22"/>
+              <a:gd name="G25" fmla="+- G22 G23 G11"/>
+              <a:gd name="G26" fmla="cos 10800 0"/>
+              <a:gd name="G27" fmla="sin 10800 0"/>
+              <a:gd name="G28" fmla="cos 5400 0"/>
+              <a:gd name="G29" fmla="sin 5400 0"/>
+              <a:gd name="G30" fmla="+- G26 10800 0"/>
+              <a:gd name="G31" fmla="+- G27 10800 0"/>
+              <a:gd name="G32" fmla="+- G28 10800 0"/>
+              <a:gd name="G33" fmla="+- G29 10800 0"/>
+              <a:gd name="G34" fmla="+- G19 5400 0"/>
+              <a:gd name="G35" fmla="cos G34 -11796480"/>
+              <a:gd name="G36" fmla="sin G34 -11796480"/>
+              <a:gd name="G37" fmla="+/ -11796480 0 2"/>
+              <a:gd name="T2" fmla="*/ 180 256 1"/>
+              <a:gd name="T3" fmla="*/ 0 256 1"/>
+              <a:gd name="G38" fmla="+- G37 T2 T3"/>
+              <a:gd name="G39" fmla="?: G2 G37 G38"/>
+              <a:gd name="G40" fmla="cos 10800 G39"/>
+              <a:gd name="G41" fmla="sin 10800 G39"/>
+              <a:gd name="G42" fmla="cos 5400 G39"/>
+              <a:gd name="G43" fmla="sin 5400 G39"/>
+              <a:gd name="G44" fmla="+- G40 10800 0"/>
+              <a:gd name="G45" fmla="+- G41 10800 0"/>
+              <a:gd name="G46" fmla="+- G42 10800 0"/>
+              <a:gd name="G47" fmla="+- G43 10800 0"/>
+              <a:gd name="G48" fmla="+- G35 10800 0"/>
+              <a:gd name="G49" fmla="+- G36 10800 0"/>
+              <a:gd name="T4" fmla="*/ 10981 w 21600"/>
+              <a:gd name="T5" fmla="*/ 3240 h 21600"/>
+              <a:gd name="T6" fmla="*/ 0 w 21600"/>
+              <a:gd name="T7" fmla="*/ 10800 h 21600"/>
+              <a:gd name="T8" fmla="*/ 10800 w 21600"/>
+              <a:gd name="T9" fmla="*/ 21600 h 21600"/>
+              <a:gd name="T10" fmla="*/ 21600 w 21600"/>
+              <a:gd name="T11" fmla="*/ 10800 h 21600"/>
+              <a:gd name="T12" fmla="*/ 0 w 21600"/>
+              <a:gd name="T13" fmla="*/ 21600 h 21600"/>
+              <a:gd name="T14" fmla="*/ 21600 w 21600"/>
+              <a:gd name="T15" fmla="*/ 21600 h 21600"/>
+              <a:gd name="T16" fmla="*/ 9050 w 21600"/>
+              <a:gd name="T17" fmla="*/ 3086 h 21600"/>
+              <a:gd name="T18" fmla="*/ 19790 w 21600"/>
+              <a:gd name="T19" fmla="*/ 3240 h 21600"/>
+              <a:gd name="T20" fmla="*/ 9050 w 21600"/>
+              <a:gd name="T21" fmla="*/ 3086 h 21600"/>
+              <a:gd name="T22" fmla="*/ 8688 w 21600"/>
+              <a:gd name="T23" fmla="*/ 1389 h 21600"/>
+              <a:gd name="T24" fmla="*/ 1086 w 21600"/>
+              <a:gd name="T25" fmla="*/ 4628 h 21600"/>
+              <a:gd name="T26" fmla="*/ 20635 w 21600"/>
+              <a:gd name="T27" fmla="*/ 20289 h 21600"/>
+            </a:gdLst>
+            <a:ahLst/>
+            <a:cxnLst>
+              <a:cxn ang="0">
+                <a:pos x="T4" y="T5"/>
+              </a:cxn>
+              <a:cxn ang="0">
+                <a:pos x="T6" y="T7"/>
+              </a:cxn>
+              <a:cxn ang="0">
+                <a:pos x="T8" y="T9"/>
+              </a:cxn>
+              <a:cxn ang="0">
+                <a:pos x="T10" y="T11"/>
+              </a:cxn>
+              <a:cxn ang="0">
+                <a:pos x="T12" y="T13"/>
+              </a:cxn>
+              <a:cxn ang="0">
+                <a:pos x="T14" y="T15"/>
+              </a:cxn>
+              <a:cxn ang="0">
+                <a:pos x="T16" y="T17"/>
+              </a:cxn>
+              <a:cxn ang="0">
+                <a:pos x="T18" y="T19"/>
+              </a:cxn>
+              <a:cxn ang="0">
+                <a:pos x="T20" y="T21"/>
+              </a:cxn>
+              <a:cxn ang="0">
+                <a:pos x="T22" y="T23"/>
+              </a:cxn>
+            </a:cxnLst>
+            <a:rect l="T24" t="T25" r="T26" b="T27"/>
+            <a:pathLst>
+              <a:path w="21600" h="21600">
+                <a:moveTo>
+                  <a:pt x="19790" y="3240"/>
+                </a:moveTo>
+                <a:cubicBezTo>
+                  <a:pt x="10981" y="3240"/>
+                  <a:pt x="9171" y="3240"/>
+                  <a:pt x="9050" y="3086"/>
+                </a:cubicBezTo>
+                <a:cubicBezTo>
+                  <a:pt x="9050" y="2931"/>
+                  <a:pt x="8930" y="2777"/>
+                  <a:pt x="8930" y="2469"/>
+                </a:cubicBezTo>
+                <a:cubicBezTo>
+                  <a:pt x="8930" y="2160"/>
+                  <a:pt x="8809" y="1851"/>
+                  <a:pt x="8688" y="1389"/>
+                </a:cubicBezTo>
+                <a:cubicBezTo>
+                  <a:pt x="8568" y="1080"/>
+                  <a:pt x="8326" y="771"/>
+                  <a:pt x="8085" y="463"/>
+                </a:cubicBezTo>
+                <a:cubicBezTo>
+                  <a:pt x="7723" y="154"/>
+                  <a:pt x="7361" y="0"/>
+                  <a:pt x="7361" y="0"/>
+                </a:cubicBezTo>
+                <a:cubicBezTo>
+                  <a:pt x="7361" y="0"/>
+                  <a:pt x="2293" y="0"/>
+                  <a:pt x="2051" y="154"/>
+                </a:cubicBezTo>
+                <a:cubicBezTo>
+                  <a:pt x="1689" y="309"/>
+                  <a:pt x="1448" y="463"/>
+                  <a:pt x="1327" y="771"/>
+                </a:cubicBezTo>
+                <a:cubicBezTo>
+                  <a:pt x="1207" y="1080"/>
+                  <a:pt x="1086" y="1389"/>
+                  <a:pt x="965" y="1697"/>
+                </a:cubicBezTo>
+                <a:cubicBezTo>
+                  <a:pt x="845" y="2160"/>
+                  <a:pt x="724" y="2314"/>
+                  <a:pt x="724" y="2469"/>
+                </a:cubicBezTo>
+                <a:cubicBezTo>
+                  <a:pt x="603" y="2623"/>
+                  <a:pt x="603" y="2777"/>
+                  <a:pt x="483" y="2931"/>
+                </a:cubicBezTo>
+                <a:cubicBezTo>
+                  <a:pt x="483" y="3086"/>
+                  <a:pt x="362" y="3240"/>
+                  <a:pt x="241" y="3240"/>
+                </a:cubicBezTo>
+                <a:lnTo>
+                  <a:pt x="0" y="3394"/>
+                </a:lnTo>
+                <a:lnTo>
+                  <a:pt x="0" y="3703"/>
+                </a:lnTo>
+                <a:lnTo>
+                  <a:pt x="0" y="10800"/>
+                </a:lnTo>
+                <a:lnTo>
+                  <a:pt x="0" y="21600"/>
+                </a:lnTo>
+                <a:lnTo>
+                  <a:pt x="10981" y="21600"/>
+                </a:lnTo>
+                <a:lnTo>
+                  <a:pt x="21600" y="21600"/>
+                </a:lnTo>
+                <a:lnTo>
+                  <a:pt x="21600" y="10800"/>
+                </a:lnTo>
+                <a:lnTo>
+                  <a:pt x="21600" y="5246"/>
+                </a:lnTo>
+                <a:lnTo>
+                  <a:pt x="21600" y="4783"/>
+                </a:lnTo>
+                <a:cubicBezTo>
+                  <a:pt x="21479" y="4320"/>
+                  <a:pt x="21359" y="4011"/>
+                  <a:pt x="21117" y="3703"/>
+                </a:cubicBezTo>
+                <a:cubicBezTo>
+                  <a:pt x="20876" y="3549"/>
+                  <a:pt x="20514" y="3394"/>
+                  <a:pt x="20152" y="3240"/>
+                </a:cubicBezTo>
+                <a:close/>
+              </a:path>
+            </a:pathLst>
+          </a:custGeom>
+          <a:solidFill>
+            <a:srgbClr val="FFFFCC"/>
+          </a:solidFill>
+          <a:ln w="9360">
+            <a:solidFill>
+              <a:srgbClr val="000000"/>
+            </a:solidFill>
+            <a:miter lim="800000"/>
+            <a:headEnd/>
+            <a:tailEnd/>
+          </a:ln>
+          <a:effectLst>
+            <a:outerShdw dist="107933" dir="2700000" algn="ctr" rotWithShape="0">
+              <a:srgbClr val="808080"/>
+            </a:outerShdw>
+          </a:effectLst>
+        </p:spPr>
+        <p:txBody>
+          <a:bodyPr lIns="90000" tIns="46800" rIns="90000" bIns="46800"/>
+          <a:lstStyle>
+            <a:lvl1pPr>
+              <a:tabLst>
+                <a:tab pos="0" algn="l"/>
+                <a:tab pos="457200" algn="l"/>
+                <a:tab pos="914400" algn="l"/>
+                <a:tab pos="1371600" algn="l"/>
+                <a:tab pos="1828800" algn="l"/>
+                <a:tab pos="2286000" algn="l"/>
+                <a:tab pos="2743200" algn="l"/>
+                <a:tab pos="3200400" algn="l"/>
+                <a:tab pos="3657600" algn="l"/>
+                <a:tab pos="4114800" algn="l"/>
+                <a:tab pos="4572000" algn="l"/>
+                <a:tab pos="5029200" algn="l"/>
+                <a:tab pos="5486400" algn="l"/>
+                <a:tab pos="5943600" algn="l"/>
+                <a:tab pos="6400800" algn="l"/>
+                <a:tab pos="6858000" algn="l"/>
+                <a:tab pos="7315200" algn="l"/>
+                <a:tab pos="7772400" algn="l"/>
+                <a:tab pos="8229600" algn="l"/>
+                <a:tab pos="8686800" algn="l"/>
+                <a:tab pos="9144000" algn="l"/>
+              </a:tabLst>
+              <a:defRPr>
+                <a:solidFill>
+                  <a:srgbClr val="000000"/>
+                </a:solidFill>
+                <a:latin typeface="Arial" charset="0"/>
+                <a:ea typeface="Lucida Sans Unicode" pitchFamily="34" charset="0"/>
+                <a:cs typeface="Lucida Sans Unicode" pitchFamily="34" charset="0"/>
+              </a:defRPr>
+            </a:lvl1pPr>
+            <a:lvl2pPr>
+              <a:tabLst>
+                <a:tab pos="0" algn="l"/>
+                <a:tab pos="457200" algn="l"/>
+                <a:tab pos="914400" algn="l"/>
+                <a:tab pos="1371600" algn="l"/>
+                <a:tab pos="1828800" algn="l"/>
+                <a:tab pos="2286000" algn="l"/>
+                <a:tab pos="2743200" algn="l"/>
+                <a:tab pos="3200400" algn="l"/>
+                <a:tab pos="3657600" algn="l"/>
+                <a:tab pos="4114800" algn="l"/>
+                <a:tab pos="4572000" algn="l"/>
+                <a:tab pos="5029200" algn="l"/>
+                <a:tab pos="5486400" algn="l"/>
+                <a:tab pos="5943600" algn="l"/>
+                <a:tab pos="6400800" algn="l"/>
+                <a:tab pos="6858000" algn="l"/>
+                <a:tab pos="7315200" algn="l"/>
+                <a:tab pos="7772400" algn="l"/>
+                <a:tab pos="8229600" algn="l"/>
+                <a:tab pos="8686800" algn="l"/>
+                <a:tab pos="9144000" algn="l"/>
+              </a:tabLst>
+              <a:defRPr>
+                <a:solidFill>
+                  <a:srgbClr val="000000"/>
+                </a:solidFill>
+                <a:latin typeface="Arial" charset="0"/>
+                <a:ea typeface="Lucida Sans Unicode" pitchFamily="34" charset="0"/>
+                <a:cs typeface="Lucida Sans Unicode" pitchFamily="34" charset="0"/>
+              </a:defRPr>
+            </a:lvl2pPr>
+            <a:lvl3pPr>
+              <a:tabLst>
+                <a:tab pos="0" algn="l"/>
+                <a:tab pos="457200" algn="l"/>
+                <a:tab pos="914400" algn="l"/>
+                <a:tab pos="1371600" algn="l"/>
+                <a:tab pos="1828800" algn="l"/>
+                <a:tab pos="2286000" algn="l"/>
+                <a:tab pos="2743200" algn="l"/>
+                <a:tab pos="3200400" algn="l"/>
+                <a:tab pos="3657600" algn="l"/>
+                <a:tab pos="4114800" algn="l"/>
+                <a:tab pos="4572000" algn="l"/>
+                <a:tab pos="5029200" algn="l"/>
+                <a:tab pos="5486400" algn="l"/>
+                <a:tab pos="5943600" algn="l"/>
+                <a:tab pos="6400800" algn="l"/>
+                <a:tab pos="6858000" algn="l"/>
+                <a:tab pos="7315200" algn="l"/>
+                <a:tab pos="7772400" algn="l"/>
+                <a:tab pos="8229600" algn="l"/>
+                <a:tab pos="8686800" algn="l"/>
+                <a:tab pos="9144000" algn="l"/>
+              </a:tabLst>
+              <a:defRPr>
+                <a:solidFill>
+                  <a:srgbClr val="000000"/>
+                </a:solidFill>
+                <a:latin typeface="Arial" charset="0"/>
+                <a:ea typeface="Lucida Sans Unicode" pitchFamily="34" charset="0"/>
+                <a:cs typeface="Lucida Sans Unicode" pitchFamily="34" charset="0"/>
+              </a:defRPr>
+            </a:lvl3pPr>
+            <a:lvl4pPr>
+              <a:tabLst>
+                <a:tab pos="0" algn="l"/>
+                <a:tab pos="457200" algn="l"/>
+                <a:tab pos="914400" algn="l"/>
+                <a:tab pos="1371600" algn="l"/>
+                <a:tab pos="1828800" algn="l"/>
+                <a:tab pos="2286000" algn="l"/>
+                <a:tab pos="2743200" algn="l"/>
+                <a:tab pos="3200400" algn="l"/>
+                <a:tab pos="3657600" algn="l"/>
+                <a:tab pos="4114800" algn="l"/>
+                <a:tab pos="4572000" algn="l"/>
+                <a:tab pos="5029200" algn="l"/>
+                <a:tab pos="5486400" algn="l"/>
+                <a:tab pos="5943600" algn="l"/>
+                <a:tab pos="6400800" algn="l"/>
+                <a:tab pos="6858000" algn="l"/>
+                <a:tab pos="7315200" algn="l"/>
+                <a:tab pos="7772400" algn="l"/>
+                <a:tab pos="8229600" algn="l"/>
+                <a:tab pos="8686800" algn="l"/>
+                <a:tab pos="9144000" algn="l"/>
+              </a:tabLst>
+              <a:defRPr>
+                <a:solidFill>
+                  <a:srgbClr val="000000"/>
+                </a:solidFill>
+                <a:latin typeface="Arial" charset="0"/>
+                <a:ea typeface="Lucida Sans Unicode" pitchFamily="34" charset="0"/>
+                <a:cs typeface="Lucida Sans Unicode" pitchFamily="34" charset="0"/>
+              </a:defRPr>
+            </a:lvl4pPr>
+            <a:lvl5pPr>
+              <a:tabLst>
+                <a:tab pos="0" algn="l"/>
+                <a:tab pos="457200" algn="l"/>
+                <a:tab pos="914400" algn="l"/>
+                <a:tab pos="1371600" algn="l"/>
+                <a:tab pos="1828800" algn="l"/>
+                <a:tab pos="2286000" algn="l"/>
+                <a:tab pos="2743200" algn="l"/>
+                <a:tab pos="3200400" algn="l"/>
+                <a:tab pos="3657600" algn="l"/>
+                <a:tab pos="4114800" algn="l"/>
+                <a:tab pos="4572000" algn="l"/>
+                <a:tab pos="5029200" algn="l"/>
+                <a:tab pos="5486400" algn="l"/>
+                <a:tab pos="5943600" algn="l"/>
+                <a:tab pos="6400800" algn="l"/>
+                <a:tab pos="6858000" algn="l"/>
+                <a:tab pos="7315200" algn="l"/>
+                <a:tab pos="7772400" algn="l"/>
+                <a:tab pos="8229600" algn="l"/>
+                <a:tab pos="8686800" algn="l"/>
+                <a:tab pos="9144000" algn="l"/>
+              </a:tabLst>
+              <a:defRPr>
+                <a:solidFill>
+                  <a:srgbClr val="000000"/>
+                </a:solidFill>
+                <a:latin typeface="Arial" charset="0"/>
+                <a:ea typeface="Lucida Sans Unicode" pitchFamily="34" charset="0"/>
+                <a:cs typeface="Lucida Sans Unicode" pitchFamily="34" charset="0"/>
+              </a:defRPr>
+            </a:lvl5pPr>
+            <a:lvl6pPr defTabSz="457200" fontAlgn="base">
+              <a:lnSpc>
+                <a:spcPct val="81000"/>
+              </a:lnSpc>
+              <a:spcBef>
+                <a:spcPct val="0"/>
+              </a:spcBef>
+              <a:spcAft>
+                <a:spcPct val="0"/>
+              </a:spcAft>
+              <a:buClr>
+                <a:srgbClr val="000000"/>
+              </a:buClr>
+              <a:buSzPct val="100000"/>
+              <a:buFont typeface="Arial" charset="0"/>
+              <a:tabLst>
+                <a:tab pos="0" algn="l"/>
+                <a:tab pos="457200" algn="l"/>
+                <a:tab pos="914400" algn="l"/>
+                <a:tab pos="1371600" algn="l"/>
+                <a:tab pos="1828800" algn="l"/>
+                <a:tab pos="2286000" algn="l"/>
+                <a:tab pos="2743200" algn="l"/>
+                <a:tab pos="3200400" algn="l"/>
+                <a:tab pos="3657600" algn="l"/>
+                <a:tab pos="4114800" algn="l"/>
+                <a:tab pos="4572000" algn="l"/>
+                <a:tab pos="5029200" algn="l"/>
+                <a:tab pos="5486400" algn="l"/>
+                <a:tab pos="5943600" algn="l"/>
+                <a:tab pos="6400800" algn="l"/>
+                <a:tab pos="6858000" algn="l"/>
+                <a:tab pos="7315200" algn="l"/>
+                <a:tab pos="7772400" algn="l"/>
+                <a:tab pos="8229600" algn="l"/>
+                <a:tab pos="8686800" algn="l"/>
+                <a:tab pos="9144000" algn="l"/>
+              </a:tabLst>
+              <a:defRPr>
+                <a:solidFill>
+                  <a:srgbClr val="000000"/>
+                </a:solidFill>
+                <a:latin typeface="Arial" charset="0"/>
+                <a:ea typeface="Lucida Sans Unicode" pitchFamily="34" charset="0"/>
+                <a:cs typeface="Lucida Sans Unicode" pitchFamily="34" charset="0"/>
+              </a:defRPr>
+            </a:lvl6pPr>
+            <a:lvl7pPr defTabSz="457200" fontAlgn="base">
+              <a:lnSpc>
+                <a:spcPct val="81000"/>
+              </a:lnSpc>
+              <a:spcBef>
+                <a:spcPct val="0"/>
+              </a:spcBef>
+              <a:spcAft>
+                <a:spcPct val="0"/>
+              </a:spcAft>
+              <a:buClr>
+                <a:srgbClr val="000000"/>
+              </a:buClr>
+              <a:buSzPct val="100000"/>
+              <a:buFont typeface="Arial" charset="0"/>
+              <a:tabLst>
+                <a:tab pos="0" algn="l"/>
+                <a:tab pos="457200" algn="l"/>
+                <a:tab pos="914400" algn="l"/>
+                <a:tab pos="1371600" algn="l"/>
+                <a:tab pos="1828800" algn="l"/>
+                <a:tab pos="2286000" algn="l"/>
+                <a:tab pos="2743200" algn="l"/>
+                <a:tab pos="3200400" algn="l"/>
+                <a:tab pos="3657600" algn="l"/>
+                <a:tab pos="4114800" algn="l"/>
+                <a:tab pos="4572000" algn="l"/>
+                <a:tab pos="5029200" algn="l"/>
+                <a:tab pos="5486400" algn="l"/>
+                <a:tab pos="5943600" algn="l"/>
+                <a:tab pos="6400800" algn="l"/>
+                <a:tab pos="6858000" algn="l"/>
+                <a:tab pos="7315200" algn="l"/>
+                <a:tab pos="7772400" algn="l"/>
+                <a:tab pos="8229600" algn="l"/>
+                <a:tab pos="8686800" algn="l"/>
+                <a:tab pos="9144000" algn="l"/>
+              </a:tabLst>
+              <a:defRPr>
+                <a:solidFill>
+                  <a:srgbClr val="000000"/>
+                </a:solidFill>
+                <a:latin typeface="Arial" charset="0"/>
+                <a:ea typeface="Lucida Sans Unicode" pitchFamily="34" charset="0"/>
+                <a:cs typeface="Lucida Sans Unicode" pitchFamily="34" charset="0"/>
+              </a:defRPr>
+            </a:lvl7pPr>
+            <a:lvl8pPr defTabSz="457200" fontAlgn="base">
+              <a:lnSpc>
+                <a:spcPct val="81000"/>
+              </a:lnSpc>
+              <a:spcBef>
+                <a:spcPct val="0"/>
+              </a:spcBef>
+              <a:spcAft>
+                <a:spcPct val="0"/>
+              </a:spcAft>
+              <a:buClr>
+                <a:srgbClr val="000000"/>
+              </a:buClr>
+              <a:buSzPct val="100000"/>
+              <a:buFont typeface="Arial" charset="0"/>
+              <a:tabLst>
+                <a:tab pos="0" algn="l"/>
+                <a:tab pos="457200" algn="l"/>
+                <a:tab pos="914400" algn="l"/>
+                <a:tab pos="1371600" algn="l"/>
+                <a:tab pos="1828800" algn="l"/>
+                <a:tab pos="2286000" algn="l"/>
+                <a:tab pos="2743200" algn="l"/>
+                <a:tab pos="3200400" algn="l"/>
+                <a:tab pos="3657600" algn="l"/>
+                <a:tab pos="4114800" algn="l"/>
+                <a:tab pos="4572000" algn="l"/>
+                <a:tab pos="5029200" algn="l"/>
+                <a:tab pos="5486400" algn="l"/>
+                <a:tab pos="5943600" algn="l"/>
+                <a:tab pos="6400800" algn="l"/>
+                <a:tab pos="6858000" algn="l"/>
+                <a:tab pos="7315200" algn="l"/>
+                <a:tab pos="7772400" algn="l"/>
+                <a:tab pos="8229600" algn="l"/>
+                <a:tab pos="8686800" algn="l"/>
+                <a:tab pos="9144000" algn="l"/>
+              </a:tabLst>
+              <a:defRPr>
+                <a:solidFill>
+                  <a:srgbClr val="000000"/>
+                </a:solidFill>
+                <a:latin typeface="Arial" charset="0"/>
+                <a:ea typeface="Lucida Sans Unicode" pitchFamily="34" charset="0"/>
+                <a:cs typeface="Lucida Sans Unicode" pitchFamily="34" charset="0"/>
+              </a:defRPr>
+            </a:lvl8pPr>
+            <a:lvl9pPr defTabSz="457200" fontAlgn="base">
+              <a:lnSpc>
+                <a:spcPct val="81000"/>
+              </a:lnSpc>
+              <a:spcBef>
+                <a:spcPct val="0"/>
+              </a:spcBef>
+              <a:spcAft>
+                <a:spcPct val="0"/>
+              </a:spcAft>
+              <a:buClr>
+                <a:srgbClr val="000000"/>
+              </a:buClr>
+              <a:buSzPct val="100000"/>
+              <a:buFont typeface="Arial" charset="0"/>
+              <a:tabLst>
+                <a:tab pos="0" algn="l"/>
+                <a:tab pos="457200" algn="l"/>
+                <a:tab pos="914400" algn="l"/>
+                <a:tab pos="1371600" algn="l"/>
+                <a:tab pos="1828800" algn="l"/>
+                <a:tab pos="2286000" algn="l"/>
+                <a:tab pos="2743200" algn="l"/>
+                <a:tab pos="3200400" algn="l"/>
+                <a:tab pos="3657600" algn="l"/>
+                <a:tab pos="4114800" algn="l"/>
+                <a:tab pos="4572000" algn="l"/>
+                <a:tab pos="5029200" algn="l"/>
+                <a:tab pos="5486400" algn="l"/>
+                <a:tab pos="5943600" algn="l"/>
+                <a:tab pos="6400800" algn="l"/>
+                <a:tab pos="6858000" algn="l"/>
+                <a:tab pos="7315200" algn="l"/>
+                <a:tab pos="7772400" algn="l"/>
+                <a:tab pos="8229600" algn="l"/>
+                <a:tab pos="8686800" algn="l"/>
+                <a:tab pos="9144000" algn="l"/>
+              </a:tabLst>
+              <a:defRPr>
+                <a:solidFill>
+                  <a:srgbClr val="000000"/>
+                </a:solidFill>
+                <a:latin typeface="Arial" charset="0"/>
+                <a:ea typeface="Lucida Sans Unicode" pitchFamily="34" charset="0"/>
+                <a:cs typeface="Lucida Sans Unicode" pitchFamily="34" charset="0"/>
+              </a:defRPr>
+            </a:lvl9pPr>
+          </a:lstStyle>
+          <a:p>
+            <a:pPr>
+              <a:lnSpc>
+                <a:spcPct val="93000"/>
+              </a:lnSpc>
+              <a:buFont typeface="Arial" charset="0"/>
+              <a:buNone/>
+            </a:pPr>
+            <a:r>
+              <a:rPr lang="en-GB" altLang="pl-PL"/>
+              <a:t>math</a:t>
+            </a:r>
+          </a:p>
+        </p:txBody>
+      </p:sp>
+      <p:cxnSp>
+        <p:nvCxnSpPr>
+          <p:cNvPr id="12" name="AutoShape 16"/>
+          <p:cNvCxnSpPr>
+            <a:cxnSpLocks noChangeShapeType="1"/>
+            <a:stCxn id="6" idx="2"/>
+            <a:endCxn id="7" idx="1"/>
+          </p:cNvCxnSpPr>
+          <p:nvPr/>
+        </p:nvCxnSpPr>
+        <p:spPr bwMode="auto">
+          <a:xfrm>
+            <a:off x="1067716" y="2667708"/>
+            <a:ext cx="533400" cy="609600"/>
+          </a:xfrm>
+          <a:prstGeom prst="bentConnector3">
+            <a:avLst>
+              <a:gd name="adj1" fmla="val -1531"/>
+            </a:avLst>
+          </a:prstGeom>
+          <a:noFill/>
+          <a:ln w="9360">
+            <a:solidFill>
+              <a:srgbClr val="000000"/>
+            </a:solidFill>
+            <a:miter lim="800000"/>
+            <a:headEnd/>
+            <a:tailEnd/>
+          </a:ln>
+          <a:effectLst/>
+          <a:extLst>
+            <a:ext uri="{909E8E84-426E-40DD-AFC4-6F175D3DCCD1}">
+              <a14:hiddenFill xmlns:a14="http://schemas.microsoft.com/office/drawing/2010/main">
+                <a:noFill/>
+              </a14:hiddenFill>
+            </a:ext>
+            <a:ext uri="{AF507438-7753-43E0-B8FC-AC1667EBCBE1}">
+              <a14:hiddenEffects xmlns:a14="http://schemas.microsoft.com/office/drawing/2010/main">
+                <a:effectLst>
+                  <a:outerShdw dist="35921" dir="2700000" algn="ctr" rotWithShape="0">
+                    <a:srgbClr val="808080"/>
+                  </a:outerShdw>
+                </a:effectLst>
+              </a14:hiddenEffects>
+            </a:ext>
+          </a:extLst>
+        </p:spPr>
+      </p:cxnSp>
+      <p:cxnSp>
+        <p:nvCxnSpPr>
+          <p:cNvPr id="13" name="AutoShape 17"/>
+          <p:cNvCxnSpPr>
+            <a:cxnSpLocks noChangeShapeType="1"/>
+            <a:stCxn id="6" idx="2"/>
+            <a:endCxn id="11" idx="1"/>
+          </p:cNvCxnSpPr>
+          <p:nvPr/>
+        </p:nvCxnSpPr>
+        <p:spPr bwMode="auto">
+          <a:xfrm>
+            <a:off x="1067716" y="2667708"/>
+            <a:ext cx="533400" cy="3780108"/>
+          </a:xfrm>
+          <a:prstGeom prst="bentConnector3">
+            <a:avLst>
+              <a:gd name="adj1" fmla="val -1531"/>
+            </a:avLst>
+          </a:prstGeom>
+          <a:noFill/>
+          <a:ln w="9360">
+            <a:solidFill>
+              <a:srgbClr val="000000"/>
+            </a:solidFill>
+            <a:miter lim="800000"/>
+            <a:headEnd/>
+            <a:tailEnd/>
+          </a:ln>
+          <a:effectLst/>
+          <a:extLst>
+            <a:ext uri="{909E8E84-426E-40DD-AFC4-6F175D3DCCD1}">
+              <a14:hiddenFill xmlns:a14="http://schemas.microsoft.com/office/drawing/2010/main">
+                <a:noFill/>
+              </a14:hiddenFill>
+            </a:ext>
+            <a:ext uri="{AF507438-7753-43E0-B8FC-AC1667EBCBE1}">
+              <a14:hiddenEffects xmlns:a14="http://schemas.microsoft.com/office/drawing/2010/main">
+                <a:effectLst>
+                  <a:outerShdw dist="35921" dir="2700000" algn="ctr" rotWithShape="0">
+                    <a:srgbClr val="808080"/>
+                  </a:outerShdw>
+                </a:effectLst>
+              </a14:hiddenEffects>
+            </a:ext>
+          </a:extLst>
+        </p:spPr>
+      </p:cxnSp>
+      <p:cxnSp>
+        <p:nvCxnSpPr>
+          <p:cNvPr id="14" name="AutoShape 23"/>
+          <p:cNvCxnSpPr>
+            <a:cxnSpLocks noChangeShapeType="1"/>
+            <a:stCxn id="9" idx="3"/>
+          </p:cNvCxnSpPr>
+          <p:nvPr/>
+        </p:nvCxnSpPr>
+        <p:spPr bwMode="auto">
+          <a:xfrm>
+            <a:off x="2896516" y="4859166"/>
+            <a:ext cx="569913" cy="1587"/>
+          </a:xfrm>
+          <a:prstGeom prst="bentConnector3">
+            <a:avLst>
+              <a:gd name="adj1" fmla="val 50000"/>
+            </a:avLst>
+          </a:prstGeom>
+          <a:noFill/>
+          <a:ln w="9360">
+            <a:solidFill>
+              <a:srgbClr val="000000"/>
+            </a:solidFill>
+            <a:round/>
+            <a:headEnd/>
+            <a:tailEnd type="triangle" w="med" len="med"/>
+          </a:ln>
+          <a:effectLst/>
+          <a:extLst>
+            <a:ext uri="{909E8E84-426E-40DD-AFC4-6F175D3DCCD1}">
+              <a14:hiddenFill xmlns:a14="http://schemas.microsoft.com/office/drawing/2010/main">
+                <a:noFill/>
+              </a14:hiddenFill>
+            </a:ext>
+            <a:ext uri="{AF507438-7753-43E0-B8FC-AC1667EBCBE1}">
+              <a14:hiddenEffects xmlns:a14="http://schemas.microsoft.com/office/drawing/2010/main">
+                <a:effectLst>
+                  <a:outerShdw dist="35921" dir="2700000" algn="ctr" rotWithShape="0">
+                    <a:srgbClr val="808080"/>
+                  </a:outerShdw>
+                </a:effectLst>
+              </a14:hiddenEffects>
+            </a:ext>
+          </a:extLst>
+        </p:spPr>
+      </p:cxnSp>
+      <p:cxnSp>
+        <p:nvCxnSpPr>
+          <p:cNvPr id="15" name="AutoShape 24"/>
+          <p:cNvCxnSpPr>
+            <a:cxnSpLocks noChangeShapeType="1"/>
+            <a:stCxn id="8" idx="3"/>
+          </p:cNvCxnSpPr>
+          <p:nvPr/>
+        </p:nvCxnSpPr>
+        <p:spPr bwMode="auto">
+          <a:xfrm>
+            <a:off x="2939379" y="4055422"/>
+            <a:ext cx="517525" cy="1587"/>
+          </a:xfrm>
+          <a:prstGeom prst="bentConnector3">
+            <a:avLst>
+              <a:gd name="adj1" fmla="val 50000"/>
+            </a:avLst>
+          </a:prstGeom>
+          <a:noFill/>
+          <a:ln w="9360">
+            <a:solidFill>
+              <a:srgbClr val="000000"/>
+            </a:solidFill>
+            <a:round/>
+            <a:headEnd/>
+            <a:tailEnd type="triangle" w="med" len="med"/>
+          </a:ln>
+          <a:effectLst/>
+          <a:extLst>
+            <a:ext uri="{909E8E84-426E-40DD-AFC4-6F175D3DCCD1}">
+              <a14:hiddenFill xmlns:a14="http://schemas.microsoft.com/office/drawing/2010/main">
+                <a:noFill/>
+              </a14:hiddenFill>
+            </a:ext>
+            <a:ext uri="{AF507438-7753-43E0-B8FC-AC1667EBCBE1}">
+              <a14:hiddenEffects xmlns:a14="http://schemas.microsoft.com/office/drawing/2010/main">
+                <a:effectLst>
+                  <a:outerShdw dist="35921" dir="2700000" algn="ctr" rotWithShape="0">
+                    <a:srgbClr val="808080"/>
+                  </a:outerShdw>
+                </a:effectLst>
+              </a14:hiddenEffects>
+            </a:ext>
+          </a:extLst>
+        </p:spPr>
+      </p:cxnSp>
+      <p:cxnSp>
+        <p:nvCxnSpPr>
+          <p:cNvPr id="16" name="AutoShape 25"/>
+          <p:cNvCxnSpPr>
+            <a:cxnSpLocks noChangeShapeType="1"/>
+            <a:stCxn id="7" idx="3"/>
+          </p:cNvCxnSpPr>
+          <p:nvPr/>
+        </p:nvCxnSpPr>
+        <p:spPr bwMode="auto">
+          <a:xfrm>
+            <a:off x="2896516" y="3277308"/>
+            <a:ext cx="569913" cy="1588"/>
+          </a:xfrm>
+          <a:prstGeom prst="bentConnector3">
+            <a:avLst>
+              <a:gd name="adj1" fmla="val 50000"/>
+            </a:avLst>
+          </a:prstGeom>
+          <a:noFill/>
+          <a:ln w="9360">
+            <a:solidFill>
+              <a:srgbClr val="000000"/>
+            </a:solidFill>
+            <a:round/>
+            <a:headEnd/>
+            <a:tailEnd type="triangle" w="med" len="med"/>
+          </a:ln>
+          <a:effectLst/>
+          <a:extLst>
+            <a:ext uri="{909E8E84-426E-40DD-AFC4-6F175D3DCCD1}">
+              <a14:hiddenFill xmlns:a14="http://schemas.microsoft.com/office/drawing/2010/main">
+                <a:noFill/>
+              </a14:hiddenFill>
+            </a:ext>
+            <a:ext uri="{AF507438-7753-43E0-B8FC-AC1667EBCBE1}">
+              <a14:hiddenEffects xmlns:a14="http://schemas.microsoft.com/office/drawing/2010/main">
+                <a:effectLst>
+                  <a:outerShdw dist="35921" dir="2700000" algn="ctr" rotWithShape="0">
+                    <a:srgbClr val="808080"/>
+                  </a:outerShdw>
+                </a:effectLst>
+              </a14:hiddenEffects>
+            </a:ext>
+          </a:extLst>
+        </p:spPr>
+      </p:cxnSp>
+      <p:cxnSp>
+        <p:nvCxnSpPr>
+          <p:cNvPr id="17" name="AutoShape 26"/>
+          <p:cNvCxnSpPr>
+            <a:cxnSpLocks noChangeShapeType="1"/>
+            <a:stCxn id="10" idx="3"/>
+          </p:cNvCxnSpPr>
+          <p:nvPr/>
+        </p:nvCxnSpPr>
+        <p:spPr bwMode="auto">
+          <a:xfrm flipV="1">
+            <a:off x="2896516" y="5635692"/>
+            <a:ext cx="569913" cy="1587"/>
+          </a:xfrm>
+          <a:prstGeom prst="bentConnector3">
+            <a:avLst>
+              <a:gd name="adj1" fmla="val 50000"/>
+            </a:avLst>
+          </a:prstGeom>
+          <a:noFill/>
+          <a:ln w="9360">
+            <a:solidFill>
+              <a:srgbClr val="000000"/>
+            </a:solidFill>
+            <a:round/>
+            <a:headEnd/>
+            <a:tailEnd type="triangle" w="med" len="med"/>
+          </a:ln>
+          <a:effectLst/>
+          <a:extLst>
+            <a:ext uri="{909E8E84-426E-40DD-AFC4-6F175D3DCCD1}">
+              <a14:hiddenFill xmlns:a14="http://schemas.microsoft.com/office/drawing/2010/main">
+                <a:noFill/>
+              </a14:hiddenFill>
+            </a:ext>
+            <a:ext uri="{AF507438-7753-43E0-B8FC-AC1667EBCBE1}">
+              <a14:hiddenEffects xmlns:a14="http://schemas.microsoft.com/office/drawing/2010/main">
+                <a:effectLst>
+                  <a:outerShdw dist="35921" dir="2700000" algn="ctr" rotWithShape="0">
+                    <a:srgbClr val="808080"/>
+                  </a:outerShdw>
+                </a:effectLst>
+              </a14:hiddenEffects>
+            </a:ext>
+          </a:extLst>
+        </p:spPr>
+      </p:cxnSp>
+      <p:cxnSp>
+        <p:nvCxnSpPr>
+          <p:cNvPr id="18" name="AutoShape 27"/>
+          <p:cNvCxnSpPr>
+            <a:cxnSpLocks noChangeShapeType="1"/>
+          </p:cNvCxnSpPr>
+          <p:nvPr/>
+        </p:nvCxnSpPr>
+        <p:spPr bwMode="auto">
+          <a:xfrm>
+            <a:off x="2896516" y="6455980"/>
+            <a:ext cx="569913" cy="1588"/>
+          </a:xfrm>
+          <a:prstGeom prst="bentConnector3">
+            <a:avLst>
+              <a:gd name="adj1" fmla="val 50000"/>
+            </a:avLst>
+          </a:prstGeom>
+          <a:noFill/>
+          <a:ln w="9360">
+            <a:solidFill>
+              <a:srgbClr val="000000"/>
+            </a:solidFill>
+            <a:round/>
+            <a:headEnd/>
+            <a:tailEnd type="triangle" w="med" len="med"/>
+          </a:ln>
+          <a:effectLst/>
+          <a:extLst>
+            <a:ext uri="{909E8E84-426E-40DD-AFC4-6F175D3DCCD1}">
+              <a14:hiddenFill xmlns:a14="http://schemas.microsoft.com/office/drawing/2010/main">
+                <a:noFill/>
+              </a14:hiddenFill>
+            </a:ext>
+            <a:ext uri="{AF507438-7753-43E0-B8FC-AC1667EBCBE1}">
+              <a14:hiddenEffects xmlns:a14="http://schemas.microsoft.com/office/drawing/2010/main">
+                <a:effectLst>
+                  <a:outerShdw dist="35921" dir="2700000" algn="ctr" rotWithShape="0">
+                    <a:srgbClr val="808080"/>
+                  </a:outerShdw>
+                </a:effectLst>
+              </a14:hiddenEffects>
+            </a:ext>
+          </a:extLst>
+        </p:spPr>
+      </p:cxnSp>
+    </p:spTree>
+    <p:extLst>
+      <p:ext uri="{BB962C8B-B14F-4D97-AF65-F5344CB8AC3E}">
+        <p14:creationId xmlns:p14="http://schemas.microsoft.com/office/powerpoint/2010/main" val="1031998258"/>
+      </p:ext>
+    </p:extLst>
+  </p:cSld>
+  <p:clrMapOvr>
+    <a:masterClrMapping/>
+  </p:clrMapOvr>
+</p:sld>
+</file>
+
+<file path=ppt/slides/slide4.xml><?xml version="1.0" encoding="utf-8"?>
+<p:sld xmlns:a="http://schemas.openxmlformats.org/drawingml/2006/main" xmlns:r="http://schemas.openxmlformats.org/officeDocument/2006/relationships" xmlns:p="http://schemas.openxmlformats.org/presentationml/2006/main">
+  <p:cSld>
+    <p:spTree>
+      <p:nvGrpSpPr>
+        <p:cNvPr id="1" name=""/>
+        <p:cNvGrpSpPr/>
+        <p:nvPr/>
+      </p:nvGrpSpPr>
+      <p:grpSpPr>
+        <a:xfrm>
+          <a:off x="0" y="0"/>
+          <a:ext cx="0" cy="0"/>
+          <a:chOff x="0" y="0"/>
+          <a:chExt cx="0" cy="0"/>
+        </a:xfrm>
+      </p:grpSpPr>
+      <p:sp>
+        <p:nvSpPr>
+          <p:cNvPr id="2" name="Title 1"/>
+          <p:cNvSpPr>
+            <a:spLocks noGrp="1"/>
+          </p:cNvSpPr>
+          <p:nvPr>
+            <p:ph type="title"/>
+          </p:nvPr>
+        </p:nvSpPr>
+        <p:spPr/>
+        <p:txBody>
+          <a:bodyPr/>
+          <a:lstStyle/>
+          <a:p>
+            <a:r>
+              <a:rPr lang="pl-PL" dirty="0" smtClean="0"/>
               <a:t>Modele</a:t>
             </a:r>
             <a:endParaRPr lang="en-US" dirty="0"/>
@@ -4317,18 +9068,42 @@
           <a:lstStyle/>
           <a:p>
             <a:r>
-              <a:rPr lang="pl-PL" dirty="0" smtClean="0"/>
+              <a:rPr lang="pl-PL" dirty="0" smtClean="0">
+                <a:latin typeface="Calibri" panose="020F0502020204030204" pitchFamily="34" charset="0"/>
+              </a:rPr>
               <a:t>Zbudowane z trójkątów lub czworościanów</a:t>
             </a:r>
           </a:p>
           <a:p>
             <a:r>
-              <a:rPr lang="pl-PL" dirty="0" smtClean="0"/>
-              <a:t>Modele reprezentowane za pomocą wierzchołków i trójkątów/czworościanów</a:t>
-            </a:r>
-          </a:p>
-          <a:p>
-            <a:endParaRPr lang="en-US" dirty="0"/>
+              <a:rPr lang="pl-PL" dirty="0" smtClean="0">
+                <a:latin typeface="Calibri" panose="020F0502020204030204" pitchFamily="34" charset="0"/>
+              </a:rPr>
+              <a:t>Modele reprezentowane za pomocą wierzchołków i </a:t>
+            </a:r>
+            <a:r>
+              <a:rPr lang="pl-PL" dirty="0" smtClean="0">
+                <a:latin typeface="Calibri" panose="020F0502020204030204" pitchFamily="34" charset="0"/>
+              </a:rPr>
+              <a:t>trójkątów/czworościanów</a:t>
+            </a:r>
+          </a:p>
+          <a:p>
+            <a:r>
+              <a:rPr lang="pl-PL" dirty="0" smtClean="0">
+                <a:latin typeface="Calibri" panose="020F0502020204030204" pitchFamily="34" charset="0"/>
+              </a:rPr>
+              <a:t>Rozszerzenia: </a:t>
+            </a:r>
+            <a:r>
+              <a:rPr lang="en-US" dirty="0">
+                <a:latin typeface="Calibri" panose="020F0502020204030204" pitchFamily="34" charset="0"/>
+              </a:rPr>
+              <a:t>PLY, STL, OFF, OBJ, 3DS</a:t>
+            </a:r>
+            <a:endParaRPr lang="en-US" dirty="0">
+              <a:latin typeface="Calibri" panose="020F0502020204030204" pitchFamily="34" charset="0"/>
+            </a:endParaRPr>
           </a:p>
         </p:txBody>
       </p:sp>
@@ -4382,7 +9157,7 @@
     </p:spTree>
     <p:extLst>
       <p:ext uri="{BB962C8B-B14F-4D97-AF65-F5344CB8AC3E}">
-        <p14:creationId xmlns:p14="http://schemas.microsoft.com/office/powerpoint/2010/main" val="1031998258"/>
+        <p14:creationId xmlns:p14="http://schemas.microsoft.com/office/powerpoint/2010/main" val="1195059230"/>
       </p:ext>
     </p:extLst>
   </p:cSld>
@@ -4392,7 +9167,7 @@
 </p:sld>
 </file>
 
-<file path=ppt/slides/slide4.xml><?xml version="1.0" encoding="utf-8"?>
+<file path=ppt/slides/slide5.xml><?xml version="1.0" encoding="utf-8"?>
 <p:sld xmlns:a="http://schemas.openxmlformats.org/drawingml/2006/main" xmlns:r="http://schemas.openxmlformats.org/officeDocument/2006/relationships" xmlns:p="http://schemas.openxmlformats.org/presentationml/2006/main">
   <p:cSld>
     <p:spTree>
@@ -4455,56 +9230,78 @@
           <a:lstStyle/>
           <a:p>
             <a:r>
-              <a:rPr lang="pl-PL" dirty="0" smtClean="0"/>
+              <a:rPr lang="pl-PL" dirty="0" smtClean="0">
+                <a:latin typeface="Calibri" panose="020F0502020204030204" pitchFamily="34" charset="0"/>
+              </a:rPr>
               <a:t>Zaawansowane algorytmy wygładzania siatek</a:t>
             </a:r>
           </a:p>
           <a:p>
             <a:r>
-              <a:rPr lang="pl-PL" dirty="0" smtClean="0"/>
+              <a:rPr lang="pl-PL" dirty="0" smtClean="0">
+                <a:latin typeface="Calibri" panose="020F0502020204030204" pitchFamily="34" charset="0"/>
+              </a:rPr>
               <a:t>Możliwość naprawiania/uzupełniania siatek</a:t>
             </a:r>
           </a:p>
           <a:p>
             <a:r>
-              <a:rPr lang="pl-PL" dirty="0" smtClean="0"/>
+              <a:rPr lang="pl-PL" dirty="0" smtClean="0">
+                <a:latin typeface="Calibri" panose="020F0502020204030204" pitchFamily="34" charset="0"/>
+              </a:rPr>
               <a:t>Obliczanie krzywizn</a:t>
             </a:r>
           </a:p>
           <a:p>
             <a:r>
-              <a:rPr lang="pl-PL" dirty="0" smtClean="0"/>
+              <a:rPr lang="pl-PL" dirty="0" smtClean="0">
+                <a:latin typeface="Calibri" panose="020F0502020204030204" pitchFamily="34" charset="0"/>
+              </a:rPr>
               <a:t>Rekursywny </a:t>
             </a:r>
             <a:r>
-              <a:rPr lang="pl-PL" dirty="0"/>
+              <a:rPr lang="pl-PL" dirty="0">
+                <a:latin typeface="Calibri" panose="020F0502020204030204" pitchFamily="34" charset="0"/>
+              </a:rPr>
               <a:t>podział </a:t>
             </a:r>
             <a:r>
-              <a:rPr lang="pl-PL" dirty="0" smtClean="0"/>
+              <a:rPr lang="pl-PL" dirty="0" smtClean="0">
+                <a:latin typeface="Calibri" panose="020F0502020204030204" pitchFamily="34" charset="0"/>
+              </a:rPr>
               <a:t>powierzchni  brył </a:t>
             </a:r>
           </a:p>
           <a:p>
             <a:r>
-              <a:rPr lang="pl-PL" dirty="0" smtClean="0"/>
+              <a:rPr lang="pl-PL" dirty="0" smtClean="0">
+                <a:latin typeface="Calibri" panose="020F0502020204030204" pitchFamily="34" charset="0"/>
+              </a:rPr>
               <a:t>Obliczanie odległości Hausdorff a</a:t>
             </a:r>
           </a:p>
           <a:p>
             <a:r>
-              <a:rPr lang="pl-PL" dirty="0" smtClean="0"/>
+              <a:rPr lang="pl-PL" dirty="0" smtClean="0">
+                <a:latin typeface="Calibri" panose="020F0502020204030204" pitchFamily="34" charset="0"/>
+              </a:rPr>
               <a:t>Zapewnione wydajne struktury (siatki jednolite/ siatki haszowane/ drzewa </a:t>
             </a:r>
             <a:r>
-              <a:rPr lang="pl-PL" dirty="0" err="1" smtClean="0"/>
+              <a:rPr lang="pl-PL" dirty="0" err="1" smtClean="0">
+                <a:latin typeface="Calibri" panose="020F0502020204030204" pitchFamily="34" charset="0"/>
+              </a:rPr>
               <a:t>kd</a:t>
             </a:r>
             <a:r>
-              <a:rPr lang="pl-PL" dirty="0" smtClean="0"/>
+              <a:rPr lang="pl-PL" dirty="0" smtClean="0">
+                <a:latin typeface="Calibri" panose="020F0502020204030204" pitchFamily="34" charset="0"/>
+              </a:rPr>
               <a:t>)</a:t>
             </a:r>
-            <a:endParaRPr lang="pl-PL" dirty="0"/>
+            <a:endParaRPr lang="pl-PL" dirty="0">
+              <a:latin typeface="Calibri" panose="020F0502020204030204" pitchFamily="34" charset="0"/>
+            </a:endParaRPr>
           </a:p>
         </p:txBody>
       </p:sp>
@@ -4581,102 +9378,6 @@
 </p:sld>
 </file>
 
-<file path=ppt/slides/slide5.xml><?xml version="1.0" encoding="utf-8"?>
-<p:sld xmlns:a="http://schemas.openxmlformats.org/drawingml/2006/main" xmlns:r="http://schemas.openxmlformats.org/officeDocument/2006/relationships" xmlns:p="http://schemas.openxmlformats.org/presentationml/2006/main">
-  <p:cSld>
-    <p:spTree>
-      <p:nvGrpSpPr>
-        <p:cNvPr id="1" name=""/>
-        <p:cNvGrpSpPr/>
-        <p:nvPr/>
-      </p:nvGrpSpPr>
-      <p:grpSpPr>
-        <a:xfrm>
-          <a:off x="0" y="0"/>
-          <a:ext cx="0" cy="0"/>
-          <a:chOff x="0" y="0"/>
-          <a:chExt cx="0" cy="0"/>
-        </a:xfrm>
-      </p:grpSpPr>
-      <p:sp>
-        <p:nvSpPr>
-          <p:cNvPr id="2" name="Title 1"/>
-          <p:cNvSpPr>
-            <a:spLocks noGrp="1"/>
-          </p:cNvSpPr>
-          <p:nvPr>
-            <p:ph type="title"/>
-          </p:nvPr>
-        </p:nvSpPr>
-        <p:spPr/>
-        <p:txBody>
-          <a:bodyPr/>
-          <a:lstStyle/>
-          <a:p>
-            <a:r>
-              <a:rPr lang="pl-PL" dirty="0"/>
-              <a:t>Projekty wykorzystujące VCG</a:t>
-            </a:r>
-            <a:endParaRPr lang="en-US" dirty="0"/>
-          </a:p>
-        </p:txBody>
-      </p:sp>
-      <p:sp>
-        <p:nvSpPr>
-          <p:cNvPr id="3" name="Content Placeholder 2"/>
-          <p:cNvSpPr>
-            <a:spLocks noGrp="1"/>
-          </p:cNvSpPr>
-          <p:nvPr>
-            <p:ph idx="1"/>
-          </p:nvPr>
-        </p:nvSpPr>
-        <p:spPr/>
-        <p:txBody>
-          <a:bodyPr/>
-          <a:lstStyle/>
-          <a:p>
-            <a:r>
-              <a:rPr lang="pl-PL" dirty="0" err="1" smtClean="0"/>
-              <a:t>MeshLab</a:t>
-            </a:r>
-            <a:r>
-              <a:rPr lang="pl-PL" dirty="0" smtClean="0"/>
-              <a:t> – algorytmy do edytowania, wygładzania, oraz usuwania artefaktów z modeli</a:t>
-            </a:r>
-          </a:p>
-          <a:p>
-            <a:r>
-              <a:rPr lang="pl-PL" dirty="0" smtClean="0"/>
-              <a:t>Metro – narzędzie obliczające różnice między modelami</a:t>
-            </a:r>
-          </a:p>
-          <a:p>
-            <a:r>
-              <a:rPr lang="pl-PL" dirty="0" err="1" smtClean="0"/>
-              <a:t>Michaleangelo</a:t>
-            </a:r>
-            <a:r>
-              <a:rPr lang="pl-PL" dirty="0" smtClean="0"/>
-              <a:t> – utworzenie biblioteki modeli 3D największych zabytków</a:t>
-            </a:r>
-            <a:endParaRPr lang="en-US" dirty="0"/>
-          </a:p>
-        </p:txBody>
-      </p:sp>
-    </p:spTree>
-    <p:extLst>
-      <p:ext uri="{BB962C8B-B14F-4D97-AF65-F5344CB8AC3E}">
-        <p14:creationId xmlns:p14="http://schemas.microsoft.com/office/powerpoint/2010/main" val="3331525133"/>
-      </p:ext>
-    </p:extLst>
-  </p:cSld>
-  <p:clrMapOvr>
-    <a:masterClrMapping/>
-  </p:clrMapOvr>
-</p:sld>
-</file>
-
 <file path=ppt/slides/slide6.xml><?xml version="1.0" encoding="utf-8"?>
 <p:sld xmlns:a="http://schemas.openxmlformats.org/drawingml/2006/main" xmlns:r="http://schemas.openxmlformats.org/officeDocument/2006/relationships" xmlns:p="http://schemas.openxmlformats.org/presentationml/2006/main">
   <p:cSld>
@@ -4710,8 +9411,8 @@
           <a:lstStyle/>
           <a:p>
             <a:r>
-              <a:rPr lang="pl-PL" dirty="0" err="1"/>
-              <a:t>Michaleangelo</a:t>
+              <a:rPr lang="pl-PL" dirty="0"/>
+              <a:t>Projekty wykorzystujące VCG</a:t>
             </a:r>
             <a:endParaRPr lang="en-US" dirty="0"/>
           </a:p>
@@ -4733,46 +9434,167 @@
           <a:lstStyle/>
           <a:p>
             <a:r>
+              <a:rPr lang="pl-PL" dirty="0" err="1" smtClean="0">
+                <a:latin typeface="Calibri" panose="020F0502020204030204" pitchFamily="34" charset="0"/>
+              </a:rPr>
+              <a:t>MeshLab</a:t>
+            </a:r>
+            <a:r>
+              <a:rPr lang="pl-PL" dirty="0" smtClean="0">
+                <a:latin typeface="Calibri" panose="020F0502020204030204" pitchFamily="34" charset="0"/>
+              </a:rPr>
+              <a:t> – algorytmy do edytowania, wygładzania, oraz usuwania artefaktów z modeli</a:t>
+            </a:r>
+          </a:p>
+          <a:p>
+            <a:r>
+              <a:rPr lang="pl-PL" dirty="0" smtClean="0">
+                <a:latin typeface="Calibri" panose="020F0502020204030204" pitchFamily="34" charset="0"/>
+              </a:rPr>
+              <a:t>Metro – narzędzie obliczające różnice między modelami</a:t>
+            </a:r>
+          </a:p>
+          <a:p>
+            <a:r>
+              <a:rPr lang="pl-PL" dirty="0" err="1" smtClean="0">
+                <a:latin typeface="Calibri" panose="020F0502020204030204" pitchFamily="34" charset="0"/>
+              </a:rPr>
+              <a:t>Michaleangelo</a:t>
+            </a:r>
+            <a:r>
+              <a:rPr lang="pl-PL" dirty="0" smtClean="0">
+                <a:latin typeface="Calibri" panose="020F0502020204030204" pitchFamily="34" charset="0"/>
+              </a:rPr>
+              <a:t> – utworzenie biblioteki modeli 3D największych zabytków</a:t>
+            </a:r>
+            <a:endParaRPr lang="en-US" dirty="0">
+              <a:latin typeface="Calibri" panose="020F0502020204030204" pitchFamily="34" charset="0"/>
+            </a:endParaRPr>
+          </a:p>
+        </p:txBody>
+      </p:sp>
+    </p:spTree>
+    <p:extLst>
+      <p:ext uri="{BB962C8B-B14F-4D97-AF65-F5344CB8AC3E}">
+        <p14:creationId xmlns:p14="http://schemas.microsoft.com/office/powerpoint/2010/main" val="3331525133"/>
+      </p:ext>
+    </p:extLst>
+  </p:cSld>
+  <p:clrMapOvr>
+    <a:masterClrMapping/>
+  </p:clrMapOvr>
+</p:sld>
+</file>
+
+<file path=ppt/slides/slide7.xml><?xml version="1.0" encoding="utf-8"?>
+<p:sld xmlns:a="http://schemas.openxmlformats.org/drawingml/2006/main" xmlns:r="http://schemas.openxmlformats.org/officeDocument/2006/relationships" xmlns:p="http://schemas.openxmlformats.org/presentationml/2006/main">
+  <p:cSld>
+    <p:spTree>
+      <p:nvGrpSpPr>
+        <p:cNvPr id="1" name=""/>
+        <p:cNvGrpSpPr/>
+        <p:nvPr/>
+      </p:nvGrpSpPr>
+      <p:grpSpPr>
+        <a:xfrm>
+          <a:off x="0" y="0"/>
+          <a:ext cx="0" cy="0"/>
+          <a:chOff x="0" y="0"/>
+          <a:chExt cx="0" cy="0"/>
+        </a:xfrm>
+      </p:grpSpPr>
+      <p:sp>
+        <p:nvSpPr>
+          <p:cNvPr id="2" name="Title 1"/>
+          <p:cNvSpPr>
+            <a:spLocks noGrp="1"/>
+          </p:cNvSpPr>
+          <p:nvPr>
+            <p:ph type="title"/>
+          </p:nvPr>
+        </p:nvSpPr>
+        <p:spPr/>
+        <p:txBody>
+          <a:bodyPr/>
+          <a:lstStyle/>
+          <a:p>
+            <a:r>
+              <a:rPr lang="pl-PL" dirty="0" err="1"/>
+              <a:t>Michaleangelo</a:t>
+            </a:r>
+            <a:endParaRPr lang="en-US" dirty="0"/>
+          </a:p>
+        </p:txBody>
+      </p:sp>
+      <p:sp>
+        <p:nvSpPr>
+          <p:cNvPr id="3" name="Content Placeholder 2"/>
+          <p:cNvSpPr>
+            <a:spLocks noGrp="1"/>
+          </p:cNvSpPr>
+          <p:nvPr>
+            <p:ph idx="1"/>
+          </p:nvPr>
+        </p:nvSpPr>
+        <p:spPr/>
+        <p:txBody>
+          <a:bodyPr/>
+          <a:lstStyle/>
+          <a:p>
+            <a:r>
               <a:rPr lang="en-US" dirty="0" smtClean="0">
+                <a:latin typeface="Calibri" panose="020F0502020204030204" pitchFamily="34" charset="0"/>
                 <a:hlinkClick r:id="rId2"/>
               </a:rPr>
               <a:t>http</a:t>
             </a:r>
             <a:r>
               <a:rPr lang="en-US" dirty="0">
+                <a:latin typeface="Calibri" panose="020F0502020204030204" pitchFamily="34" charset="0"/>
                 <a:hlinkClick r:id="rId2"/>
               </a:rPr>
               <a:t>://graphics.stanford.edu/projects/mich</a:t>
             </a:r>
             <a:r>
               <a:rPr lang="en-US" dirty="0" smtClean="0">
+                <a:latin typeface="Calibri" panose="020F0502020204030204" pitchFamily="34" charset="0"/>
                 <a:hlinkClick r:id="rId2"/>
               </a:rPr>
               <a:t>/</a:t>
             </a:r>
-            <a:endParaRPr lang="pl-PL" dirty="0" smtClean="0"/>
-          </a:p>
-          <a:p>
-            <a:r>
-              <a:rPr lang="pl-PL" dirty="0" smtClean="0"/>
+            <a:endParaRPr lang="pl-PL" dirty="0" smtClean="0">
+              <a:latin typeface="Calibri" panose="020F0502020204030204" pitchFamily="34" charset="0"/>
+            </a:endParaRPr>
+          </a:p>
+          <a:p>
+            <a:r>
+              <a:rPr lang="pl-PL" dirty="0" smtClean="0">
+                <a:latin typeface="Calibri" panose="020F0502020204030204" pitchFamily="34" charset="0"/>
+              </a:rPr>
               <a:t>Model rzeźby David - Michała Anioła</a:t>
             </a:r>
           </a:p>
           <a:p>
             <a:r>
-              <a:rPr lang="pl-PL" dirty="0" smtClean="0"/>
+              <a:rPr lang="pl-PL" dirty="0" smtClean="0">
+                <a:latin typeface="Calibri" panose="020F0502020204030204" pitchFamily="34" charset="0"/>
+              </a:rPr>
               <a:t>~1 bilion trójkątów</a:t>
             </a:r>
           </a:p>
           <a:p>
             <a:r>
-              <a:rPr lang="pl-PL" dirty="0" smtClean="0"/>
+              <a:rPr lang="pl-PL" dirty="0" smtClean="0">
+                <a:latin typeface="Calibri" panose="020F0502020204030204" pitchFamily="34" charset="0"/>
+              </a:rPr>
               <a:t>Utworzony przy wykorzystaniu skanera laserowego</a:t>
             </a:r>
           </a:p>
           <a:p>
             <a:r>
-              <a:rPr lang="pl-PL" dirty="0" smtClean="0"/>
+              <a:rPr lang="pl-PL" dirty="0" smtClean="0">
+                <a:latin typeface="Calibri" panose="020F0502020204030204" pitchFamily="34" charset="0"/>
+              </a:rPr>
               <a:t>Projekt ma na celu stworzenie cyfrowego archiwum </a:t>
             </a:r>
           </a:p>
@@ -4781,16 +9603,22 @@
               <a:buNone/>
             </a:pPr>
             <a:r>
-              <a:rPr lang="pl-PL" dirty="0" smtClean="0"/>
+              <a:rPr lang="pl-PL" dirty="0" smtClean="0">
+                <a:latin typeface="Calibri" panose="020F0502020204030204" pitchFamily="34" charset="0"/>
+              </a:rPr>
               <a:t>	najważniejszych obiektów kulturalnych</a:t>
             </a:r>
           </a:p>
           <a:p>
             <a:r>
-              <a:rPr lang="pl-PL" dirty="0" smtClean="0"/>
+              <a:rPr lang="pl-PL" dirty="0" smtClean="0">
+                <a:latin typeface="Calibri" panose="020F0502020204030204" pitchFamily="34" charset="0"/>
+              </a:rPr>
               <a:t>Ogólnodostępne zbiory</a:t>
             </a:r>
-            <a:endParaRPr lang="en-US" dirty="0"/>
+            <a:endParaRPr lang="en-US" dirty="0">
+              <a:latin typeface="Calibri" panose="020F0502020204030204" pitchFamily="34" charset="0"/>
+            </a:endParaRPr>
           </a:p>
         </p:txBody>
       </p:sp>
@@ -4822,188 +9650,6 @@
     <p:extLst>
       <p:ext uri="{BB962C8B-B14F-4D97-AF65-F5344CB8AC3E}">
         <p14:creationId xmlns:p14="http://schemas.microsoft.com/office/powerpoint/2010/main" val="2677900306"/>
-      </p:ext>
-    </p:extLst>
-  </p:cSld>
-  <p:clrMapOvr>
-    <a:masterClrMapping/>
-  </p:clrMapOvr>
-</p:sld>
-</file>
-
-<file path=ppt/slides/slide7.xml><?xml version="1.0" encoding="utf-8"?>
-<p:sld xmlns:a="http://schemas.openxmlformats.org/drawingml/2006/main" xmlns:r="http://schemas.openxmlformats.org/officeDocument/2006/relationships" xmlns:p="http://schemas.openxmlformats.org/presentationml/2006/main">
-  <p:cSld>
-    <p:spTree>
-      <p:nvGrpSpPr>
-        <p:cNvPr id="1" name=""/>
-        <p:cNvGrpSpPr/>
-        <p:nvPr/>
-      </p:nvGrpSpPr>
-      <p:grpSpPr>
-        <a:xfrm>
-          <a:off x="0" y="0"/>
-          <a:ext cx="0" cy="0"/>
-          <a:chOff x="0" y="0"/>
-          <a:chExt cx="0" cy="0"/>
-        </a:xfrm>
-      </p:grpSpPr>
-      <p:sp>
-        <p:nvSpPr>
-          <p:cNvPr id="2" name="Tytuł 1"/>
-          <p:cNvSpPr>
-            <a:spLocks noGrp="1"/>
-          </p:cNvSpPr>
-          <p:nvPr>
-            <p:ph type="title"/>
-          </p:nvPr>
-        </p:nvSpPr>
-        <p:spPr/>
-        <p:txBody>
-          <a:bodyPr/>
-          <a:lstStyle/>
-          <a:p>
-            <a:r>
-              <a:rPr lang="pl-PL" dirty="0" smtClean="0"/>
-              <a:t>INFORMACJE O ANALIZOWANYM MODELU</a:t>
-            </a:r>
-            <a:endParaRPr lang="pl-PL" dirty="0"/>
-          </a:p>
-        </p:txBody>
-      </p:sp>
-      <p:sp>
-        <p:nvSpPr>
-          <p:cNvPr id="3" name="Symbol zastępczy zawartości 2"/>
-          <p:cNvSpPr>
-            <a:spLocks noGrp="1"/>
-          </p:cNvSpPr>
-          <p:nvPr>
-            <p:ph idx="1"/>
-          </p:nvPr>
-        </p:nvSpPr>
-        <p:spPr>
-          <a:xfrm>
-            <a:off x="529677" y="2695652"/>
-            <a:ext cx="11029615" cy="2855143"/>
-          </a:xfrm>
-        </p:spPr>
-        <p:txBody>
-          <a:bodyPr numCol="2">
-            <a:normAutofit lnSpcReduction="10000"/>
-          </a:bodyPr>
-          <a:lstStyle/>
-          <a:p>
-            <a:r>
-              <a:rPr lang="pl-PL" dirty="0" smtClean="0"/>
-              <a:t>Liczba ścian</a:t>
-            </a:r>
-          </a:p>
-          <a:p>
-            <a:r>
-              <a:rPr lang="pl-PL" dirty="0" smtClean="0"/>
-              <a:t>Liczba krawędzi</a:t>
-            </a:r>
-          </a:p>
-          <a:p>
-            <a:r>
-              <a:rPr lang="pl-PL" dirty="0" smtClean="0"/>
-              <a:t>Liczba krawędzi ograniczających</a:t>
-            </a:r>
-          </a:p>
-          <a:p>
-            <a:r>
-              <a:rPr lang="pl-PL" dirty="0"/>
-              <a:t>Liczba </a:t>
-            </a:r>
-            <a:r>
-              <a:rPr lang="pl-PL" dirty="0" smtClean="0"/>
-              <a:t>wierzchołków</a:t>
-            </a:r>
-          </a:p>
-          <a:p>
-            <a:r>
-              <a:rPr lang="pl-PL" dirty="0" smtClean="0"/>
-              <a:t>Liczba pojedynczych wierzchołków</a:t>
-            </a:r>
-          </a:p>
-          <a:p>
-            <a:r>
-              <a:rPr lang="pl-PL" dirty="0" smtClean="0"/>
-              <a:t>Liczba powtarzających się wierzchołków</a:t>
-            </a:r>
-            <a:endParaRPr lang="pl-PL" dirty="0"/>
-          </a:p>
-          <a:p>
-            <a:r>
-              <a:rPr lang="pl-PL" dirty="0"/>
-              <a:t>Liczba połączonych </a:t>
-            </a:r>
-            <a:r>
-              <a:rPr lang="pl-PL" dirty="0" smtClean="0"/>
-              <a:t>części</a:t>
-            </a:r>
-          </a:p>
-          <a:p>
-            <a:r>
-              <a:rPr lang="pl-PL" dirty="0" smtClean="0"/>
-              <a:t>Rozmaitość modelu</a:t>
-            </a:r>
-          </a:p>
-          <a:p>
-            <a:r>
-              <a:rPr lang="pl-PL" dirty="0" smtClean="0"/>
-              <a:t>Objętość modelu</a:t>
-            </a:r>
-          </a:p>
-          <a:p>
-            <a:r>
-              <a:rPr lang="pl-PL" dirty="0" smtClean="0"/>
-              <a:t>Kolor modelu</a:t>
-            </a:r>
-          </a:p>
-          <a:p>
-            <a:r>
-              <a:rPr lang="pl-PL" dirty="0" smtClean="0"/>
-              <a:t>Genus</a:t>
-            </a:r>
-            <a:r>
-              <a:rPr lang="pl-PL" dirty="0"/>
-              <a:t> </a:t>
-            </a:r>
-            <a:r>
-              <a:rPr lang="pl-PL" dirty="0" smtClean="0"/>
-              <a:t>modelu</a:t>
-            </a:r>
-          </a:p>
-          <a:p>
-            <a:r>
-              <a:rPr lang="pl-PL" dirty="0" smtClean="0"/>
-              <a:t>Orientacja modelu</a:t>
-            </a:r>
-          </a:p>
-          <a:p>
-            <a:r>
-              <a:rPr lang="pl-PL" dirty="0" smtClean="0"/>
-              <a:t>Regularność modelu</a:t>
-            </a:r>
-          </a:p>
-          <a:p>
-            <a:r>
-              <a:rPr lang="pl-PL" dirty="0" err="1" smtClean="0"/>
-              <a:t>Samoprzecięcia</a:t>
-            </a:r>
-            <a:r>
-              <a:rPr lang="pl-PL" dirty="0" smtClean="0"/>
-              <a:t> w modelu</a:t>
-            </a:r>
-            <a:endParaRPr lang="pl-PL" dirty="0"/>
-          </a:p>
-        </p:txBody>
-      </p:sp>
-    </p:spTree>
-    <p:extLst>
-      <p:ext uri="{BB962C8B-B14F-4D97-AF65-F5344CB8AC3E}">
-        <p14:creationId xmlns:p14="http://schemas.microsoft.com/office/powerpoint/2010/main" val="1574007449"/>
       </p:ext>
     </p:extLst>
   </p:cSld>
@@ -5047,11 +9693,7 @@
           <a:p>
             <a:r>
               <a:rPr lang="pl-PL" dirty="0" smtClean="0"/>
-              <a:t>Half-</a:t>
-            </a:r>
-            <a:r>
-              <a:rPr lang="pl-PL" dirty="0" err="1" smtClean="0"/>
-              <a:t>edge</a:t>
+              <a:t>INFORMACJE O ANALIZOWANYM MODELU</a:t>
             </a:r>
             <a:endParaRPr lang="pl-PL" dirty="0"/>
           </a:p>
@@ -5069,149 +9711,169 @@
         </p:nvSpPr>
         <p:spPr>
           <a:xfrm>
-            <a:off x="581192" y="2180496"/>
-            <a:ext cx="11029615" cy="4130152"/>
+            <a:off x="529677" y="2695652"/>
+            <a:ext cx="11029615" cy="2855143"/>
           </a:xfrm>
         </p:spPr>
         <p:txBody>
-          <a:bodyPr>
-            <a:normAutofit fontScale="92500" lnSpcReduction="10000"/>
+          <a:bodyPr numCol="2">
+            <a:normAutofit lnSpcReduction="10000"/>
           </a:bodyPr>
           <a:lstStyle/>
           <a:p>
-            <a:endParaRPr lang="pl-PL" dirty="0" smtClean="0"/>
-          </a:p>
-          <a:p>
-            <a:r>
-              <a:rPr lang="pl-PL" dirty="0" smtClean="0"/>
-              <a:t>Struktura przechowująca informacje o topologii modelu 3D (wierzchołki, krawędzie, ściany)</a:t>
-            </a:r>
-          </a:p>
-          <a:p>
-            <a:r>
-              <a:rPr lang="pl-PL" dirty="0" smtClean="0"/>
-              <a:t>Struktura listowa, budowana na wskaźnikach</a:t>
-            </a:r>
-          </a:p>
-          <a:p>
-            <a:r>
-              <a:rPr lang="pl-PL" dirty="0" smtClean="0"/>
-              <a:t>Dostęp do elementu w czasie stałym</a:t>
-            </a:r>
-          </a:p>
-          <a:p>
-            <a:r>
-              <a:rPr lang="pl-PL" dirty="0" smtClean="0"/>
-              <a:t>Krawędzie są reprezentowane przez </a:t>
-            </a:r>
-            <a:r>
-              <a:rPr lang="pl-PL" dirty="0"/>
-              <a:t>dwie </a:t>
-            </a:r>
-            <a:r>
-              <a:rPr lang="pl-PL" dirty="0" smtClean="0"/>
-              <a:t>półkrawędzie</a:t>
-            </a:r>
-          </a:p>
-          <a:p>
-            <a:endParaRPr lang="pl-PL" dirty="0" smtClean="0"/>
-          </a:p>
-          <a:p>
-            <a:pPr marL="0" indent="0">
-              <a:buNone/>
-            </a:pPr>
-            <a:r>
-              <a:rPr lang="pl-PL" dirty="0" smtClean="0"/>
-              <a:t>Każda półkrawędź zawiera wskaźnik do:</a:t>
-            </a:r>
-          </a:p>
-          <a:p>
-            <a:r>
-              <a:rPr lang="pl-PL" dirty="0" smtClean="0"/>
-              <a:t>Wierzchołka końcowego (</a:t>
-            </a:r>
-            <a:r>
-              <a:rPr lang="pl-PL" dirty="0" err="1" smtClean="0"/>
-              <a:t>vertex</a:t>
-            </a:r>
-            <a:r>
-              <a:rPr lang="pl-PL" dirty="0" smtClean="0"/>
-              <a:t>(e))</a:t>
-            </a:r>
-          </a:p>
-          <a:p>
-            <a:r>
-              <a:rPr lang="pl-PL" dirty="0" smtClean="0"/>
-              <a:t>Przeciwnej półkrawędzi (</a:t>
-            </a:r>
-            <a:r>
-              <a:rPr lang="pl-PL" dirty="0" err="1" smtClean="0"/>
-              <a:t>opposite</a:t>
-            </a:r>
-            <a:r>
-              <a:rPr lang="pl-PL" dirty="0" smtClean="0"/>
-              <a:t>(e))</a:t>
-            </a:r>
-          </a:p>
-          <a:p>
-            <a:r>
-              <a:rPr lang="pl-PL" dirty="0" smtClean="0"/>
-              <a:t>Następnej półkrawędzi (</a:t>
-            </a:r>
-            <a:r>
-              <a:rPr lang="pl-PL" dirty="0" err="1" smtClean="0"/>
-              <a:t>next</a:t>
-            </a:r>
-            <a:r>
-              <a:rPr lang="pl-PL" dirty="0" smtClean="0"/>
-              <a:t>(e))</a:t>
-            </a:r>
-          </a:p>
-          <a:p>
-            <a:r>
-              <a:rPr lang="pl-PL" dirty="0" smtClean="0"/>
-              <a:t>Przyległej ściany(face(e))</a:t>
-            </a:r>
-          </a:p>
-          <a:p>
-            <a:endParaRPr lang="pl-PL" dirty="0"/>
+            <a:r>
+              <a:rPr lang="pl-PL" dirty="0" smtClean="0">
+                <a:latin typeface="Calibri" panose="020F0502020204030204" pitchFamily="34" charset="0"/>
+              </a:rPr>
+              <a:t>Liczba ścian</a:t>
+            </a:r>
+          </a:p>
+          <a:p>
+            <a:r>
+              <a:rPr lang="pl-PL" dirty="0" smtClean="0">
+                <a:latin typeface="Calibri" panose="020F0502020204030204" pitchFamily="34" charset="0"/>
+              </a:rPr>
+              <a:t>Liczba krawędzi</a:t>
+            </a:r>
+          </a:p>
+          <a:p>
+            <a:r>
+              <a:rPr lang="pl-PL" dirty="0" smtClean="0">
+                <a:latin typeface="Calibri" panose="020F0502020204030204" pitchFamily="34" charset="0"/>
+              </a:rPr>
+              <a:t>Liczba krawędzi ograniczających</a:t>
+            </a:r>
+          </a:p>
+          <a:p>
+            <a:r>
+              <a:rPr lang="pl-PL" dirty="0">
+                <a:latin typeface="Calibri" panose="020F0502020204030204" pitchFamily="34" charset="0"/>
+              </a:rPr>
+              <a:t>Liczba </a:t>
+            </a:r>
+            <a:r>
+              <a:rPr lang="pl-PL" dirty="0" smtClean="0">
+                <a:latin typeface="Calibri" panose="020F0502020204030204" pitchFamily="34" charset="0"/>
+              </a:rPr>
+              <a:t>wierzchołków</a:t>
+            </a:r>
+          </a:p>
+          <a:p>
+            <a:r>
+              <a:rPr lang="pl-PL" dirty="0" smtClean="0">
+                <a:latin typeface="Calibri" panose="020F0502020204030204" pitchFamily="34" charset="0"/>
+              </a:rPr>
+              <a:t>Liczba pojedynczych wierzchołków</a:t>
+            </a:r>
+          </a:p>
+          <a:p>
+            <a:r>
+              <a:rPr lang="pl-PL" dirty="0" smtClean="0">
+                <a:latin typeface="Calibri" panose="020F0502020204030204" pitchFamily="34" charset="0"/>
+              </a:rPr>
+              <a:t>Liczba powtarzających się wierzchołków</a:t>
+            </a:r>
+            <a:endParaRPr lang="pl-PL" dirty="0">
+              <a:latin typeface="Calibri" panose="020F0502020204030204" pitchFamily="34" charset="0"/>
+            </a:endParaRPr>
+          </a:p>
+          <a:p>
+            <a:r>
+              <a:rPr lang="pl-PL" dirty="0">
+                <a:latin typeface="Calibri" panose="020F0502020204030204" pitchFamily="34" charset="0"/>
+              </a:rPr>
+              <a:t>Liczba połączonych </a:t>
+            </a:r>
+            <a:r>
+              <a:rPr lang="pl-PL" dirty="0" smtClean="0">
+                <a:latin typeface="Calibri" panose="020F0502020204030204" pitchFamily="34" charset="0"/>
+              </a:rPr>
+              <a:t>części</a:t>
+            </a:r>
+          </a:p>
+          <a:p>
+            <a:r>
+              <a:rPr lang="pl-PL" dirty="0" smtClean="0">
+                <a:latin typeface="Calibri" panose="020F0502020204030204" pitchFamily="34" charset="0"/>
+              </a:rPr>
+              <a:t>Rozmaitość modelu</a:t>
+            </a:r>
+          </a:p>
+          <a:p>
+            <a:r>
+              <a:rPr lang="pl-PL" dirty="0" smtClean="0">
+                <a:latin typeface="Calibri" panose="020F0502020204030204" pitchFamily="34" charset="0"/>
+              </a:rPr>
+              <a:t>Objętość modelu</a:t>
+            </a:r>
+          </a:p>
+          <a:p>
+            <a:r>
+              <a:rPr lang="pl-PL" dirty="0" smtClean="0">
+                <a:latin typeface="Calibri" panose="020F0502020204030204" pitchFamily="34" charset="0"/>
+              </a:rPr>
+              <a:t>Kolor modelu</a:t>
+            </a:r>
+          </a:p>
+          <a:p>
+            <a:r>
+              <a:rPr lang="pl-PL" dirty="0" smtClean="0">
+                <a:latin typeface="Calibri" panose="020F0502020204030204" pitchFamily="34" charset="0"/>
+              </a:rPr>
+              <a:t>Genus</a:t>
+            </a:r>
+            <a:r>
+              <a:rPr lang="pl-PL" dirty="0">
+                <a:latin typeface="Calibri" panose="020F0502020204030204" pitchFamily="34" charset="0"/>
+              </a:rPr>
+              <a:t> </a:t>
+            </a:r>
+            <a:r>
+              <a:rPr lang="pl-PL" dirty="0" smtClean="0">
+                <a:latin typeface="Calibri" panose="020F0502020204030204" pitchFamily="34" charset="0"/>
+              </a:rPr>
+              <a:t>modelu</a:t>
+            </a:r>
+          </a:p>
+          <a:p>
+            <a:r>
+              <a:rPr lang="pl-PL" dirty="0" smtClean="0">
+                <a:latin typeface="Calibri" panose="020F0502020204030204" pitchFamily="34" charset="0"/>
+              </a:rPr>
+              <a:t>Orientacja modelu</a:t>
+            </a:r>
+          </a:p>
+          <a:p>
+            <a:r>
+              <a:rPr lang="pl-PL" dirty="0" smtClean="0">
+                <a:latin typeface="Calibri" panose="020F0502020204030204" pitchFamily="34" charset="0"/>
+              </a:rPr>
+              <a:t>Regularność modelu</a:t>
+            </a:r>
+          </a:p>
+          <a:p>
+            <a:r>
+              <a:rPr lang="pl-PL" dirty="0" err="1" smtClean="0">
+                <a:latin typeface="Calibri" panose="020F0502020204030204" pitchFamily="34" charset="0"/>
+              </a:rPr>
+              <a:t>Samoprzecięcia</a:t>
+            </a:r>
+            <a:r>
+              <a:rPr lang="pl-PL" dirty="0" smtClean="0">
+                <a:latin typeface="Calibri" panose="020F0502020204030204" pitchFamily="34" charset="0"/>
+              </a:rPr>
+              <a:t> w modelu</a:t>
+            </a:r>
+            <a:endParaRPr lang="pl-PL" dirty="0">
+              <a:latin typeface="Calibri" panose="020F0502020204030204" pitchFamily="34" charset="0"/>
+            </a:endParaRPr>
           </a:p>
         </p:txBody>
       </p:sp>
-      <p:pic>
-        <p:nvPicPr>
-          <p:cNvPr id="4" name="Obraz 3"/>
-          <p:cNvPicPr>
-            <a:picLocks noChangeAspect="1"/>
-          </p:cNvPicPr>
-          <p:nvPr/>
-        </p:nvPicPr>
-        <p:blipFill>
-          <a:blip r:embed="rId2">
-            <a:extLst>
-              <a:ext uri="{28A0092B-C50C-407E-A947-70E740481C1C}">
-                <a14:useLocalDpi xmlns:a14="http://schemas.microsoft.com/office/drawing/2010/main" val="0"/>
-              </a:ext>
-            </a:extLst>
-          </a:blip>
-          <a:stretch>
-            <a:fillRect/>
-          </a:stretch>
-        </p:blipFill>
-        <p:spPr>
-          <a:xfrm>
-            <a:off x="7096258" y="3090930"/>
-            <a:ext cx="4210181" cy="3063896"/>
-          </a:xfrm>
-          <a:prstGeom prst="rect">
-            <a:avLst/>
-          </a:prstGeom>
-        </p:spPr>
-      </p:pic>
     </p:spTree>
     <p:extLst>
       <p:ext uri="{BB962C8B-B14F-4D97-AF65-F5344CB8AC3E}">
-        <p14:creationId xmlns:p14="http://schemas.microsoft.com/office/powerpoint/2010/main" val="2852919667"/>
+        <p14:creationId xmlns:p14="http://schemas.microsoft.com/office/powerpoint/2010/main" val="1574007449"/>
       </p:ext>
     </p:extLst>
   </p:cSld>
@@ -5255,7 +9917,11 @@
           <a:p>
             <a:r>
               <a:rPr lang="pl-PL" dirty="0" smtClean="0"/>
-              <a:t>WYKORZYSTANIE BIBLIOTEKI</a:t>
+              <a:t>Half-</a:t>
+            </a:r>
+            <a:r>
+              <a:rPr lang="pl-PL" dirty="0" err="1" smtClean="0"/>
+              <a:t>edge</a:t>
             </a:r>
             <a:endParaRPr lang="pl-PL" dirty="0"/>
           </a:p>
@@ -5271,54 +9937,162 @@
             <p:ph idx="1"/>
           </p:nvPr>
         </p:nvSpPr>
-        <p:spPr/>
+        <p:spPr>
+          <a:xfrm>
+            <a:off x="581192" y="2180496"/>
+            <a:ext cx="11029615" cy="4130152"/>
+          </a:xfrm>
+        </p:spPr>
         <p:txBody>
-          <a:bodyPr/>
+          <a:bodyPr>
+            <a:normAutofit fontScale="92500" lnSpcReduction="10000"/>
+          </a:bodyPr>
           <a:lstStyle/>
           <a:p>
-            <a:r>
-              <a:rPr lang="pl-PL" dirty="0" smtClean="0"/>
-              <a:t>Zdefiniowanie  używanych typów zapewnionych przez bibliotekę </a:t>
-            </a:r>
-          </a:p>
-          <a:p>
-            <a:endParaRPr lang="pl-PL" dirty="0"/>
-          </a:p>
-          <a:p>
-            <a:endParaRPr lang="pl-PL" dirty="0" smtClean="0"/>
-          </a:p>
-          <a:p>
-            <a:endParaRPr lang="pl-PL" dirty="0" smtClean="0"/>
-          </a:p>
-          <a:p>
-            <a:r>
-              <a:rPr lang="pl-PL" dirty="0" smtClean="0"/>
-              <a:t>Zdefiniowanie  własnych typów za pomocą dostępnych atrybutów</a:t>
-            </a:r>
-          </a:p>
-          <a:p>
-            <a:endParaRPr lang="pl-PL" dirty="0"/>
-          </a:p>
-          <a:p>
-            <a:endParaRPr lang="pl-PL" dirty="0" smtClean="0"/>
-          </a:p>
-          <a:p>
-            <a:r>
-              <a:rPr lang="pl-PL" dirty="0" smtClean="0"/>
-              <a:t>Zdefiniowanie siatki modelu</a:t>
-            </a:r>
-            <a:endParaRPr lang="pl-PL" dirty="0"/>
-          </a:p>
-          <a:p>
-            <a:endParaRPr lang="pl-PL" dirty="0"/>
+            <a:endParaRPr lang="pl-PL" dirty="0" smtClean="0">
+              <a:latin typeface="Calibri" panose="020F0502020204030204" pitchFamily="34" charset="0"/>
+            </a:endParaRPr>
+          </a:p>
+          <a:p>
+            <a:r>
+              <a:rPr lang="pl-PL" dirty="0" smtClean="0">
+                <a:latin typeface="Calibri" panose="020F0502020204030204" pitchFamily="34" charset="0"/>
+              </a:rPr>
+              <a:t>Struktura przechowująca informacje o topologii modelu 3D (wierzchołki, krawędzie, ściany)</a:t>
+            </a:r>
+          </a:p>
+          <a:p>
+            <a:r>
+              <a:rPr lang="pl-PL" dirty="0" smtClean="0">
+                <a:latin typeface="Calibri" panose="020F0502020204030204" pitchFamily="34" charset="0"/>
+              </a:rPr>
+              <a:t>Struktura listowa, budowana na wskaźnikach</a:t>
+            </a:r>
+          </a:p>
+          <a:p>
+            <a:r>
+              <a:rPr lang="pl-PL" dirty="0" smtClean="0">
+                <a:latin typeface="Calibri" panose="020F0502020204030204" pitchFamily="34" charset="0"/>
+              </a:rPr>
+              <a:t>Dostęp do elementu w czasie stałym</a:t>
+            </a:r>
+          </a:p>
+          <a:p>
+            <a:r>
+              <a:rPr lang="pl-PL" dirty="0" smtClean="0">
+                <a:latin typeface="Calibri" panose="020F0502020204030204" pitchFamily="34" charset="0"/>
+              </a:rPr>
+              <a:t>Krawędzie są reprezentowane przez </a:t>
+            </a:r>
+            <a:r>
+              <a:rPr lang="pl-PL" dirty="0">
+                <a:latin typeface="Calibri" panose="020F0502020204030204" pitchFamily="34" charset="0"/>
+              </a:rPr>
+              <a:t>dwie </a:t>
+            </a:r>
+            <a:r>
+              <a:rPr lang="pl-PL" dirty="0" smtClean="0">
+                <a:latin typeface="Calibri" panose="020F0502020204030204" pitchFamily="34" charset="0"/>
+              </a:rPr>
+              <a:t>półkrawędzie</a:t>
+            </a:r>
+          </a:p>
+          <a:p>
+            <a:endParaRPr lang="pl-PL" dirty="0" smtClean="0">
+              <a:latin typeface="Calibri" panose="020F0502020204030204" pitchFamily="34" charset="0"/>
+            </a:endParaRPr>
+          </a:p>
+          <a:p>
+            <a:pPr marL="0" indent="0">
+              <a:buNone/>
+            </a:pPr>
+            <a:r>
+              <a:rPr lang="pl-PL" dirty="0" smtClean="0">
+                <a:latin typeface="Calibri" panose="020F0502020204030204" pitchFamily="34" charset="0"/>
+              </a:rPr>
+              <a:t>Każda półkrawędź zawiera wskaźnik do:</a:t>
+            </a:r>
+          </a:p>
+          <a:p>
+            <a:r>
+              <a:rPr lang="pl-PL" dirty="0" smtClean="0">
+                <a:latin typeface="Calibri" panose="020F0502020204030204" pitchFamily="34" charset="0"/>
+              </a:rPr>
+              <a:t>Wierzchołka końcowego (</a:t>
+            </a:r>
+            <a:r>
+              <a:rPr lang="pl-PL" dirty="0" err="1" smtClean="0">
+                <a:latin typeface="Calibri" panose="020F0502020204030204" pitchFamily="34" charset="0"/>
+              </a:rPr>
+              <a:t>vertex</a:t>
+            </a:r>
+            <a:r>
+              <a:rPr lang="pl-PL" dirty="0" smtClean="0">
+                <a:latin typeface="Calibri" panose="020F0502020204030204" pitchFamily="34" charset="0"/>
+              </a:rPr>
+              <a:t>(e))</a:t>
+            </a:r>
+          </a:p>
+          <a:p>
+            <a:r>
+              <a:rPr lang="pl-PL" dirty="0" smtClean="0">
+                <a:latin typeface="Calibri" panose="020F0502020204030204" pitchFamily="34" charset="0"/>
+              </a:rPr>
+              <a:t>Przeciwnej półkrawędzi (</a:t>
+            </a:r>
+            <a:r>
+              <a:rPr lang="pl-PL" dirty="0" err="1" smtClean="0">
+                <a:latin typeface="Calibri" panose="020F0502020204030204" pitchFamily="34" charset="0"/>
+              </a:rPr>
+              <a:t>opposite</a:t>
+            </a:r>
+            <a:r>
+              <a:rPr lang="pl-PL" dirty="0" smtClean="0">
+                <a:latin typeface="Calibri" panose="020F0502020204030204" pitchFamily="34" charset="0"/>
+              </a:rPr>
+              <a:t>(e))</a:t>
+            </a:r>
+          </a:p>
+          <a:p>
+            <a:r>
+              <a:rPr lang="pl-PL" dirty="0" smtClean="0">
+                <a:latin typeface="Calibri" panose="020F0502020204030204" pitchFamily="34" charset="0"/>
+              </a:rPr>
+              <a:t>Następnej półkrawędzi (</a:t>
+            </a:r>
+            <a:r>
+              <a:rPr lang="pl-PL" dirty="0" err="1" smtClean="0">
+                <a:latin typeface="Calibri" panose="020F0502020204030204" pitchFamily="34" charset="0"/>
+              </a:rPr>
+              <a:t>next</a:t>
+            </a:r>
+            <a:r>
+              <a:rPr lang="pl-PL" dirty="0" smtClean="0">
+                <a:latin typeface="Calibri" panose="020F0502020204030204" pitchFamily="34" charset="0"/>
+              </a:rPr>
+              <a:t>(e))</a:t>
+            </a:r>
+          </a:p>
+          <a:p>
+            <a:r>
+              <a:rPr lang="pl-PL" dirty="0" smtClean="0">
+                <a:latin typeface="Calibri" panose="020F0502020204030204" pitchFamily="34" charset="0"/>
+              </a:rPr>
+              <a:t>Przyległej ściany(face(e))</a:t>
+            </a:r>
+          </a:p>
+          <a:p>
+            <a:endParaRPr lang="pl-PL" dirty="0">
+              <a:latin typeface="Calibri" panose="020F0502020204030204" pitchFamily="34" charset="0"/>
+            </a:endParaRPr>
           </a:p>
         </p:txBody>
       </p:sp>
       <p:pic>
         <p:nvPicPr>
-          <p:cNvPr id="1026" name="Picture 2"/>
+          <p:cNvPr id="4" name="Obraz 3"/>
           <p:cNvPicPr>
-            <a:picLocks noChangeAspect="1" noChangeArrowheads="1"/>
+            <a:picLocks noChangeAspect="1"/>
           </p:cNvPicPr>
           <p:nvPr/>
         </p:nvPicPr>
@@ -5330,154 +10104,24 @@
               </a:ext>
             </a:extLst>
           </a:blip>
-          <a:srcRect/>
           <a:stretch>
             <a:fillRect/>
           </a:stretch>
         </p:blipFill>
-        <p:spPr bwMode="auto">
+        <p:spPr>
           <a:xfrm>
-            <a:off x="762536" y="2594110"/>
-            <a:ext cx="8913813" cy="1231900"/>
+            <a:off x="7096258" y="3090930"/>
+            <a:ext cx="4210181" cy="3063896"/>
           </a:xfrm>
           <a:prstGeom prst="rect">
             <a:avLst/>
           </a:prstGeom>
-          <a:noFill/>
-          <a:ln>
-            <a:noFill/>
-          </a:ln>
-          <a:extLst>
-            <a:ext uri="{909E8E84-426E-40DD-AFC4-6F175D3DCCD1}">
-              <a14:hiddenFill xmlns:a14="http://schemas.microsoft.com/office/drawing/2010/main">
-                <a:solidFill>
-                  <a:schemeClr val="accent1"/>
-                </a:solidFill>
-              </a14:hiddenFill>
-            </a:ext>
-            <a:ext uri="{91240B29-F687-4F45-9708-019B960494DF}">
-              <a14:hiddenLine xmlns:a14="http://schemas.microsoft.com/office/drawing/2010/main" w="9525">
-                <a:solidFill>
-                  <a:schemeClr val="tx1"/>
-                </a:solidFill>
-                <a:miter lim="800000"/>
-                <a:headEnd/>
-                <a:tailEnd/>
-              </a14:hiddenLine>
-            </a:ext>
-          </a:extLst>
-        </p:spPr>
-      </p:pic>
-      <p:pic>
-        <p:nvPicPr>
-          <p:cNvPr id="1027" name="Picture 3"/>
-          <p:cNvPicPr>
-            <a:picLocks noChangeAspect="1" noChangeArrowheads="1"/>
-          </p:cNvPicPr>
-          <p:nvPr/>
-        </p:nvPicPr>
-        <p:blipFill rotWithShape="1">
-          <a:blip r:embed="rId3">
-            <a:extLst>
-              <a:ext uri="{28A0092B-C50C-407E-A947-70E740481C1C}">
-                <a14:useLocalDpi xmlns:a14="http://schemas.microsoft.com/office/drawing/2010/main" val="0"/>
-              </a:ext>
-            </a:extLst>
-          </a:blip>
-          <a:srcRect b="39530"/>
-          <a:stretch/>
-        </p:blipFill>
-        <p:spPr bwMode="auto">
-          <a:xfrm>
-            <a:off x="762536" y="4178726"/>
-            <a:ext cx="10382250" cy="650852"/>
-          </a:xfrm>
-          <a:prstGeom prst="rect">
-            <a:avLst/>
-          </a:prstGeom>
-          <a:noFill/>
-          <a:ln>
-            <a:noFill/>
-          </a:ln>
-          <a:extLst>
-            <a:ext uri="{909E8E84-426E-40DD-AFC4-6F175D3DCCD1}">
-              <a14:hiddenFill xmlns:a14="http://schemas.microsoft.com/office/drawing/2010/main">
-                <a:solidFill>
-                  <a:schemeClr val="accent1"/>
-                </a:solidFill>
-              </a14:hiddenFill>
-            </a:ext>
-            <a:ext uri="{91240B29-F687-4F45-9708-019B960494DF}">
-              <a14:hiddenLine xmlns:a14="http://schemas.microsoft.com/office/drawing/2010/main" w="9525">
-                <a:solidFill>
-                  <a:schemeClr val="tx1"/>
-                </a:solidFill>
-                <a:miter lim="800000"/>
-                <a:headEnd/>
-                <a:tailEnd/>
-              </a14:hiddenLine>
-            </a:ext>
-          </a:extLst>
-        </p:spPr>
-      </p:pic>
-      <p:pic>
-        <p:nvPicPr>
-          <p:cNvPr id="1028" name="Picture 4"/>
-          <p:cNvPicPr>
-            <a:picLocks noChangeAspect="1" noChangeArrowheads="1"/>
-          </p:cNvPicPr>
-          <p:nvPr/>
-        </p:nvPicPr>
-        <p:blipFill>
-          <a:blip r:embed="rId4">
-            <a:extLst>
-              <a:ext uri="{28A0092B-C50C-407E-A947-70E740481C1C}">
-                <a14:useLocalDpi xmlns:a14="http://schemas.microsoft.com/office/drawing/2010/main" val="0"/>
-              </a:ext>
-            </a:extLst>
-          </a:blip>
-          <a:srcRect/>
-          <a:stretch>
-            <a:fillRect/>
-          </a:stretch>
-        </p:blipFill>
-        <p:spPr bwMode="auto">
-          <a:xfrm>
-            <a:off x="762536" y="5498474"/>
-            <a:ext cx="9734550" cy="342900"/>
-          </a:xfrm>
-          <a:prstGeom prst="rect">
-            <a:avLst/>
-          </a:prstGeom>
-          <a:noFill/>
-          <a:ln>
-            <a:noFill/>
-          </a:ln>
-          <a:extLst>
-            <a:ext uri="{909E8E84-426E-40DD-AFC4-6F175D3DCCD1}">
-              <a14:hiddenFill xmlns:a14="http://schemas.microsoft.com/office/drawing/2010/main">
-                <a:solidFill>
-                  <a:schemeClr val="accent1"/>
-                </a:solidFill>
-              </a14:hiddenFill>
-            </a:ext>
-            <a:ext uri="{91240B29-F687-4F45-9708-019B960494DF}">
-              <a14:hiddenLine xmlns:a14="http://schemas.microsoft.com/office/drawing/2010/main" w="9525">
-                <a:solidFill>
-                  <a:schemeClr val="tx1"/>
-                </a:solidFill>
-                <a:miter lim="800000"/>
-                <a:headEnd/>
-                <a:tailEnd/>
-              </a14:hiddenLine>
-            </a:ext>
-          </a:extLst>
         </p:spPr>
       </p:pic>
     </p:spTree>
     <p:extLst>
       <p:ext uri="{BB962C8B-B14F-4D97-AF65-F5344CB8AC3E}">
-        <p14:creationId xmlns:p14="http://schemas.microsoft.com/office/powerpoint/2010/main" val="81350203"/>
+        <p14:creationId xmlns:p14="http://schemas.microsoft.com/office/powerpoint/2010/main" val="2852919667"/>
       </p:ext>
     </p:extLst>
   </p:cSld>
@@ -5750,7 +10394,7 @@
   <a:extraClrSchemeLst/>
   <a:extLst>
     <a:ext uri="{05A4C25C-085E-4340-85A3-A5531E510DB2}">
-      <thm15:themeFamily xmlns="" xmlns:thm15="http://schemas.microsoft.com/office/thememl/2012/main" name="Dividend" id="{9697A71B-4AB7-4A1A-BD5B-BB2D22835B57}" vid="{C21699FF-00E4-43C8-BBCC-D7E5536C3717}"/>
+      <thm15:themeFamily xmlns:thm15="http://schemas.microsoft.com/office/thememl/2012/main" xmlns="" name="Dividend" id="{9697A71B-4AB7-4A1A-BD5B-BB2D22835B57}" vid="{C21699FF-00E4-43C8-BBCC-D7E5536C3717}"/>
     </a:ext>
   </a:extLst>
 </a:theme>
